--- a/Py B - unit 6.pptx
+++ b/Py B - unit 6.pptx
@@ -11,17 +11,19 @@
     <p:sldId id="269" r:id="rId5"/>
     <p:sldId id="264" r:id="rId6"/>
     <p:sldId id="265" r:id="rId7"/>
-    <p:sldId id="268" r:id="rId8"/>
-    <p:sldId id="270" r:id="rId9"/>
-    <p:sldId id="271" r:id="rId10"/>
-    <p:sldId id="266" r:id="rId11"/>
-    <p:sldId id="276" r:id="rId12"/>
-    <p:sldId id="267" r:id="rId13"/>
-    <p:sldId id="272" r:id="rId14"/>
-    <p:sldId id="273" r:id="rId15"/>
-    <p:sldId id="274" r:id="rId16"/>
-    <p:sldId id="275" r:id="rId17"/>
-    <p:sldId id="277" r:id="rId18"/>
+    <p:sldId id="276" r:id="rId8"/>
+    <p:sldId id="278" r:id="rId9"/>
+    <p:sldId id="268" r:id="rId10"/>
+    <p:sldId id="270" r:id="rId11"/>
+    <p:sldId id="279" r:id="rId12"/>
+    <p:sldId id="271" r:id="rId13"/>
+    <p:sldId id="266" r:id="rId14"/>
+    <p:sldId id="272" r:id="rId15"/>
+    <p:sldId id="273" r:id="rId16"/>
+    <p:sldId id="274" r:id="rId17"/>
+    <p:sldId id="275" r:id="rId18"/>
+    <p:sldId id="277" r:id="rId19"/>
+    <p:sldId id="280" r:id="rId20"/>
   </p:sldIdLst>
   <p:sldSz cx="12192000" cy="6858000"/>
   <p:notesSz cx="6858000" cy="9144000"/>
@@ -131,7 +133,7 @@
 <file path=ppt/revisionInfo.xml><?xml version="1.0" encoding="utf-8"?>
 <p1510:revInfo xmlns:a="http://schemas.openxmlformats.org/drawingml/2006/main" xmlns:r="http://schemas.openxmlformats.org/officeDocument/2006/relationships" xmlns:p1510="http://schemas.microsoft.com/office/powerpoint/2015/10/main">
   <p1510:revLst>
-    <p1510:client id="{3805E907-48DA-44F8-A30C-2D7469A5AD97}" v="1" dt="2021-08-12T03:24:19.402"/>
+    <p1510:client id="{460A8801-49EA-495E-A730-B169FEC0773D}" v="427" dt="2021-09-21T02:35:41.877"/>
   </p1510:revLst>
 </p1510:revInfo>
 </file>
@@ -278,6 +280,254 @@
             <ac:picMk id="13" creationId="{68ED13C4-3D7B-4777-B195-0214999EB535}"/>
           </ac:picMkLst>
         </pc:picChg>
+      </pc:sldChg>
+    </pc:docChg>
+  </pc:docChgLst>
+  <pc:docChgLst>
+    <pc:chgData name="Li Lixiang" userId="6104bbfcb56aea79" providerId="LiveId" clId="{460A8801-49EA-495E-A730-B169FEC0773D}"/>
+    <pc:docChg chg="undo custSel addSld delSld modSld sldOrd">
+      <pc:chgData name="Li Lixiang" userId="6104bbfcb56aea79" providerId="LiveId" clId="{460A8801-49EA-495E-A730-B169FEC0773D}" dt="2021-09-21T03:26:35.198" v="2929" actId="20577"/>
+      <pc:docMkLst>
+        <pc:docMk/>
+      </pc:docMkLst>
+      <pc:sldChg chg="modSp mod">
+        <pc:chgData name="Li Lixiang" userId="6104bbfcb56aea79" providerId="LiveId" clId="{460A8801-49EA-495E-A730-B169FEC0773D}" dt="2021-09-21T03:26:35.198" v="2929" actId="20577"/>
+        <pc:sldMkLst>
+          <pc:docMk/>
+          <pc:sldMk cId="1995928750" sldId="266"/>
+        </pc:sldMkLst>
+        <pc:spChg chg="mod">
+          <ac:chgData name="Li Lixiang" userId="6104bbfcb56aea79" providerId="LiveId" clId="{460A8801-49EA-495E-A730-B169FEC0773D}" dt="2021-09-21T02:22:11.003" v="1772" actId="20577"/>
+          <ac:spMkLst>
+            <pc:docMk/>
+            <pc:sldMk cId="1995928750" sldId="266"/>
+            <ac:spMk id="2" creationId="{5EC01E2D-9CFE-4D5D-8863-3BA90731F07B}"/>
+          </ac:spMkLst>
+        </pc:spChg>
+        <pc:spChg chg="mod">
+          <ac:chgData name="Li Lixiang" userId="6104bbfcb56aea79" providerId="LiveId" clId="{460A8801-49EA-495E-A730-B169FEC0773D}" dt="2021-09-21T03:26:35.198" v="2929" actId="20577"/>
+          <ac:spMkLst>
+            <pc:docMk/>
+            <pc:sldMk cId="1995928750" sldId="266"/>
+            <ac:spMk id="9" creationId="{B3A91969-9FC0-40D6-97FB-CB169B0FD70D}"/>
+          </ac:spMkLst>
+        </pc:spChg>
+      </pc:sldChg>
+      <pc:sldChg chg="del">
+        <pc:chgData name="Li Lixiang" userId="6104bbfcb56aea79" providerId="LiveId" clId="{460A8801-49EA-495E-A730-B169FEC0773D}" dt="2021-09-21T02:24:46.961" v="2349" actId="47"/>
+        <pc:sldMkLst>
+          <pc:docMk/>
+          <pc:sldMk cId="2170111060" sldId="267"/>
+        </pc:sldMkLst>
+      </pc:sldChg>
+      <pc:sldChg chg="addSp delSp modSp mod">
+        <pc:chgData name="Li Lixiang" userId="6104bbfcb56aea79" providerId="LiveId" clId="{460A8801-49EA-495E-A730-B169FEC0773D}" dt="2021-09-21T02:14:51.131" v="1656" actId="27636"/>
+        <pc:sldMkLst>
+          <pc:docMk/>
+          <pc:sldMk cId="3550856761" sldId="271"/>
+        </pc:sldMkLst>
+        <pc:spChg chg="mod">
+          <ac:chgData name="Li Lixiang" userId="6104bbfcb56aea79" providerId="LiveId" clId="{460A8801-49EA-495E-A730-B169FEC0773D}" dt="2021-09-21T02:14:51.131" v="1656" actId="27636"/>
+          <ac:spMkLst>
+            <pc:docMk/>
+            <pc:sldMk cId="3550856761" sldId="271"/>
+            <ac:spMk id="2" creationId="{5EC01E2D-9CFE-4D5D-8863-3BA90731F07B}"/>
+          </ac:spMkLst>
+        </pc:spChg>
+        <pc:picChg chg="del">
+          <ac:chgData name="Li Lixiang" userId="6104bbfcb56aea79" providerId="LiveId" clId="{460A8801-49EA-495E-A730-B169FEC0773D}" dt="2021-09-21T02:14:30.026" v="1620" actId="478"/>
+          <ac:picMkLst>
+            <pc:docMk/>
+            <pc:sldMk cId="3550856761" sldId="271"/>
+            <ac:picMk id="4" creationId="{31B5A9B6-40C9-4ADC-B84B-DEB105A38E7C}"/>
+          </ac:picMkLst>
+        </pc:picChg>
+        <pc:picChg chg="add mod">
+          <ac:chgData name="Li Lixiang" userId="6104bbfcb56aea79" providerId="LiveId" clId="{460A8801-49EA-495E-A730-B169FEC0773D}" dt="2021-09-21T02:14:34.001" v="1622" actId="1076"/>
+          <ac:picMkLst>
+            <pc:docMk/>
+            <pc:sldMk cId="3550856761" sldId="271"/>
+            <ac:picMk id="5" creationId="{8A6DD500-91BD-47E0-80A2-2ACC8A8DD136}"/>
+          </ac:picMkLst>
+        </pc:picChg>
+      </pc:sldChg>
+      <pc:sldChg chg="modSp mod">
+        <pc:chgData name="Li Lixiang" userId="6104bbfcb56aea79" providerId="LiveId" clId="{460A8801-49EA-495E-A730-B169FEC0773D}" dt="2021-09-21T02:28:05.959" v="2379" actId="20577"/>
+        <pc:sldMkLst>
+          <pc:docMk/>
+          <pc:sldMk cId="1421403968" sldId="272"/>
+        </pc:sldMkLst>
+        <pc:spChg chg="mod">
+          <ac:chgData name="Li Lixiang" userId="6104bbfcb56aea79" providerId="LiveId" clId="{460A8801-49EA-495E-A730-B169FEC0773D}" dt="2021-09-21T02:27:30.286" v="2355" actId="20577"/>
+          <ac:spMkLst>
+            <pc:docMk/>
+            <pc:sldMk cId="1421403968" sldId="272"/>
+            <ac:spMk id="2" creationId="{5EC01E2D-9CFE-4D5D-8863-3BA90731F07B}"/>
+          </ac:spMkLst>
+        </pc:spChg>
+        <pc:spChg chg="mod">
+          <ac:chgData name="Li Lixiang" userId="6104bbfcb56aea79" providerId="LiveId" clId="{460A8801-49EA-495E-A730-B169FEC0773D}" dt="2021-09-21T02:28:05.959" v="2379" actId="20577"/>
+          <ac:spMkLst>
+            <pc:docMk/>
+            <pc:sldMk cId="1421403968" sldId="272"/>
+            <ac:spMk id="5" creationId="{408E7A42-6353-4DDC-9865-E8607D0CCF8A}"/>
+          </ac:spMkLst>
+        </pc:spChg>
+      </pc:sldChg>
+      <pc:sldChg chg="modSp mod ord">
+        <pc:chgData name="Li Lixiang" userId="6104bbfcb56aea79" providerId="LiveId" clId="{460A8801-49EA-495E-A730-B169FEC0773D}" dt="2021-09-21T02:19:40.126" v="1694" actId="20577"/>
+        <pc:sldMkLst>
+          <pc:docMk/>
+          <pc:sldMk cId="2124301355" sldId="276"/>
+        </pc:sldMkLst>
+        <pc:spChg chg="mod">
+          <ac:chgData name="Li Lixiang" userId="6104bbfcb56aea79" providerId="LiveId" clId="{460A8801-49EA-495E-A730-B169FEC0773D}" dt="2021-09-21T02:19:40.126" v="1694" actId="20577"/>
+          <ac:spMkLst>
+            <pc:docMk/>
+            <pc:sldMk cId="2124301355" sldId="276"/>
+            <ac:spMk id="9" creationId="{B3A91969-9FC0-40D6-97FB-CB169B0FD70D}"/>
+          </ac:spMkLst>
+        </pc:spChg>
+      </pc:sldChg>
+      <pc:sldChg chg="modSp mod">
+        <pc:chgData name="Li Lixiang" userId="6104bbfcb56aea79" providerId="LiveId" clId="{460A8801-49EA-495E-A730-B169FEC0773D}" dt="2021-09-21T02:29:19.427" v="2383" actId="20577"/>
+        <pc:sldMkLst>
+          <pc:docMk/>
+          <pc:sldMk cId="2006154171" sldId="277"/>
+        </pc:sldMkLst>
+        <pc:spChg chg="mod">
+          <ac:chgData name="Li Lixiang" userId="6104bbfcb56aea79" providerId="LiveId" clId="{460A8801-49EA-495E-A730-B169FEC0773D}" dt="2021-09-21T02:29:19.427" v="2383" actId="20577"/>
+          <ac:spMkLst>
+            <pc:docMk/>
+            <pc:sldMk cId="2006154171" sldId="277"/>
+            <ac:spMk id="5" creationId="{408E7A42-6353-4DDC-9865-E8607D0CCF8A}"/>
+          </ac:spMkLst>
+        </pc:spChg>
+      </pc:sldChg>
+      <pc:sldChg chg="addSp delSp modSp new mod">
+        <pc:chgData name="Li Lixiang" userId="6104bbfcb56aea79" providerId="LiveId" clId="{460A8801-49EA-495E-A730-B169FEC0773D}" dt="2021-09-21T02:20:58.366" v="1733" actId="6549"/>
+        <pc:sldMkLst>
+          <pc:docMk/>
+          <pc:sldMk cId="949898455" sldId="278"/>
+        </pc:sldMkLst>
+        <pc:spChg chg="mod">
+          <ac:chgData name="Li Lixiang" userId="6104bbfcb56aea79" providerId="LiveId" clId="{460A8801-49EA-495E-A730-B169FEC0773D}" dt="2021-09-21T02:19:15.380" v="1668" actId="20577"/>
+          <ac:spMkLst>
+            <pc:docMk/>
+            <pc:sldMk cId="949898455" sldId="278"/>
+            <ac:spMk id="2" creationId="{8A6D3156-CFDC-4846-A81A-F2ADB3E0F63E}"/>
+          </ac:spMkLst>
+        </pc:spChg>
+        <pc:spChg chg="mod">
+          <ac:chgData name="Li Lixiang" userId="6104bbfcb56aea79" providerId="LiveId" clId="{460A8801-49EA-495E-A730-B169FEC0773D}" dt="2021-09-21T02:20:58.366" v="1733" actId="6549"/>
+          <ac:spMkLst>
+            <pc:docMk/>
+            <pc:sldMk cId="949898455" sldId="278"/>
+            <ac:spMk id="3" creationId="{9D1F974C-1DB9-4E2A-9588-CC760E15B602}"/>
+          </ac:spMkLst>
+        </pc:spChg>
+        <pc:spChg chg="add del mod">
+          <ac:chgData name="Li Lixiang" userId="6104bbfcb56aea79" providerId="LiveId" clId="{460A8801-49EA-495E-A730-B169FEC0773D}" dt="2021-09-19T06:53:02.564" v="247" actId="478"/>
+          <ac:spMkLst>
+            <pc:docMk/>
+            <pc:sldMk cId="949898455" sldId="278"/>
+            <ac:spMk id="4" creationId="{B7698B66-1A74-4613-9545-33A567ABBD3F}"/>
+          </ac:spMkLst>
+        </pc:spChg>
+      </pc:sldChg>
+      <pc:sldChg chg="addSp delSp modSp add mod">
+        <pc:chgData name="Li Lixiang" userId="6104bbfcb56aea79" providerId="LiveId" clId="{460A8801-49EA-495E-A730-B169FEC0773D}" dt="2021-09-21T01:57:16.230" v="1619" actId="20577"/>
+        <pc:sldMkLst>
+          <pc:docMk/>
+          <pc:sldMk cId="1026844211" sldId="279"/>
+        </pc:sldMkLst>
+        <pc:spChg chg="mod">
+          <ac:chgData name="Li Lixiang" userId="6104bbfcb56aea79" providerId="LiveId" clId="{460A8801-49EA-495E-A730-B169FEC0773D}" dt="2021-09-21T01:53:13.773" v="998" actId="1076"/>
+          <ac:spMkLst>
+            <pc:docMk/>
+            <pc:sldMk cId="1026844211" sldId="279"/>
+            <ac:spMk id="2" creationId="{5EC01E2D-9CFE-4D5D-8863-3BA90731F07B}"/>
+          </ac:spMkLst>
+        </pc:spChg>
+        <pc:spChg chg="add del">
+          <ac:chgData name="Li Lixiang" userId="6104bbfcb56aea79" providerId="LiveId" clId="{460A8801-49EA-495E-A730-B169FEC0773D}" dt="2021-09-21T01:50:00.388" v="990" actId="22"/>
+          <ac:spMkLst>
+            <pc:docMk/>
+            <pc:sldMk cId="1026844211" sldId="279"/>
+            <ac:spMk id="8" creationId="{778B3708-DE09-4AC9-A4CB-E1E8607370E0}"/>
+          </ac:spMkLst>
+        </pc:spChg>
+        <pc:spChg chg="add mod">
+          <ac:chgData name="Li Lixiang" userId="6104bbfcb56aea79" providerId="LiveId" clId="{460A8801-49EA-495E-A730-B169FEC0773D}" dt="2021-09-21T01:57:16.230" v="1619" actId="20577"/>
+          <ac:spMkLst>
+            <pc:docMk/>
+            <pc:sldMk cId="1026844211" sldId="279"/>
+            <ac:spMk id="11" creationId="{BF332669-5808-4560-8646-722B467CC9E6}"/>
+          </ac:spMkLst>
+        </pc:spChg>
+        <pc:graphicFrameChg chg="del">
+          <ac:chgData name="Li Lixiang" userId="6104bbfcb56aea79" providerId="LiveId" clId="{460A8801-49EA-495E-A730-B169FEC0773D}" dt="2021-09-21T01:49:17.861" v="981" actId="478"/>
+          <ac:graphicFrameMkLst>
+            <pc:docMk/>
+            <pc:sldMk cId="1026844211" sldId="279"/>
+            <ac:graphicFrameMk id="6" creationId="{5B71E1E5-9FEE-49B0-A39D-5DA4CF737E6A}"/>
+          </ac:graphicFrameMkLst>
+        </pc:graphicFrameChg>
+        <pc:picChg chg="add mod">
+          <ac:chgData name="Li Lixiang" userId="6104bbfcb56aea79" providerId="LiveId" clId="{460A8801-49EA-495E-A730-B169FEC0773D}" dt="2021-09-21T01:53:18.452" v="999" actId="1076"/>
+          <ac:picMkLst>
+            <pc:docMk/>
+            <pc:sldMk cId="1026844211" sldId="279"/>
+            <ac:picMk id="5" creationId="{5856B468-528F-4537-AC1C-5D552301C3CA}"/>
+          </ac:picMkLst>
+        </pc:picChg>
+        <pc:picChg chg="del">
+          <ac:chgData name="Li Lixiang" userId="6104bbfcb56aea79" providerId="LiveId" clId="{460A8801-49EA-495E-A730-B169FEC0773D}" dt="2021-09-21T01:49:16.555" v="980" actId="478"/>
+          <ac:picMkLst>
+            <pc:docMk/>
+            <pc:sldMk cId="1026844211" sldId="279"/>
+            <ac:picMk id="7" creationId="{1276845B-8CB7-4833-97B8-50CFCDC4888E}"/>
+          </ac:picMkLst>
+        </pc:picChg>
+        <pc:picChg chg="add mod">
+          <ac:chgData name="Li Lixiang" userId="6104bbfcb56aea79" providerId="LiveId" clId="{460A8801-49EA-495E-A730-B169FEC0773D}" dt="2021-09-21T01:53:47.180" v="1001" actId="1076"/>
+          <ac:picMkLst>
+            <pc:docMk/>
+            <pc:sldMk cId="1026844211" sldId="279"/>
+            <ac:picMk id="10" creationId="{48304CB7-797E-4C5B-93CA-7B818754C42B}"/>
+          </ac:picMkLst>
+        </pc:picChg>
+      </pc:sldChg>
+      <pc:sldChg chg="addSp delSp modSp add mod">
+        <pc:chgData name="Li Lixiang" userId="6104bbfcb56aea79" providerId="LiveId" clId="{460A8801-49EA-495E-A730-B169FEC0773D}" dt="2021-09-21T02:42:40.402" v="2812" actId="1076"/>
+        <pc:sldMkLst>
+          <pc:docMk/>
+          <pc:sldMk cId="1147039829" sldId="280"/>
+        </pc:sldMkLst>
+        <pc:spChg chg="add del mod">
+          <ac:chgData name="Li Lixiang" userId="6104bbfcb56aea79" providerId="LiveId" clId="{460A8801-49EA-495E-A730-B169FEC0773D}" dt="2021-09-21T02:29:42.961" v="2386" actId="478"/>
+          <ac:spMkLst>
+            <pc:docMk/>
+            <pc:sldMk cId="1147039829" sldId="280"/>
+            <ac:spMk id="4" creationId="{128985DC-CA41-4018-BC3B-C459D611C8F8}"/>
+          </ac:spMkLst>
+        </pc:spChg>
+        <pc:spChg chg="del">
+          <ac:chgData name="Li Lixiang" userId="6104bbfcb56aea79" providerId="LiveId" clId="{460A8801-49EA-495E-A730-B169FEC0773D}" dt="2021-09-21T02:29:40.741" v="2385" actId="478"/>
+          <ac:spMkLst>
+            <pc:docMk/>
+            <pc:sldMk cId="1147039829" sldId="280"/>
+            <ac:spMk id="5" creationId="{408E7A42-6353-4DDC-9865-E8607D0CCF8A}"/>
+          </ac:spMkLst>
+        </pc:spChg>
+        <pc:graphicFrameChg chg="add mod modGraphic">
+          <ac:chgData name="Li Lixiang" userId="6104bbfcb56aea79" providerId="LiveId" clId="{460A8801-49EA-495E-A730-B169FEC0773D}" dt="2021-09-21T02:42:40.402" v="2812" actId="1076"/>
+          <ac:graphicFrameMkLst>
+            <pc:docMk/>
+            <pc:sldMk cId="1147039829" sldId="280"/>
+            <ac:graphicFrameMk id="6" creationId="{131CF233-7406-41EA-9F08-521055A3E503}"/>
+          </ac:graphicFrameMkLst>
+        </pc:graphicFrameChg>
       </pc:sldChg>
     </pc:docChg>
   </pc:docChgLst>
@@ -1524,6 +1774,2793 @@
 </pc:chgInfo>
 </file>
 
+<file path=ppt/diagrams/colors1.xml><?xml version="1.0" encoding="utf-8"?>
+<dgm:colorsDef xmlns:dgm="http://schemas.openxmlformats.org/drawingml/2006/diagram" xmlns:a="http://schemas.openxmlformats.org/drawingml/2006/main" uniqueId="urn:microsoft.com/office/officeart/2005/8/colors/accent1_2">
+  <dgm:title val=""/>
+  <dgm:desc val=""/>
+  <dgm:catLst>
+    <dgm:cat type="accent1" pri="11200"/>
+  </dgm:catLst>
+  <dgm:styleLbl name="node0">
+    <dgm:fillClrLst meth="repeat">
+      <a:schemeClr val="accent1"/>
+    </dgm:fillClrLst>
+    <dgm:linClrLst meth="repeat">
+      <a:schemeClr val="lt1"/>
+    </dgm:linClrLst>
+    <dgm:effectClrLst/>
+    <dgm:txLinClrLst/>
+    <dgm:txFillClrLst/>
+    <dgm:txEffectClrLst/>
+  </dgm:styleLbl>
+  <dgm:styleLbl name="alignNode1">
+    <dgm:fillClrLst meth="repeat">
+      <a:schemeClr val="accent1"/>
+    </dgm:fillClrLst>
+    <dgm:linClrLst meth="repeat">
+      <a:schemeClr val="accent1"/>
+    </dgm:linClrLst>
+    <dgm:effectClrLst/>
+    <dgm:txLinClrLst/>
+    <dgm:txFillClrLst/>
+    <dgm:txEffectClrLst/>
+  </dgm:styleLbl>
+  <dgm:styleLbl name="node1">
+    <dgm:fillClrLst meth="repeat">
+      <a:schemeClr val="accent1"/>
+    </dgm:fillClrLst>
+    <dgm:linClrLst meth="repeat">
+      <a:schemeClr val="lt1"/>
+    </dgm:linClrLst>
+    <dgm:effectClrLst/>
+    <dgm:txLinClrLst/>
+    <dgm:txFillClrLst/>
+    <dgm:txEffectClrLst/>
+  </dgm:styleLbl>
+  <dgm:styleLbl name="lnNode1">
+    <dgm:fillClrLst meth="repeat">
+      <a:schemeClr val="accent1"/>
+    </dgm:fillClrLst>
+    <dgm:linClrLst meth="repeat">
+      <a:schemeClr val="lt1"/>
+    </dgm:linClrLst>
+    <dgm:effectClrLst/>
+    <dgm:txLinClrLst/>
+    <dgm:txFillClrLst/>
+    <dgm:txEffectClrLst/>
+  </dgm:styleLbl>
+  <dgm:styleLbl name="vennNode1">
+    <dgm:fillClrLst meth="repeat">
+      <a:schemeClr val="accent1">
+        <a:alpha val="50000"/>
+      </a:schemeClr>
+    </dgm:fillClrLst>
+    <dgm:linClrLst meth="repeat">
+      <a:schemeClr val="lt1"/>
+    </dgm:linClrLst>
+    <dgm:effectClrLst/>
+    <dgm:txLinClrLst/>
+    <dgm:txFillClrLst/>
+    <dgm:txEffectClrLst/>
+  </dgm:styleLbl>
+  <dgm:styleLbl name="node2">
+    <dgm:fillClrLst meth="repeat">
+      <a:schemeClr val="accent1"/>
+    </dgm:fillClrLst>
+    <dgm:linClrLst meth="repeat">
+      <a:schemeClr val="lt1"/>
+    </dgm:linClrLst>
+    <dgm:effectClrLst/>
+    <dgm:txLinClrLst/>
+    <dgm:txFillClrLst/>
+    <dgm:txEffectClrLst/>
+  </dgm:styleLbl>
+  <dgm:styleLbl name="node3">
+    <dgm:fillClrLst meth="repeat">
+      <a:schemeClr val="accent1"/>
+    </dgm:fillClrLst>
+    <dgm:linClrLst meth="repeat">
+      <a:schemeClr val="lt1"/>
+    </dgm:linClrLst>
+    <dgm:effectClrLst/>
+    <dgm:txLinClrLst/>
+    <dgm:txFillClrLst/>
+    <dgm:txEffectClrLst/>
+  </dgm:styleLbl>
+  <dgm:styleLbl name="node4">
+    <dgm:fillClrLst meth="repeat">
+      <a:schemeClr val="accent1"/>
+    </dgm:fillClrLst>
+    <dgm:linClrLst meth="repeat">
+      <a:schemeClr val="lt1"/>
+    </dgm:linClrLst>
+    <dgm:effectClrLst/>
+    <dgm:txLinClrLst/>
+    <dgm:txFillClrLst/>
+    <dgm:txEffectClrLst/>
+  </dgm:styleLbl>
+  <dgm:styleLbl name="fgImgPlace1">
+    <dgm:fillClrLst meth="repeat">
+      <a:schemeClr val="accent1">
+        <a:tint val="50000"/>
+      </a:schemeClr>
+    </dgm:fillClrLst>
+    <dgm:linClrLst meth="repeat">
+      <a:schemeClr val="lt1"/>
+    </dgm:linClrLst>
+    <dgm:effectClrLst/>
+    <dgm:txLinClrLst/>
+    <dgm:txFillClrLst meth="repeat">
+      <a:schemeClr val="lt1"/>
+    </dgm:txFillClrLst>
+    <dgm:txEffectClrLst/>
+  </dgm:styleLbl>
+  <dgm:styleLbl name="alignImgPlace1">
+    <dgm:fillClrLst meth="repeat">
+      <a:schemeClr val="accent1">
+        <a:tint val="50000"/>
+      </a:schemeClr>
+    </dgm:fillClrLst>
+    <dgm:linClrLst meth="repeat">
+      <a:schemeClr val="lt1"/>
+    </dgm:linClrLst>
+    <dgm:effectClrLst/>
+    <dgm:txLinClrLst/>
+    <dgm:txFillClrLst meth="repeat">
+      <a:schemeClr val="lt1"/>
+    </dgm:txFillClrLst>
+    <dgm:txEffectClrLst/>
+  </dgm:styleLbl>
+  <dgm:styleLbl name="bgImgPlace1">
+    <dgm:fillClrLst meth="repeat">
+      <a:schemeClr val="accent1">
+        <a:tint val="50000"/>
+      </a:schemeClr>
+    </dgm:fillClrLst>
+    <dgm:linClrLst meth="repeat">
+      <a:schemeClr val="lt1"/>
+    </dgm:linClrLst>
+    <dgm:effectClrLst/>
+    <dgm:txLinClrLst/>
+    <dgm:txFillClrLst meth="repeat">
+      <a:schemeClr val="lt1"/>
+    </dgm:txFillClrLst>
+    <dgm:txEffectClrLst/>
+  </dgm:styleLbl>
+  <dgm:styleLbl name="sibTrans2D1">
+    <dgm:fillClrLst meth="repeat">
+      <a:schemeClr val="accent1">
+        <a:tint val="60000"/>
+      </a:schemeClr>
+    </dgm:fillClrLst>
+    <dgm:linClrLst meth="repeat">
+      <a:schemeClr val="accent1">
+        <a:tint val="60000"/>
+      </a:schemeClr>
+    </dgm:linClrLst>
+    <dgm:effectClrLst/>
+    <dgm:txLinClrLst/>
+    <dgm:txFillClrLst/>
+    <dgm:txEffectClrLst/>
+  </dgm:styleLbl>
+  <dgm:styleLbl name="fgSibTrans2D1">
+    <dgm:fillClrLst meth="repeat">
+      <a:schemeClr val="accent1">
+        <a:tint val="60000"/>
+      </a:schemeClr>
+    </dgm:fillClrLst>
+    <dgm:linClrLst meth="repeat">
+      <a:schemeClr val="accent1">
+        <a:tint val="60000"/>
+      </a:schemeClr>
+    </dgm:linClrLst>
+    <dgm:effectClrLst/>
+    <dgm:txLinClrLst/>
+    <dgm:txFillClrLst/>
+    <dgm:txEffectClrLst/>
+  </dgm:styleLbl>
+  <dgm:styleLbl name="bgSibTrans2D1">
+    <dgm:fillClrLst meth="repeat">
+      <a:schemeClr val="accent1">
+        <a:tint val="60000"/>
+      </a:schemeClr>
+    </dgm:fillClrLst>
+    <dgm:linClrLst meth="repeat">
+      <a:schemeClr val="accent1">
+        <a:tint val="60000"/>
+      </a:schemeClr>
+    </dgm:linClrLst>
+    <dgm:effectClrLst/>
+    <dgm:txLinClrLst/>
+    <dgm:txFillClrLst/>
+    <dgm:txEffectClrLst/>
+  </dgm:styleLbl>
+  <dgm:styleLbl name="sibTrans1D1">
+    <dgm:fillClrLst meth="repeat">
+      <a:schemeClr val="accent1"/>
+    </dgm:fillClrLst>
+    <dgm:linClrLst meth="repeat">
+      <a:schemeClr val="accent1"/>
+    </dgm:linClrLst>
+    <dgm:effectClrLst/>
+    <dgm:txLinClrLst/>
+    <dgm:txFillClrLst meth="repeat">
+      <a:schemeClr val="tx1"/>
+    </dgm:txFillClrLst>
+    <dgm:txEffectClrLst/>
+  </dgm:styleLbl>
+  <dgm:styleLbl name="callout">
+    <dgm:fillClrLst meth="repeat">
+      <a:schemeClr val="accent1"/>
+    </dgm:fillClrLst>
+    <dgm:linClrLst meth="repeat">
+      <a:schemeClr val="accent1">
+        <a:tint val="50000"/>
+      </a:schemeClr>
+    </dgm:linClrLst>
+    <dgm:effectClrLst/>
+    <dgm:txLinClrLst/>
+    <dgm:txFillClrLst meth="repeat">
+      <a:schemeClr val="tx1"/>
+    </dgm:txFillClrLst>
+    <dgm:txEffectClrLst/>
+  </dgm:styleLbl>
+  <dgm:styleLbl name="asst0">
+    <dgm:fillClrLst meth="repeat">
+      <a:schemeClr val="accent1"/>
+    </dgm:fillClrLst>
+    <dgm:linClrLst meth="repeat">
+      <a:schemeClr val="lt1"/>
+    </dgm:linClrLst>
+    <dgm:effectClrLst/>
+    <dgm:txLinClrLst/>
+    <dgm:txFillClrLst/>
+    <dgm:txEffectClrLst/>
+  </dgm:styleLbl>
+  <dgm:styleLbl name="asst1">
+    <dgm:fillClrLst meth="repeat">
+      <a:schemeClr val="accent1"/>
+    </dgm:fillClrLst>
+    <dgm:linClrLst meth="repeat">
+      <a:schemeClr val="lt1"/>
+    </dgm:linClrLst>
+    <dgm:effectClrLst/>
+    <dgm:txLinClrLst/>
+    <dgm:txFillClrLst/>
+    <dgm:txEffectClrLst/>
+  </dgm:styleLbl>
+  <dgm:styleLbl name="asst2">
+    <dgm:fillClrLst meth="repeat">
+      <a:schemeClr val="accent1"/>
+    </dgm:fillClrLst>
+    <dgm:linClrLst meth="repeat">
+      <a:schemeClr val="lt1"/>
+    </dgm:linClrLst>
+    <dgm:effectClrLst/>
+    <dgm:txLinClrLst/>
+    <dgm:txFillClrLst/>
+    <dgm:txEffectClrLst/>
+  </dgm:styleLbl>
+  <dgm:styleLbl name="asst3">
+    <dgm:fillClrLst meth="repeat">
+      <a:schemeClr val="accent1"/>
+    </dgm:fillClrLst>
+    <dgm:linClrLst meth="repeat">
+      <a:schemeClr val="lt1"/>
+    </dgm:linClrLst>
+    <dgm:effectClrLst/>
+    <dgm:txLinClrLst/>
+    <dgm:txFillClrLst/>
+    <dgm:txEffectClrLst/>
+  </dgm:styleLbl>
+  <dgm:styleLbl name="asst4">
+    <dgm:fillClrLst meth="repeat">
+      <a:schemeClr val="accent1"/>
+    </dgm:fillClrLst>
+    <dgm:linClrLst meth="repeat">
+      <a:schemeClr val="lt1"/>
+    </dgm:linClrLst>
+    <dgm:effectClrLst/>
+    <dgm:txLinClrLst/>
+    <dgm:txFillClrLst/>
+    <dgm:txEffectClrLst/>
+  </dgm:styleLbl>
+  <dgm:styleLbl name="parChTrans2D1">
+    <dgm:fillClrLst meth="repeat">
+      <a:schemeClr val="accent1">
+        <a:tint val="60000"/>
+      </a:schemeClr>
+    </dgm:fillClrLst>
+    <dgm:linClrLst meth="repeat">
+      <a:schemeClr val="accent1">
+        <a:tint val="60000"/>
+      </a:schemeClr>
+    </dgm:linClrLst>
+    <dgm:effectClrLst/>
+    <dgm:txLinClrLst/>
+    <dgm:txFillClrLst meth="repeat">
+      <a:schemeClr val="lt1"/>
+    </dgm:txFillClrLst>
+    <dgm:txEffectClrLst/>
+  </dgm:styleLbl>
+  <dgm:styleLbl name="parChTrans2D2">
+    <dgm:fillClrLst meth="repeat">
+      <a:schemeClr val="accent1"/>
+    </dgm:fillClrLst>
+    <dgm:linClrLst meth="repeat">
+      <a:schemeClr val="accent1"/>
+    </dgm:linClrLst>
+    <dgm:effectClrLst/>
+    <dgm:txLinClrLst/>
+    <dgm:txFillClrLst meth="repeat">
+      <a:schemeClr val="lt1"/>
+    </dgm:txFillClrLst>
+    <dgm:txEffectClrLst/>
+  </dgm:styleLbl>
+  <dgm:styleLbl name="parChTrans2D3">
+    <dgm:fillClrLst meth="repeat">
+      <a:schemeClr val="accent1"/>
+    </dgm:fillClrLst>
+    <dgm:linClrLst meth="repeat">
+      <a:schemeClr val="accent1"/>
+    </dgm:linClrLst>
+    <dgm:effectClrLst/>
+    <dgm:txLinClrLst/>
+    <dgm:txFillClrLst meth="repeat">
+      <a:schemeClr val="lt1"/>
+    </dgm:txFillClrLst>
+    <dgm:txEffectClrLst/>
+  </dgm:styleLbl>
+  <dgm:styleLbl name="parChTrans2D4">
+    <dgm:fillClrLst meth="repeat">
+      <a:schemeClr val="accent1"/>
+    </dgm:fillClrLst>
+    <dgm:linClrLst meth="repeat">
+      <a:schemeClr val="accent1"/>
+    </dgm:linClrLst>
+    <dgm:effectClrLst/>
+    <dgm:txLinClrLst/>
+    <dgm:txFillClrLst meth="repeat">
+      <a:schemeClr val="lt1"/>
+    </dgm:txFillClrLst>
+    <dgm:txEffectClrLst/>
+  </dgm:styleLbl>
+  <dgm:styleLbl name="parChTrans1D1">
+    <dgm:fillClrLst meth="repeat">
+      <a:schemeClr val="accent1"/>
+    </dgm:fillClrLst>
+    <dgm:linClrLst meth="repeat">
+      <a:schemeClr val="accent1">
+        <a:shade val="60000"/>
+      </a:schemeClr>
+    </dgm:linClrLst>
+    <dgm:effectClrLst/>
+    <dgm:txLinClrLst/>
+    <dgm:txFillClrLst meth="repeat">
+      <a:schemeClr val="tx1"/>
+    </dgm:txFillClrLst>
+    <dgm:txEffectClrLst/>
+  </dgm:styleLbl>
+  <dgm:styleLbl name="parChTrans1D2">
+    <dgm:fillClrLst meth="repeat">
+      <a:schemeClr val="accent1"/>
+    </dgm:fillClrLst>
+    <dgm:linClrLst meth="repeat">
+      <a:schemeClr val="accent1">
+        <a:shade val="60000"/>
+      </a:schemeClr>
+    </dgm:linClrLst>
+    <dgm:effectClrLst/>
+    <dgm:txLinClrLst/>
+    <dgm:txFillClrLst meth="repeat">
+      <a:schemeClr val="tx1"/>
+    </dgm:txFillClrLst>
+    <dgm:txEffectClrLst/>
+  </dgm:styleLbl>
+  <dgm:styleLbl name="parChTrans1D3">
+    <dgm:fillClrLst meth="repeat">
+      <a:schemeClr val="accent1"/>
+    </dgm:fillClrLst>
+    <dgm:linClrLst meth="repeat">
+      <a:schemeClr val="accent1">
+        <a:shade val="80000"/>
+      </a:schemeClr>
+    </dgm:linClrLst>
+    <dgm:effectClrLst/>
+    <dgm:txLinClrLst/>
+    <dgm:txFillClrLst meth="repeat">
+      <a:schemeClr val="tx1"/>
+    </dgm:txFillClrLst>
+    <dgm:txEffectClrLst/>
+  </dgm:styleLbl>
+  <dgm:styleLbl name="parChTrans1D4">
+    <dgm:fillClrLst meth="repeat">
+      <a:schemeClr val="accent1"/>
+    </dgm:fillClrLst>
+    <dgm:linClrLst meth="repeat">
+      <a:schemeClr val="accent1">
+        <a:shade val="80000"/>
+      </a:schemeClr>
+    </dgm:linClrLst>
+    <dgm:effectClrLst/>
+    <dgm:txLinClrLst/>
+    <dgm:txFillClrLst meth="repeat">
+      <a:schemeClr val="tx1"/>
+    </dgm:txFillClrLst>
+    <dgm:txEffectClrLst/>
+  </dgm:styleLbl>
+  <dgm:styleLbl name="fgAcc1">
+    <dgm:fillClrLst meth="repeat">
+      <a:schemeClr val="lt1">
+        <a:alpha val="90000"/>
+      </a:schemeClr>
+    </dgm:fillClrLst>
+    <dgm:linClrLst meth="repeat">
+      <a:schemeClr val="accent1"/>
+    </dgm:linClrLst>
+    <dgm:effectClrLst/>
+    <dgm:txLinClrLst/>
+    <dgm:txFillClrLst meth="repeat">
+      <a:schemeClr val="dk1"/>
+    </dgm:txFillClrLst>
+    <dgm:txEffectClrLst/>
+  </dgm:styleLbl>
+  <dgm:styleLbl name="conFgAcc1">
+    <dgm:fillClrLst meth="repeat">
+      <a:schemeClr val="lt1">
+        <a:alpha val="90000"/>
+      </a:schemeClr>
+    </dgm:fillClrLst>
+    <dgm:linClrLst meth="repeat">
+      <a:schemeClr val="accent1"/>
+    </dgm:linClrLst>
+    <dgm:effectClrLst/>
+    <dgm:txLinClrLst/>
+    <dgm:txFillClrLst meth="repeat">
+      <a:schemeClr val="dk1"/>
+    </dgm:txFillClrLst>
+    <dgm:txEffectClrLst/>
+  </dgm:styleLbl>
+  <dgm:styleLbl name="alignAcc1">
+    <dgm:fillClrLst meth="repeat">
+      <a:schemeClr val="lt1">
+        <a:alpha val="90000"/>
+      </a:schemeClr>
+    </dgm:fillClrLst>
+    <dgm:linClrLst meth="repeat">
+      <a:schemeClr val="accent1"/>
+    </dgm:linClrLst>
+    <dgm:effectClrLst/>
+    <dgm:txLinClrLst/>
+    <dgm:txFillClrLst meth="repeat">
+      <a:schemeClr val="dk1"/>
+    </dgm:txFillClrLst>
+    <dgm:txEffectClrLst/>
+  </dgm:styleLbl>
+  <dgm:styleLbl name="trAlignAcc1">
+    <dgm:fillClrLst meth="repeat">
+      <a:schemeClr val="lt1">
+        <a:alpha val="40000"/>
+      </a:schemeClr>
+    </dgm:fillClrLst>
+    <dgm:linClrLst meth="repeat">
+      <a:schemeClr val="accent1"/>
+    </dgm:linClrLst>
+    <dgm:effectClrLst/>
+    <dgm:txLinClrLst/>
+    <dgm:txFillClrLst meth="repeat">
+      <a:schemeClr val="dk1"/>
+    </dgm:txFillClrLst>
+    <dgm:txEffectClrLst/>
+  </dgm:styleLbl>
+  <dgm:styleLbl name="bgAcc1">
+    <dgm:fillClrLst meth="repeat">
+      <a:schemeClr val="lt1">
+        <a:alpha val="90000"/>
+      </a:schemeClr>
+    </dgm:fillClrLst>
+    <dgm:linClrLst meth="repeat">
+      <a:schemeClr val="accent1"/>
+    </dgm:linClrLst>
+    <dgm:effectClrLst/>
+    <dgm:txLinClrLst/>
+    <dgm:txFillClrLst meth="repeat">
+      <a:schemeClr val="dk1"/>
+    </dgm:txFillClrLst>
+    <dgm:txEffectClrLst/>
+  </dgm:styleLbl>
+  <dgm:styleLbl name="solidFgAcc1">
+    <dgm:fillClrLst meth="repeat">
+      <a:schemeClr val="lt1"/>
+    </dgm:fillClrLst>
+    <dgm:linClrLst meth="repeat">
+      <a:schemeClr val="accent1"/>
+    </dgm:linClrLst>
+    <dgm:effectClrLst/>
+    <dgm:txLinClrLst/>
+    <dgm:txFillClrLst meth="repeat">
+      <a:schemeClr val="dk1"/>
+    </dgm:txFillClrLst>
+    <dgm:txEffectClrLst/>
+  </dgm:styleLbl>
+  <dgm:styleLbl name="solidAlignAcc1">
+    <dgm:fillClrLst meth="repeat">
+      <a:schemeClr val="lt1"/>
+    </dgm:fillClrLst>
+    <dgm:linClrLst meth="repeat">
+      <a:schemeClr val="accent1"/>
+    </dgm:linClrLst>
+    <dgm:effectClrLst/>
+    <dgm:txLinClrLst/>
+    <dgm:txFillClrLst meth="repeat">
+      <a:schemeClr val="dk1"/>
+    </dgm:txFillClrLst>
+    <dgm:txEffectClrLst/>
+  </dgm:styleLbl>
+  <dgm:styleLbl name="solidBgAcc1">
+    <dgm:fillClrLst meth="repeat">
+      <a:schemeClr val="lt1"/>
+    </dgm:fillClrLst>
+    <dgm:linClrLst meth="repeat">
+      <a:schemeClr val="accent1"/>
+    </dgm:linClrLst>
+    <dgm:effectClrLst/>
+    <dgm:txLinClrLst/>
+    <dgm:txFillClrLst meth="repeat">
+      <a:schemeClr val="dk1"/>
+    </dgm:txFillClrLst>
+    <dgm:txEffectClrLst/>
+  </dgm:styleLbl>
+  <dgm:styleLbl name="fgAccFollowNode1">
+    <dgm:fillClrLst meth="repeat">
+      <a:schemeClr val="accent1">
+        <a:alpha val="90000"/>
+        <a:tint val="40000"/>
+      </a:schemeClr>
+    </dgm:fillClrLst>
+    <dgm:linClrLst meth="repeat">
+      <a:schemeClr val="accent1">
+        <a:alpha val="90000"/>
+        <a:tint val="40000"/>
+      </a:schemeClr>
+    </dgm:linClrLst>
+    <dgm:effectClrLst/>
+    <dgm:txLinClrLst/>
+    <dgm:txFillClrLst meth="repeat">
+      <a:schemeClr val="dk1"/>
+    </dgm:txFillClrLst>
+    <dgm:txEffectClrLst/>
+  </dgm:styleLbl>
+  <dgm:styleLbl name="alignAccFollowNode1">
+    <dgm:fillClrLst meth="repeat">
+      <a:schemeClr val="accent1">
+        <a:alpha val="90000"/>
+        <a:tint val="40000"/>
+      </a:schemeClr>
+    </dgm:fillClrLst>
+    <dgm:linClrLst meth="repeat">
+      <a:schemeClr val="accent1">
+        <a:alpha val="90000"/>
+        <a:tint val="40000"/>
+      </a:schemeClr>
+    </dgm:linClrLst>
+    <dgm:effectClrLst/>
+    <dgm:txLinClrLst/>
+    <dgm:txFillClrLst meth="repeat">
+      <a:schemeClr val="dk1"/>
+    </dgm:txFillClrLst>
+    <dgm:txEffectClrLst/>
+  </dgm:styleLbl>
+  <dgm:styleLbl name="bgAccFollowNode1">
+    <dgm:fillClrLst meth="repeat">
+      <a:schemeClr val="accent1">
+        <a:alpha val="90000"/>
+        <a:tint val="40000"/>
+      </a:schemeClr>
+    </dgm:fillClrLst>
+    <dgm:linClrLst meth="repeat">
+      <a:schemeClr val="accent1">
+        <a:alpha val="90000"/>
+        <a:tint val="40000"/>
+      </a:schemeClr>
+    </dgm:linClrLst>
+    <dgm:effectClrLst/>
+    <dgm:txLinClrLst/>
+    <dgm:txFillClrLst meth="repeat">
+      <a:schemeClr val="dk1"/>
+    </dgm:txFillClrLst>
+    <dgm:txEffectClrLst/>
+  </dgm:styleLbl>
+  <dgm:styleLbl name="fgAcc0">
+    <dgm:fillClrLst meth="repeat">
+      <a:schemeClr val="lt1">
+        <a:alpha val="90000"/>
+      </a:schemeClr>
+    </dgm:fillClrLst>
+    <dgm:linClrLst meth="repeat">
+      <a:schemeClr val="accent1"/>
+    </dgm:linClrLst>
+    <dgm:effectClrLst/>
+    <dgm:txLinClrLst/>
+    <dgm:txFillClrLst meth="repeat">
+      <a:schemeClr val="dk1"/>
+    </dgm:txFillClrLst>
+    <dgm:txEffectClrLst/>
+  </dgm:styleLbl>
+  <dgm:styleLbl name="fgAcc2">
+    <dgm:fillClrLst meth="repeat">
+      <a:schemeClr val="lt1">
+        <a:alpha val="90000"/>
+      </a:schemeClr>
+    </dgm:fillClrLst>
+    <dgm:linClrLst meth="repeat">
+      <a:schemeClr val="accent1"/>
+    </dgm:linClrLst>
+    <dgm:effectClrLst/>
+    <dgm:txLinClrLst/>
+    <dgm:txFillClrLst meth="repeat">
+      <a:schemeClr val="dk1"/>
+    </dgm:txFillClrLst>
+    <dgm:txEffectClrLst/>
+  </dgm:styleLbl>
+  <dgm:styleLbl name="fgAcc3">
+    <dgm:fillClrLst meth="repeat">
+      <a:schemeClr val="lt1">
+        <a:alpha val="90000"/>
+      </a:schemeClr>
+    </dgm:fillClrLst>
+    <dgm:linClrLst meth="repeat">
+      <a:schemeClr val="accent1"/>
+    </dgm:linClrLst>
+    <dgm:effectClrLst/>
+    <dgm:txLinClrLst/>
+    <dgm:txFillClrLst meth="repeat">
+      <a:schemeClr val="dk1"/>
+    </dgm:txFillClrLst>
+    <dgm:txEffectClrLst/>
+  </dgm:styleLbl>
+  <dgm:styleLbl name="fgAcc4">
+    <dgm:fillClrLst meth="repeat">
+      <a:schemeClr val="lt1">
+        <a:alpha val="90000"/>
+      </a:schemeClr>
+    </dgm:fillClrLst>
+    <dgm:linClrLst meth="repeat">
+      <a:schemeClr val="accent1"/>
+    </dgm:linClrLst>
+    <dgm:effectClrLst/>
+    <dgm:txLinClrLst/>
+    <dgm:txFillClrLst meth="repeat">
+      <a:schemeClr val="dk1"/>
+    </dgm:txFillClrLst>
+    <dgm:txEffectClrLst/>
+  </dgm:styleLbl>
+  <dgm:styleLbl name="bgShp">
+    <dgm:fillClrLst meth="repeat">
+      <a:schemeClr val="accent1">
+        <a:tint val="40000"/>
+      </a:schemeClr>
+    </dgm:fillClrLst>
+    <dgm:linClrLst meth="repeat">
+      <a:schemeClr val="accent1"/>
+    </dgm:linClrLst>
+    <dgm:effectClrLst/>
+    <dgm:txLinClrLst/>
+    <dgm:txFillClrLst meth="repeat">
+      <a:schemeClr val="dk1"/>
+    </dgm:txFillClrLst>
+    <dgm:txEffectClrLst/>
+  </dgm:styleLbl>
+  <dgm:styleLbl name="dkBgShp">
+    <dgm:fillClrLst meth="repeat">
+      <a:schemeClr val="accent1">
+        <a:shade val="80000"/>
+      </a:schemeClr>
+    </dgm:fillClrLst>
+    <dgm:linClrLst meth="repeat">
+      <a:schemeClr val="accent1"/>
+    </dgm:linClrLst>
+    <dgm:effectClrLst/>
+    <dgm:txLinClrLst/>
+    <dgm:txFillClrLst meth="repeat">
+      <a:schemeClr val="lt1"/>
+    </dgm:txFillClrLst>
+    <dgm:txEffectClrLst/>
+  </dgm:styleLbl>
+  <dgm:styleLbl name="trBgShp">
+    <dgm:fillClrLst meth="repeat">
+      <a:schemeClr val="accent1">
+        <a:tint val="50000"/>
+        <a:alpha val="40000"/>
+      </a:schemeClr>
+    </dgm:fillClrLst>
+    <dgm:linClrLst meth="repeat">
+      <a:schemeClr val="accent1"/>
+    </dgm:linClrLst>
+    <dgm:effectClrLst/>
+    <dgm:txLinClrLst/>
+    <dgm:txFillClrLst meth="repeat">
+      <a:schemeClr val="lt1"/>
+    </dgm:txFillClrLst>
+    <dgm:txEffectClrLst/>
+  </dgm:styleLbl>
+  <dgm:styleLbl name="fgShp">
+    <dgm:fillClrLst meth="repeat">
+      <a:schemeClr val="accent1">
+        <a:tint val="60000"/>
+      </a:schemeClr>
+    </dgm:fillClrLst>
+    <dgm:linClrLst meth="repeat">
+      <a:schemeClr val="lt1"/>
+    </dgm:linClrLst>
+    <dgm:effectClrLst/>
+    <dgm:txLinClrLst/>
+    <dgm:txFillClrLst meth="repeat">
+      <a:schemeClr val="dk1"/>
+    </dgm:txFillClrLst>
+    <dgm:txEffectClrLst/>
+  </dgm:styleLbl>
+  <dgm:styleLbl name="revTx">
+    <dgm:fillClrLst meth="repeat">
+      <a:schemeClr val="lt1">
+        <a:alpha val="0"/>
+      </a:schemeClr>
+    </dgm:fillClrLst>
+    <dgm:linClrLst meth="repeat">
+      <a:schemeClr val="dk1">
+        <a:alpha val="0"/>
+      </a:schemeClr>
+    </dgm:linClrLst>
+    <dgm:effectClrLst/>
+    <dgm:txLinClrLst/>
+    <dgm:txFillClrLst meth="repeat">
+      <a:schemeClr val="tx1"/>
+    </dgm:txFillClrLst>
+    <dgm:txEffectClrLst/>
+  </dgm:styleLbl>
+</dgm:colorsDef>
+</file>
+
+<file path=ppt/diagrams/data1.xml><?xml version="1.0" encoding="utf-8"?>
+<dgm:dataModel xmlns:dgm="http://schemas.openxmlformats.org/drawingml/2006/diagram" xmlns:a="http://schemas.openxmlformats.org/drawingml/2006/main">
+  <dgm:ptLst>
+    <dgm:pt modelId="{4F93D5F9-C843-4FBD-8450-AB5517508DC7}" type="doc">
+      <dgm:prSet loTypeId="urn:microsoft.com/office/officeart/2005/8/layout/hList1" loCatId="list" qsTypeId="urn:microsoft.com/office/officeart/2005/8/quickstyle/simple1" qsCatId="simple" csTypeId="urn:microsoft.com/office/officeart/2005/8/colors/accent1_2" csCatId="accent1" phldr="1"/>
+      <dgm:spPr/>
+      <dgm:t>
+        <a:bodyPr/>
+        <a:lstStyle/>
+        <a:p>
+          <a:endParaRPr lang="en-MY"/>
+        </a:p>
+      </dgm:t>
+    </dgm:pt>
+    <dgm:pt modelId="{BEB04EAE-028F-49C1-BA3E-25C44AC6C585}">
+      <dgm:prSet phldrT="[Text]"/>
+      <dgm:spPr/>
+      <dgm:t>
+        <a:bodyPr/>
+        <a:lstStyle/>
+        <a:p>
+          <a:r>
+            <a:rPr lang="en-US" dirty="0"/>
+            <a:t>1</a:t>
+          </a:r>
+          <a:r>
+            <a:rPr lang="en-US" baseline="30000" dirty="0"/>
+            <a:t>st</a:t>
+          </a:r>
+          <a:r>
+            <a:rPr lang="en-US" dirty="0"/>
+            <a:t> common way</a:t>
+          </a:r>
+          <a:endParaRPr lang="en-MY" dirty="0"/>
+        </a:p>
+      </dgm:t>
+    </dgm:pt>
+    <dgm:pt modelId="{B4E9E0BD-BEC6-4324-BF22-488D9B52228C}" type="parTrans" cxnId="{8BCDF489-9783-4BC1-AA01-5F15554C806D}">
+      <dgm:prSet/>
+      <dgm:spPr/>
+      <dgm:t>
+        <a:bodyPr/>
+        <a:lstStyle/>
+        <a:p>
+          <a:endParaRPr lang="en-MY"/>
+        </a:p>
+      </dgm:t>
+    </dgm:pt>
+    <dgm:pt modelId="{101DBA06-A045-4F65-966B-DEC38B98FE3B}" type="sibTrans" cxnId="{8BCDF489-9783-4BC1-AA01-5F15554C806D}">
+      <dgm:prSet/>
+      <dgm:spPr/>
+      <dgm:t>
+        <a:bodyPr/>
+        <a:lstStyle/>
+        <a:p>
+          <a:endParaRPr lang="en-MY"/>
+        </a:p>
+      </dgm:t>
+    </dgm:pt>
+    <dgm:pt modelId="{20806966-E34C-4176-B8F7-F82C3FC2D813}">
+      <dgm:prSet phldrT="[Text]"/>
+      <dgm:spPr/>
+      <dgm:t>
+        <a:bodyPr/>
+        <a:lstStyle/>
+        <a:p>
+          <a:r>
+            <a:rPr lang="en-US" dirty="0"/>
+            <a:t>Inherit from Sprite class, and use </a:t>
+          </a:r>
+          <a:r>
+            <a:rPr lang="en-US" dirty="0" err="1"/>
+            <a:t>RenderUpdates</a:t>
+          </a:r>
+          <a:r>
+            <a:rPr lang="en-US" dirty="0"/>
+            <a:t> group</a:t>
+          </a:r>
+          <a:endParaRPr lang="en-MY" dirty="0"/>
+        </a:p>
+      </dgm:t>
+    </dgm:pt>
+    <dgm:pt modelId="{C53AB588-DFFB-4C10-8129-AE734D937D42}" type="parTrans" cxnId="{FA7B67E7-6B06-4600-B648-B37E69D4938D}">
+      <dgm:prSet/>
+      <dgm:spPr/>
+      <dgm:t>
+        <a:bodyPr/>
+        <a:lstStyle/>
+        <a:p>
+          <a:endParaRPr lang="en-MY"/>
+        </a:p>
+      </dgm:t>
+    </dgm:pt>
+    <dgm:pt modelId="{501A507A-8996-4135-B53C-64CFC39F25AC}" type="sibTrans" cxnId="{FA7B67E7-6B06-4600-B648-B37E69D4938D}">
+      <dgm:prSet/>
+      <dgm:spPr/>
+      <dgm:t>
+        <a:bodyPr/>
+        <a:lstStyle/>
+        <a:p>
+          <a:endParaRPr lang="en-MY"/>
+        </a:p>
+      </dgm:t>
+    </dgm:pt>
+    <dgm:pt modelId="{5CA08246-64A8-4FE4-8E9C-03D22A572A83}">
+      <dgm:prSet phldrT="[Text]"/>
+      <dgm:spPr/>
+      <dgm:t>
+        <a:bodyPr/>
+        <a:lstStyle/>
+        <a:p>
+          <a:r>
+            <a:rPr lang="en-US" dirty="0"/>
+            <a:t>The group draw will return the </a:t>
+          </a:r>
+          <a:r>
+            <a:rPr lang="en-US" dirty="0" err="1"/>
+            <a:t>rect</a:t>
+          </a:r>
+          <a:r>
+            <a:rPr lang="en-US" dirty="0"/>
+            <a:t> list which needs to update to screen. Can be used as parameter to update()</a:t>
+          </a:r>
+          <a:endParaRPr lang="en-MY" dirty="0"/>
+        </a:p>
+      </dgm:t>
+    </dgm:pt>
+    <dgm:pt modelId="{FCCD91A9-1761-4A07-AC33-6E62C7C6964C}" type="parTrans" cxnId="{E2746597-A6C5-4510-899A-B4DC9FACD656}">
+      <dgm:prSet/>
+      <dgm:spPr/>
+      <dgm:t>
+        <a:bodyPr/>
+        <a:lstStyle/>
+        <a:p>
+          <a:endParaRPr lang="en-MY"/>
+        </a:p>
+      </dgm:t>
+    </dgm:pt>
+    <dgm:pt modelId="{E418C3FA-ACF5-40E5-9A56-3C4FAD7EEE46}" type="sibTrans" cxnId="{E2746597-A6C5-4510-899A-B4DC9FACD656}">
+      <dgm:prSet/>
+      <dgm:spPr/>
+      <dgm:t>
+        <a:bodyPr/>
+        <a:lstStyle/>
+        <a:p>
+          <a:endParaRPr lang="en-MY"/>
+        </a:p>
+      </dgm:t>
+    </dgm:pt>
+    <dgm:pt modelId="{201B2957-B060-4BF4-BE62-4B1E41EAEA3D}">
+      <dgm:prSet phldrT="[Text]"/>
+      <dgm:spPr/>
+      <dgm:t>
+        <a:bodyPr/>
+        <a:lstStyle/>
+        <a:p>
+          <a:r>
+            <a:rPr lang="en-US" dirty="0"/>
+            <a:t>2</a:t>
+          </a:r>
+          <a:r>
+            <a:rPr lang="en-US" baseline="30000" dirty="0"/>
+            <a:t>nd</a:t>
+          </a:r>
+          <a:r>
+            <a:rPr lang="en-US" dirty="0"/>
+            <a:t> common way</a:t>
+          </a:r>
+          <a:endParaRPr lang="en-MY" dirty="0"/>
+        </a:p>
+      </dgm:t>
+    </dgm:pt>
+    <dgm:pt modelId="{2E9CB2C7-4195-440C-9EB4-BC61688753E1}" type="parTrans" cxnId="{5697819B-196C-4D52-BB65-1C56DC29C747}">
+      <dgm:prSet/>
+      <dgm:spPr/>
+      <dgm:t>
+        <a:bodyPr/>
+        <a:lstStyle/>
+        <a:p>
+          <a:endParaRPr lang="en-MY"/>
+        </a:p>
+      </dgm:t>
+    </dgm:pt>
+    <dgm:pt modelId="{D0FB8FF9-470D-40FF-838E-66696C81B563}" type="sibTrans" cxnId="{5697819B-196C-4D52-BB65-1C56DC29C747}">
+      <dgm:prSet/>
+      <dgm:spPr/>
+      <dgm:t>
+        <a:bodyPr/>
+        <a:lstStyle/>
+        <a:p>
+          <a:endParaRPr lang="en-MY"/>
+        </a:p>
+      </dgm:t>
+    </dgm:pt>
+    <dgm:pt modelId="{5C750708-F1E8-40CA-BCE7-43E5EFEEE1FB}">
+      <dgm:prSet phldrT="[Text]"/>
+      <dgm:spPr/>
+      <dgm:t>
+        <a:bodyPr/>
+        <a:lstStyle/>
+        <a:p>
+          <a:r>
+            <a:rPr lang="en-US" dirty="0"/>
+            <a:t>Inherit from </a:t>
+          </a:r>
+          <a:r>
+            <a:rPr lang="en-US" dirty="0" err="1"/>
+            <a:t>DirtySprite</a:t>
+          </a:r>
+          <a:r>
+            <a:rPr lang="en-US" dirty="0"/>
+            <a:t>, and use </a:t>
+          </a:r>
+          <a:r>
+            <a:rPr lang="en-US" dirty="0" err="1"/>
+            <a:t>LayeredDirty</a:t>
+          </a:r>
+          <a:r>
+            <a:rPr lang="en-US" dirty="0"/>
+            <a:t> group</a:t>
+          </a:r>
+          <a:endParaRPr lang="en-MY" dirty="0"/>
+        </a:p>
+      </dgm:t>
+    </dgm:pt>
+    <dgm:pt modelId="{77F292CA-61C2-4477-BB26-D76205223F42}" type="parTrans" cxnId="{3738EC43-843E-4275-A246-9EA1834A3F26}">
+      <dgm:prSet/>
+      <dgm:spPr/>
+      <dgm:t>
+        <a:bodyPr/>
+        <a:lstStyle/>
+        <a:p>
+          <a:endParaRPr lang="en-MY"/>
+        </a:p>
+      </dgm:t>
+    </dgm:pt>
+    <dgm:pt modelId="{D3AD9BBB-67D3-4320-BA9B-A87DC47F911B}" type="sibTrans" cxnId="{3738EC43-843E-4275-A246-9EA1834A3F26}">
+      <dgm:prSet/>
+      <dgm:spPr/>
+      <dgm:t>
+        <a:bodyPr/>
+        <a:lstStyle/>
+        <a:p>
+          <a:endParaRPr lang="en-MY"/>
+        </a:p>
+      </dgm:t>
+    </dgm:pt>
+    <dgm:pt modelId="{F87BF6D5-B565-4B9B-B21D-EA1DC27415AE}">
+      <dgm:prSet phldrT="[Text]"/>
+      <dgm:spPr/>
+      <dgm:t>
+        <a:bodyPr/>
+        <a:lstStyle/>
+        <a:p>
+          <a:r>
+            <a:rPr lang="en-US" dirty="0"/>
+            <a:t>For those static sprites, which can set dirty to 0, then draw will not involve them.</a:t>
+          </a:r>
+          <a:endParaRPr lang="en-MY" dirty="0"/>
+        </a:p>
+      </dgm:t>
+    </dgm:pt>
+    <dgm:pt modelId="{B2986AF1-E0E0-4FF6-9CEA-68F4EEF9E468}" type="parTrans" cxnId="{7C321555-E6DA-4D2C-A8C1-6A7038150546}">
+      <dgm:prSet/>
+      <dgm:spPr/>
+      <dgm:t>
+        <a:bodyPr/>
+        <a:lstStyle/>
+        <a:p>
+          <a:endParaRPr lang="en-MY"/>
+        </a:p>
+      </dgm:t>
+    </dgm:pt>
+    <dgm:pt modelId="{3B3B9471-8AFD-4856-8CF5-F77109E4DE6D}" type="sibTrans" cxnId="{7C321555-E6DA-4D2C-A8C1-6A7038150546}">
+      <dgm:prSet/>
+      <dgm:spPr/>
+      <dgm:t>
+        <a:bodyPr/>
+        <a:lstStyle/>
+        <a:p>
+          <a:endParaRPr lang="en-MY"/>
+        </a:p>
+      </dgm:t>
+    </dgm:pt>
+    <dgm:pt modelId="{A2AF9F6A-E032-468C-A68D-CE0FB69974A5}" type="pres">
+      <dgm:prSet presAssocID="{4F93D5F9-C843-4FBD-8450-AB5517508DC7}" presName="Name0" presStyleCnt="0">
+        <dgm:presLayoutVars>
+          <dgm:dir/>
+          <dgm:animLvl val="lvl"/>
+          <dgm:resizeHandles val="exact"/>
+        </dgm:presLayoutVars>
+      </dgm:prSet>
+      <dgm:spPr/>
+    </dgm:pt>
+    <dgm:pt modelId="{5AC47DF9-BCED-4AA5-91ED-D253CE972B84}" type="pres">
+      <dgm:prSet presAssocID="{BEB04EAE-028F-49C1-BA3E-25C44AC6C585}" presName="composite" presStyleCnt="0"/>
+      <dgm:spPr/>
+    </dgm:pt>
+    <dgm:pt modelId="{BDE75CA4-F43C-4281-9E66-447B93A67220}" type="pres">
+      <dgm:prSet presAssocID="{BEB04EAE-028F-49C1-BA3E-25C44AC6C585}" presName="parTx" presStyleLbl="alignNode1" presStyleIdx="0" presStyleCnt="2">
+        <dgm:presLayoutVars>
+          <dgm:chMax val="0"/>
+          <dgm:chPref val="0"/>
+          <dgm:bulletEnabled val="1"/>
+        </dgm:presLayoutVars>
+      </dgm:prSet>
+      <dgm:spPr/>
+    </dgm:pt>
+    <dgm:pt modelId="{168F0719-BF73-499D-B42F-69706CBBC021}" type="pres">
+      <dgm:prSet presAssocID="{BEB04EAE-028F-49C1-BA3E-25C44AC6C585}" presName="desTx" presStyleLbl="alignAccFollowNode1" presStyleIdx="0" presStyleCnt="2">
+        <dgm:presLayoutVars>
+          <dgm:bulletEnabled val="1"/>
+        </dgm:presLayoutVars>
+      </dgm:prSet>
+      <dgm:spPr/>
+    </dgm:pt>
+    <dgm:pt modelId="{37E4D7D9-7C71-457F-97EF-6FCFCF89A6E8}" type="pres">
+      <dgm:prSet presAssocID="{101DBA06-A045-4F65-966B-DEC38B98FE3B}" presName="space" presStyleCnt="0"/>
+      <dgm:spPr/>
+    </dgm:pt>
+    <dgm:pt modelId="{6BBCF1B0-9396-4FA0-85AA-D92B44A153A7}" type="pres">
+      <dgm:prSet presAssocID="{201B2957-B060-4BF4-BE62-4B1E41EAEA3D}" presName="composite" presStyleCnt="0"/>
+      <dgm:spPr/>
+    </dgm:pt>
+    <dgm:pt modelId="{A1A7B331-5DE7-4129-B5F0-0789517C3300}" type="pres">
+      <dgm:prSet presAssocID="{201B2957-B060-4BF4-BE62-4B1E41EAEA3D}" presName="parTx" presStyleLbl="alignNode1" presStyleIdx="1" presStyleCnt="2">
+        <dgm:presLayoutVars>
+          <dgm:chMax val="0"/>
+          <dgm:chPref val="0"/>
+          <dgm:bulletEnabled val="1"/>
+        </dgm:presLayoutVars>
+      </dgm:prSet>
+      <dgm:spPr/>
+    </dgm:pt>
+    <dgm:pt modelId="{78E1F2F1-C678-4772-A076-B95C9717F234}" type="pres">
+      <dgm:prSet presAssocID="{201B2957-B060-4BF4-BE62-4B1E41EAEA3D}" presName="desTx" presStyleLbl="alignAccFollowNode1" presStyleIdx="1" presStyleCnt="2">
+        <dgm:presLayoutVars>
+          <dgm:bulletEnabled val="1"/>
+        </dgm:presLayoutVars>
+      </dgm:prSet>
+      <dgm:spPr/>
+    </dgm:pt>
+  </dgm:ptLst>
+  <dgm:cxnLst>
+    <dgm:cxn modelId="{A4544E62-5B9C-44A2-82B8-71092343873A}" type="presOf" srcId="{4F93D5F9-C843-4FBD-8450-AB5517508DC7}" destId="{A2AF9F6A-E032-468C-A68D-CE0FB69974A5}" srcOrd="0" destOrd="0" presId="urn:microsoft.com/office/officeart/2005/8/layout/hList1"/>
+    <dgm:cxn modelId="{16C97143-B781-42D7-BC0E-7FB6D1033E18}" type="presOf" srcId="{5C750708-F1E8-40CA-BCE7-43E5EFEEE1FB}" destId="{78E1F2F1-C678-4772-A076-B95C9717F234}" srcOrd="0" destOrd="0" presId="urn:microsoft.com/office/officeart/2005/8/layout/hList1"/>
+    <dgm:cxn modelId="{3738EC43-843E-4275-A246-9EA1834A3F26}" srcId="{201B2957-B060-4BF4-BE62-4B1E41EAEA3D}" destId="{5C750708-F1E8-40CA-BCE7-43E5EFEEE1FB}" srcOrd="0" destOrd="0" parTransId="{77F292CA-61C2-4477-BB26-D76205223F42}" sibTransId="{D3AD9BBB-67D3-4320-BA9B-A87DC47F911B}"/>
+    <dgm:cxn modelId="{EDEAE672-2D5B-4636-B2CD-DEAA4908D578}" type="presOf" srcId="{5CA08246-64A8-4FE4-8E9C-03D22A572A83}" destId="{168F0719-BF73-499D-B42F-69706CBBC021}" srcOrd="0" destOrd="1" presId="urn:microsoft.com/office/officeart/2005/8/layout/hList1"/>
+    <dgm:cxn modelId="{7C321555-E6DA-4D2C-A8C1-6A7038150546}" srcId="{201B2957-B060-4BF4-BE62-4B1E41EAEA3D}" destId="{F87BF6D5-B565-4B9B-B21D-EA1DC27415AE}" srcOrd="1" destOrd="0" parTransId="{B2986AF1-E0E0-4FF6-9CEA-68F4EEF9E468}" sibTransId="{3B3B9471-8AFD-4856-8CF5-F77109E4DE6D}"/>
+    <dgm:cxn modelId="{8BCDF489-9783-4BC1-AA01-5F15554C806D}" srcId="{4F93D5F9-C843-4FBD-8450-AB5517508DC7}" destId="{BEB04EAE-028F-49C1-BA3E-25C44AC6C585}" srcOrd="0" destOrd="0" parTransId="{B4E9E0BD-BEC6-4324-BF22-488D9B52228C}" sibTransId="{101DBA06-A045-4F65-966B-DEC38B98FE3B}"/>
+    <dgm:cxn modelId="{D2BA5B94-E5B9-4A7D-B41C-97939B3F31ED}" type="presOf" srcId="{201B2957-B060-4BF4-BE62-4B1E41EAEA3D}" destId="{A1A7B331-5DE7-4129-B5F0-0789517C3300}" srcOrd="0" destOrd="0" presId="urn:microsoft.com/office/officeart/2005/8/layout/hList1"/>
+    <dgm:cxn modelId="{E2746597-A6C5-4510-899A-B4DC9FACD656}" srcId="{BEB04EAE-028F-49C1-BA3E-25C44AC6C585}" destId="{5CA08246-64A8-4FE4-8E9C-03D22A572A83}" srcOrd="1" destOrd="0" parTransId="{FCCD91A9-1761-4A07-AC33-6E62C7C6964C}" sibTransId="{E418C3FA-ACF5-40E5-9A56-3C4FAD7EEE46}"/>
+    <dgm:cxn modelId="{5697819B-196C-4D52-BB65-1C56DC29C747}" srcId="{4F93D5F9-C843-4FBD-8450-AB5517508DC7}" destId="{201B2957-B060-4BF4-BE62-4B1E41EAEA3D}" srcOrd="1" destOrd="0" parTransId="{2E9CB2C7-4195-440C-9EB4-BC61688753E1}" sibTransId="{D0FB8FF9-470D-40FF-838E-66696C81B563}"/>
+    <dgm:cxn modelId="{D37D019E-50AB-4559-A715-538D46378C08}" type="presOf" srcId="{F87BF6D5-B565-4B9B-B21D-EA1DC27415AE}" destId="{78E1F2F1-C678-4772-A076-B95C9717F234}" srcOrd="0" destOrd="1" presId="urn:microsoft.com/office/officeart/2005/8/layout/hList1"/>
+    <dgm:cxn modelId="{12CCC2BD-142F-4878-A2C7-A5CE46723CD9}" type="presOf" srcId="{BEB04EAE-028F-49C1-BA3E-25C44AC6C585}" destId="{BDE75CA4-F43C-4281-9E66-447B93A67220}" srcOrd="0" destOrd="0" presId="urn:microsoft.com/office/officeart/2005/8/layout/hList1"/>
+    <dgm:cxn modelId="{1E96EBC2-2F80-4E09-BA1F-908F6994C3AB}" type="presOf" srcId="{20806966-E34C-4176-B8F7-F82C3FC2D813}" destId="{168F0719-BF73-499D-B42F-69706CBBC021}" srcOrd="0" destOrd="0" presId="urn:microsoft.com/office/officeart/2005/8/layout/hList1"/>
+    <dgm:cxn modelId="{FA7B67E7-6B06-4600-B648-B37E69D4938D}" srcId="{BEB04EAE-028F-49C1-BA3E-25C44AC6C585}" destId="{20806966-E34C-4176-B8F7-F82C3FC2D813}" srcOrd="0" destOrd="0" parTransId="{C53AB588-DFFB-4C10-8129-AE734D937D42}" sibTransId="{501A507A-8996-4135-B53C-64CFC39F25AC}"/>
+    <dgm:cxn modelId="{F4BECD46-8E40-4CF3-872F-2678294E13D4}" type="presParOf" srcId="{A2AF9F6A-E032-468C-A68D-CE0FB69974A5}" destId="{5AC47DF9-BCED-4AA5-91ED-D253CE972B84}" srcOrd="0" destOrd="0" presId="urn:microsoft.com/office/officeart/2005/8/layout/hList1"/>
+    <dgm:cxn modelId="{ECC468EF-BE78-41AC-AEAA-4756CCDE303C}" type="presParOf" srcId="{5AC47DF9-BCED-4AA5-91ED-D253CE972B84}" destId="{BDE75CA4-F43C-4281-9E66-447B93A67220}" srcOrd="0" destOrd="0" presId="urn:microsoft.com/office/officeart/2005/8/layout/hList1"/>
+    <dgm:cxn modelId="{ED94A8D5-056E-4610-8A2F-AD974F6B05E3}" type="presParOf" srcId="{5AC47DF9-BCED-4AA5-91ED-D253CE972B84}" destId="{168F0719-BF73-499D-B42F-69706CBBC021}" srcOrd="1" destOrd="0" presId="urn:microsoft.com/office/officeart/2005/8/layout/hList1"/>
+    <dgm:cxn modelId="{7CA4C2AE-75AE-49C9-8004-280A242E82C1}" type="presParOf" srcId="{A2AF9F6A-E032-468C-A68D-CE0FB69974A5}" destId="{37E4D7D9-7C71-457F-97EF-6FCFCF89A6E8}" srcOrd="1" destOrd="0" presId="urn:microsoft.com/office/officeart/2005/8/layout/hList1"/>
+    <dgm:cxn modelId="{26D3A559-4887-4637-9B4A-F1425E828425}" type="presParOf" srcId="{A2AF9F6A-E032-468C-A68D-CE0FB69974A5}" destId="{6BBCF1B0-9396-4FA0-85AA-D92B44A153A7}" srcOrd="2" destOrd="0" presId="urn:microsoft.com/office/officeart/2005/8/layout/hList1"/>
+    <dgm:cxn modelId="{6BFB78BE-BF8B-410C-A152-DE5641C27B6B}" type="presParOf" srcId="{6BBCF1B0-9396-4FA0-85AA-D92B44A153A7}" destId="{A1A7B331-5DE7-4129-B5F0-0789517C3300}" srcOrd="0" destOrd="0" presId="urn:microsoft.com/office/officeart/2005/8/layout/hList1"/>
+    <dgm:cxn modelId="{7764FB6D-BF5A-4B8B-8F68-13FCADCF636A}" type="presParOf" srcId="{6BBCF1B0-9396-4FA0-85AA-D92B44A153A7}" destId="{78E1F2F1-C678-4772-A076-B95C9717F234}" srcOrd="1" destOrd="0" presId="urn:microsoft.com/office/officeart/2005/8/layout/hList1"/>
+  </dgm:cxnLst>
+  <dgm:bg/>
+  <dgm:whole/>
+  <dgm:extLst>
+    <a:ext uri="http://schemas.microsoft.com/office/drawing/2008/diagram">
+      <dsp:dataModelExt xmlns:dsp="http://schemas.microsoft.com/office/drawing/2008/diagram" relId="rId6" minVer="http://schemas.openxmlformats.org/drawingml/2006/diagram"/>
+    </a:ext>
+  </dgm:extLst>
+</dgm:dataModel>
+</file>
+
+<file path=ppt/diagrams/drawing1.xml><?xml version="1.0" encoding="utf-8"?>
+<dsp:drawing xmlns:dgm="http://schemas.openxmlformats.org/drawingml/2006/diagram" xmlns:dsp="http://schemas.microsoft.com/office/drawing/2008/diagram" xmlns:a="http://schemas.openxmlformats.org/drawingml/2006/main">
+  <dsp:spTree>
+    <dsp:nvGrpSpPr>
+      <dsp:cNvPr id="0" name=""/>
+      <dsp:cNvGrpSpPr/>
+    </dsp:nvGrpSpPr>
+    <dsp:grpSpPr/>
+    <dsp:sp modelId="{BDE75CA4-F43C-4281-9E66-447B93A67220}">
+      <dsp:nvSpPr>
+        <dsp:cNvPr id="0" name=""/>
+        <dsp:cNvSpPr/>
+      </dsp:nvSpPr>
+      <dsp:spPr>
+        <a:xfrm>
+          <a:off x="39" y="5866"/>
+          <a:ext cx="3798093" cy="720000"/>
+        </a:xfrm>
+        <a:prstGeom prst="rect">
+          <a:avLst/>
+        </a:prstGeom>
+        <a:solidFill>
+          <a:schemeClr val="accent1">
+            <a:hueOff val="0"/>
+            <a:satOff val="0"/>
+            <a:lumOff val="0"/>
+            <a:alphaOff val="0"/>
+          </a:schemeClr>
+        </a:solidFill>
+        <a:ln w="19050" cap="rnd" cmpd="sng" algn="ctr">
+          <a:solidFill>
+            <a:schemeClr val="accent1">
+              <a:hueOff val="0"/>
+              <a:satOff val="0"/>
+              <a:lumOff val="0"/>
+              <a:alphaOff val="0"/>
+            </a:schemeClr>
+          </a:solidFill>
+          <a:prstDash val="solid"/>
+        </a:ln>
+        <a:effectLst/>
+      </dsp:spPr>
+      <dsp:style>
+        <a:lnRef idx="2">
+          <a:scrgbClr r="0" g="0" b="0"/>
+        </a:lnRef>
+        <a:fillRef idx="1">
+          <a:scrgbClr r="0" g="0" b="0"/>
+        </a:fillRef>
+        <a:effectRef idx="0">
+          <a:scrgbClr r="0" g="0" b="0"/>
+        </a:effectRef>
+        <a:fontRef idx="minor">
+          <a:schemeClr val="lt1"/>
+        </a:fontRef>
+      </dsp:style>
+      <dsp:txBody>
+        <a:bodyPr spcFirstLastPara="0" vert="horz" wrap="square" lIns="177800" tIns="101600" rIns="177800" bIns="101600" numCol="1" spcCol="1270" anchor="ctr" anchorCtr="0">
+          <a:noAutofit/>
+        </a:bodyPr>
+        <a:lstStyle/>
+        <a:p>
+          <a:pPr marL="0" lvl="0" indent="0" algn="ctr" defTabSz="1111250">
+            <a:lnSpc>
+              <a:spcPct val="90000"/>
+            </a:lnSpc>
+            <a:spcBef>
+              <a:spcPct val="0"/>
+            </a:spcBef>
+            <a:spcAft>
+              <a:spcPct val="35000"/>
+            </a:spcAft>
+            <a:buNone/>
+          </a:pPr>
+          <a:r>
+            <a:rPr lang="en-US" sz="2500" kern="1200" dirty="0"/>
+            <a:t>1</a:t>
+          </a:r>
+          <a:r>
+            <a:rPr lang="en-US" sz="2500" kern="1200" baseline="30000" dirty="0"/>
+            <a:t>st</a:t>
+          </a:r>
+          <a:r>
+            <a:rPr lang="en-US" sz="2500" kern="1200" dirty="0"/>
+            <a:t> common way</a:t>
+          </a:r>
+          <a:endParaRPr lang="en-MY" sz="2500" kern="1200" dirty="0"/>
+        </a:p>
+      </dsp:txBody>
+      <dsp:txXfrm>
+        <a:off x="39" y="5866"/>
+        <a:ext cx="3798093" cy="720000"/>
+      </dsp:txXfrm>
+    </dsp:sp>
+    <dsp:sp modelId="{168F0719-BF73-499D-B42F-69706CBBC021}">
+      <dsp:nvSpPr>
+        <dsp:cNvPr id="0" name=""/>
+        <dsp:cNvSpPr/>
+      </dsp:nvSpPr>
+      <dsp:spPr>
+        <a:xfrm>
+          <a:off x="39" y="725866"/>
+          <a:ext cx="3798093" cy="3225375"/>
+        </a:xfrm>
+        <a:prstGeom prst="rect">
+          <a:avLst/>
+        </a:prstGeom>
+        <a:solidFill>
+          <a:schemeClr val="accent1">
+            <a:alpha val="90000"/>
+            <a:tint val="40000"/>
+            <a:hueOff val="0"/>
+            <a:satOff val="0"/>
+            <a:lumOff val="0"/>
+            <a:alphaOff val="0"/>
+          </a:schemeClr>
+        </a:solidFill>
+        <a:ln w="19050" cap="rnd" cmpd="sng" algn="ctr">
+          <a:solidFill>
+            <a:schemeClr val="accent1">
+              <a:alpha val="90000"/>
+              <a:tint val="40000"/>
+              <a:hueOff val="0"/>
+              <a:satOff val="0"/>
+              <a:lumOff val="0"/>
+              <a:alphaOff val="0"/>
+            </a:schemeClr>
+          </a:solidFill>
+          <a:prstDash val="solid"/>
+        </a:ln>
+        <a:effectLst/>
+      </dsp:spPr>
+      <dsp:style>
+        <a:lnRef idx="2">
+          <a:scrgbClr r="0" g="0" b="0"/>
+        </a:lnRef>
+        <a:fillRef idx="1">
+          <a:scrgbClr r="0" g="0" b="0"/>
+        </a:fillRef>
+        <a:effectRef idx="0">
+          <a:scrgbClr r="0" g="0" b="0"/>
+        </a:effectRef>
+        <a:fontRef idx="minor"/>
+      </dsp:style>
+      <dsp:txBody>
+        <a:bodyPr spcFirstLastPara="0" vert="horz" wrap="square" lIns="133350" tIns="133350" rIns="177800" bIns="200025" numCol="1" spcCol="1270" anchor="t" anchorCtr="0">
+          <a:noAutofit/>
+        </a:bodyPr>
+        <a:lstStyle/>
+        <a:p>
+          <a:pPr marL="228600" lvl="1" indent="-228600" algn="l" defTabSz="1111250">
+            <a:lnSpc>
+              <a:spcPct val="90000"/>
+            </a:lnSpc>
+            <a:spcBef>
+              <a:spcPct val="0"/>
+            </a:spcBef>
+            <a:spcAft>
+              <a:spcPct val="15000"/>
+            </a:spcAft>
+            <a:buChar char="•"/>
+          </a:pPr>
+          <a:r>
+            <a:rPr lang="en-US" sz="2500" kern="1200" dirty="0"/>
+            <a:t>Inherit from Sprite class, and use </a:t>
+          </a:r>
+          <a:r>
+            <a:rPr lang="en-US" sz="2500" kern="1200" dirty="0" err="1"/>
+            <a:t>RenderUpdates</a:t>
+          </a:r>
+          <a:r>
+            <a:rPr lang="en-US" sz="2500" kern="1200" dirty="0"/>
+            <a:t> group</a:t>
+          </a:r>
+          <a:endParaRPr lang="en-MY" sz="2500" kern="1200" dirty="0"/>
+        </a:p>
+        <a:p>
+          <a:pPr marL="228600" lvl="1" indent="-228600" algn="l" defTabSz="1111250">
+            <a:lnSpc>
+              <a:spcPct val="90000"/>
+            </a:lnSpc>
+            <a:spcBef>
+              <a:spcPct val="0"/>
+            </a:spcBef>
+            <a:spcAft>
+              <a:spcPct val="15000"/>
+            </a:spcAft>
+            <a:buChar char="•"/>
+          </a:pPr>
+          <a:r>
+            <a:rPr lang="en-US" sz="2500" kern="1200" dirty="0"/>
+            <a:t>The group draw will return the </a:t>
+          </a:r>
+          <a:r>
+            <a:rPr lang="en-US" sz="2500" kern="1200" dirty="0" err="1"/>
+            <a:t>rect</a:t>
+          </a:r>
+          <a:r>
+            <a:rPr lang="en-US" sz="2500" kern="1200" dirty="0"/>
+            <a:t> list which needs to update to screen. Can be used as parameter to update()</a:t>
+          </a:r>
+          <a:endParaRPr lang="en-MY" sz="2500" kern="1200" dirty="0"/>
+        </a:p>
+      </dsp:txBody>
+      <dsp:txXfrm>
+        <a:off x="39" y="725866"/>
+        <a:ext cx="3798093" cy="3225375"/>
+      </dsp:txXfrm>
+    </dsp:sp>
+    <dsp:sp modelId="{A1A7B331-5DE7-4129-B5F0-0789517C3300}">
+      <dsp:nvSpPr>
+        <dsp:cNvPr id="0" name=""/>
+        <dsp:cNvSpPr/>
+      </dsp:nvSpPr>
+      <dsp:spPr>
+        <a:xfrm>
+          <a:off x="4329866" y="5866"/>
+          <a:ext cx="3798093" cy="720000"/>
+        </a:xfrm>
+        <a:prstGeom prst="rect">
+          <a:avLst/>
+        </a:prstGeom>
+        <a:solidFill>
+          <a:schemeClr val="accent1">
+            <a:hueOff val="0"/>
+            <a:satOff val="0"/>
+            <a:lumOff val="0"/>
+            <a:alphaOff val="0"/>
+          </a:schemeClr>
+        </a:solidFill>
+        <a:ln w="19050" cap="rnd" cmpd="sng" algn="ctr">
+          <a:solidFill>
+            <a:schemeClr val="accent1">
+              <a:hueOff val="0"/>
+              <a:satOff val="0"/>
+              <a:lumOff val="0"/>
+              <a:alphaOff val="0"/>
+            </a:schemeClr>
+          </a:solidFill>
+          <a:prstDash val="solid"/>
+        </a:ln>
+        <a:effectLst/>
+      </dsp:spPr>
+      <dsp:style>
+        <a:lnRef idx="2">
+          <a:scrgbClr r="0" g="0" b="0"/>
+        </a:lnRef>
+        <a:fillRef idx="1">
+          <a:scrgbClr r="0" g="0" b="0"/>
+        </a:fillRef>
+        <a:effectRef idx="0">
+          <a:scrgbClr r="0" g="0" b="0"/>
+        </a:effectRef>
+        <a:fontRef idx="minor">
+          <a:schemeClr val="lt1"/>
+        </a:fontRef>
+      </dsp:style>
+      <dsp:txBody>
+        <a:bodyPr spcFirstLastPara="0" vert="horz" wrap="square" lIns="177800" tIns="101600" rIns="177800" bIns="101600" numCol="1" spcCol="1270" anchor="ctr" anchorCtr="0">
+          <a:noAutofit/>
+        </a:bodyPr>
+        <a:lstStyle/>
+        <a:p>
+          <a:pPr marL="0" lvl="0" indent="0" algn="ctr" defTabSz="1111250">
+            <a:lnSpc>
+              <a:spcPct val="90000"/>
+            </a:lnSpc>
+            <a:spcBef>
+              <a:spcPct val="0"/>
+            </a:spcBef>
+            <a:spcAft>
+              <a:spcPct val="35000"/>
+            </a:spcAft>
+            <a:buNone/>
+          </a:pPr>
+          <a:r>
+            <a:rPr lang="en-US" sz="2500" kern="1200" dirty="0"/>
+            <a:t>2</a:t>
+          </a:r>
+          <a:r>
+            <a:rPr lang="en-US" sz="2500" kern="1200" baseline="30000" dirty="0"/>
+            <a:t>nd</a:t>
+          </a:r>
+          <a:r>
+            <a:rPr lang="en-US" sz="2500" kern="1200" dirty="0"/>
+            <a:t> common way</a:t>
+          </a:r>
+          <a:endParaRPr lang="en-MY" sz="2500" kern="1200" dirty="0"/>
+        </a:p>
+      </dsp:txBody>
+      <dsp:txXfrm>
+        <a:off x="4329866" y="5866"/>
+        <a:ext cx="3798093" cy="720000"/>
+      </dsp:txXfrm>
+    </dsp:sp>
+    <dsp:sp modelId="{78E1F2F1-C678-4772-A076-B95C9717F234}">
+      <dsp:nvSpPr>
+        <dsp:cNvPr id="0" name=""/>
+        <dsp:cNvSpPr/>
+      </dsp:nvSpPr>
+      <dsp:spPr>
+        <a:xfrm>
+          <a:off x="4329866" y="725866"/>
+          <a:ext cx="3798093" cy="3225375"/>
+        </a:xfrm>
+        <a:prstGeom prst="rect">
+          <a:avLst/>
+        </a:prstGeom>
+        <a:solidFill>
+          <a:schemeClr val="accent1">
+            <a:alpha val="90000"/>
+            <a:tint val="40000"/>
+            <a:hueOff val="0"/>
+            <a:satOff val="0"/>
+            <a:lumOff val="0"/>
+            <a:alphaOff val="0"/>
+          </a:schemeClr>
+        </a:solidFill>
+        <a:ln w="19050" cap="rnd" cmpd="sng" algn="ctr">
+          <a:solidFill>
+            <a:schemeClr val="accent1">
+              <a:alpha val="90000"/>
+              <a:tint val="40000"/>
+              <a:hueOff val="0"/>
+              <a:satOff val="0"/>
+              <a:lumOff val="0"/>
+              <a:alphaOff val="0"/>
+            </a:schemeClr>
+          </a:solidFill>
+          <a:prstDash val="solid"/>
+        </a:ln>
+        <a:effectLst/>
+      </dsp:spPr>
+      <dsp:style>
+        <a:lnRef idx="2">
+          <a:scrgbClr r="0" g="0" b="0"/>
+        </a:lnRef>
+        <a:fillRef idx="1">
+          <a:scrgbClr r="0" g="0" b="0"/>
+        </a:fillRef>
+        <a:effectRef idx="0">
+          <a:scrgbClr r="0" g="0" b="0"/>
+        </a:effectRef>
+        <a:fontRef idx="minor"/>
+      </dsp:style>
+      <dsp:txBody>
+        <a:bodyPr spcFirstLastPara="0" vert="horz" wrap="square" lIns="133350" tIns="133350" rIns="177800" bIns="200025" numCol="1" spcCol="1270" anchor="t" anchorCtr="0">
+          <a:noAutofit/>
+        </a:bodyPr>
+        <a:lstStyle/>
+        <a:p>
+          <a:pPr marL="228600" lvl="1" indent="-228600" algn="l" defTabSz="1111250">
+            <a:lnSpc>
+              <a:spcPct val="90000"/>
+            </a:lnSpc>
+            <a:spcBef>
+              <a:spcPct val="0"/>
+            </a:spcBef>
+            <a:spcAft>
+              <a:spcPct val="15000"/>
+            </a:spcAft>
+            <a:buChar char="•"/>
+          </a:pPr>
+          <a:r>
+            <a:rPr lang="en-US" sz="2500" kern="1200" dirty="0"/>
+            <a:t>Inherit from </a:t>
+          </a:r>
+          <a:r>
+            <a:rPr lang="en-US" sz="2500" kern="1200" dirty="0" err="1"/>
+            <a:t>DirtySprite</a:t>
+          </a:r>
+          <a:r>
+            <a:rPr lang="en-US" sz="2500" kern="1200" dirty="0"/>
+            <a:t>, and use </a:t>
+          </a:r>
+          <a:r>
+            <a:rPr lang="en-US" sz="2500" kern="1200" dirty="0" err="1"/>
+            <a:t>LayeredDirty</a:t>
+          </a:r>
+          <a:r>
+            <a:rPr lang="en-US" sz="2500" kern="1200" dirty="0"/>
+            <a:t> group</a:t>
+          </a:r>
+          <a:endParaRPr lang="en-MY" sz="2500" kern="1200" dirty="0"/>
+        </a:p>
+        <a:p>
+          <a:pPr marL="228600" lvl="1" indent="-228600" algn="l" defTabSz="1111250">
+            <a:lnSpc>
+              <a:spcPct val="90000"/>
+            </a:lnSpc>
+            <a:spcBef>
+              <a:spcPct val="0"/>
+            </a:spcBef>
+            <a:spcAft>
+              <a:spcPct val="15000"/>
+            </a:spcAft>
+            <a:buChar char="•"/>
+          </a:pPr>
+          <a:r>
+            <a:rPr lang="en-US" sz="2500" kern="1200" dirty="0"/>
+            <a:t>For those static sprites, which can set dirty to 0, then draw will not involve them.</a:t>
+          </a:r>
+          <a:endParaRPr lang="en-MY" sz="2500" kern="1200" dirty="0"/>
+        </a:p>
+      </dsp:txBody>
+      <dsp:txXfrm>
+        <a:off x="4329866" y="725866"/>
+        <a:ext cx="3798093" cy="3225375"/>
+      </dsp:txXfrm>
+    </dsp:sp>
+  </dsp:spTree>
+</dsp:drawing>
+</file>
+
+<file path=ppt/diagrams/layout1.xml><?xml version="1.0" encoding="utf-8"?>
+<dgm:layoutDef xmlns:dgm="http://schemas.openxmlformats.org/drawingml/2006/diagram" xmlns:a="http://schemas.openxmlformats.org/drawingml/2006/main" uniqueId="urn:microsoft.com/office/officeart/2005/8/layout/hList1">
+  <dgm:title val=""/>
+  <dgm:desc val=""/>
+  <dgm:catLst>
+    <dgm:cat type="list" pri="5000"/>
+    <dgm:cat type="convert" pri="5000"/>
+  </dgm:catLst>
+  <dgm:sampData>
+    <dgm:dataModel>
+      <dgm:ptLst>
+        <dgm:pt modelId="0" type="doc"/>
+        <dgm:pt modelId="1">
+          <dgm:prSet phldr="1"/>
+        </dgm:pt>
+        <dgm:pt modelId="11">
+          <dgm:prSet phldr="1"/>
+        </dgm:pt>
+        <dgm:pt modelId="12">
+          <dgm:prSet phldr="1"/>
+        </dgm:pt>
+        <dgm:pt modelId="2">
+          <dgm:prSet phldr="1"/>
+        </dgm:pt>
+        <dgm:pt modelId="21">
+          <dgm:prSet phldr="1"/>
+        </dgm:pt>
+        <dgm:pt modelId="22">
+          <dgm:prSet phldr="1"/>
+        </dgm:pt>
+        <dgm:pt modelId="3">
+          <dgm:prSet phldr="1"/>
+        </dgm:pt>
+        <dgm:pt modelId="31">
+          <dgm:prSet phldr="1"/>
+        </dgm:pt>
+        <dgm:pt modelId="32">
+          <dgm:prSet phldr="1"/>
+        </dgm:pt>
+      </dgm:ptLst>
+      <dgm:cxnLst>
+        <dgm:cxn modelId="4" srcId="0" destId="1" srcOrd="0" destOrd="0"/>
+        <dgm:cxn modelId="5" srcId="0" destId="2" srcOrd="1" destOrd="0"/>
+        <dgm:cxn modelId="6" srcId="0" destId="3" srcOrd="2" destOrd="0"/>
+        <dgm:cxn modelId="13" srcId="1" destId="11" srcOrd="0" destOrd="0"/>
+        <dgm:cxn modelId="14" srcId="1" destId="12" srcOrd="1" destOrd="0"/>
+        <dgm:cxn modelId="23" srcId="2" destId="21" srcOrd="0" destOrd="0"/>
+        <dgm:cxn modelId="24" srcId="2" destId="22" srcOrd="1" destOrd="0"/>
+        <dgm:cxn modelId="33" srcId="3" destId="31" srcOrd="0" destOrd="0"/>
+        <dgm:cxn modelId="34" srcId="3" destId="32" srcOrd="1" destOrd="0"/>
+      </dgm:cxnLst>
+      <dgm:bg/>
+      <dgm:whole/>
+    </dgm:dataModel>
+  </dgm:sampData>
+  <dgm:styleData>
+    <dgm:dataModel>
+      <dgm:ptLst>
+        <dgm:pt modelId="0" type="doc"/>
+        <dgm:pt modelId="1">
+          <dgm:prSet phldr="1"/>
+        </dgm:pt>
+        <dgm:pt modelId="2">
+          <dgm:prSet phldr="1"/>
+        </dgm:pt>
+      </dgm:ptLst>
+      <dgm:cxnLst>
+        <dgm:cxn modelId="3" srcId="0" destId="1" srcOrd="0" destOrd="0"/>
+        <dgm:cxn modelId="4" srcId="0" destId="2" srcOrd="1" destOrd="0"/>
+      </dgm:cxnLst>
+      <dgm:bg/>
+      <dgm:whole/>
+    </dgm:dataModel>
+  </dgm:styleData>
+  <dgm:clrData>
+    <dgm:dataModel>
+      <dgm:ptLst>
+        <dgm:pt modelId="0" type="doc"/>
+        <dgm:pt modelId="1">
+          <dgm:prSet phldr="1"/>
+        </dgm:pt>
+        <dgm:pt modelId="2">
+          <dgm:prSet phldr="1"/>
+        </dgm:pt>
+        <dgm:pt modelId="3">
+          <dgm:prSet phldr="1"/>
+        </dgm:pt>
+        <dgm:pt modelId="4">
+          <dgm:prSet phldr="1"/>
+        </dgm:pt>
+      </dgm:ptLst>
+      <dgm:cxnLst>
+        <dgm:cxn modelId="5" srcId="0" destId="1" srcOrd="0" destOrd="0"/>
+        <dgm:cxn modelId="6" srcId="0" destId="2" srcOrd="1" destOrd="0"/>
+        <dgm:cxn modelId="7" srcId="0" destId="3" srcOrd="2" destOrd="0"/>
+        <dgm:cxn modelId="8" srcId="0" destId="4" srcOrd="3" destOrd="0"/>
+      </dgm:cxnLst>
+      <dgm:bg/>
+      <dgm:whole/>
+    </dgm:dataModel>
+  </dgm:clrData>
+  <dgm:layoutNode name="Name0">
+    <dgm:varLst>
+      <dgm:dir/>
+      <dgm:animLvl val="lvl"/>
+      <dgm:resizeHandles val="exact"/>
+    </dgm:varLst>
+    <dgm:choose name="Name1">
+      <dgm:if name="Name2" func="var" arg="dir" op="equ" val="norm">
+        <dgm:alg type="lin"/>
+      </dgm:if>
+      <dgm:else name="Name3">
+        <dgm:alg type="lin">
+          <dgm:param type="linDir" val="fromR"/>
+        </dgm:alg>
+      </dgm:else>
+    </dgm:choose>
+    <dgm:shape xmlns:r="http://schemas.openxmlformats.org/officeDocument/2006/relationships" r:blip="">
+      <dgm:adjLst/>
+    </dgm:shape>
+    <dgm:presOf/>
+    <dgm:constrLst>
+      <dgm:constr type="h" for="ch" forName="composite" refType="h"/>
+      <dgm:constr type="w" for="ch" forName="composite" refType="w"/>
+      <dgm:constr type="w" for="des" forName="parTx"/>
+      <dgm:constr type="h" for="des" forName="parTx" op="equ"/>
+      <dgm:constr type="w" for="des" forName="desTx"/>
+      <dgm:constr type="h" for="des" forName="desTx" op="equ"/>
+      <dgm:constr type="primFontSz" for="des" forName="parTx" val="65"/>
+      <dgm:constr type="secFontSz" for="des" forName="desTx" refType="primFontSz" refFor="des" refForName="parTx" op="equ"/>
+      <dgm:constr type="h" for="des" forName="parTx" refType="primFontSz" refFor="des" refForName="parTx" fact="0.8"/>
+      <dgm:constr type="h" for="des" forName="desTx" refType="primFontSz" refFor="des" refForName="parTx" fact="1.22"/>
+      <dgm:constr type="w" for="ch" forName="space" refType="w" refFor="ch" refForName="composite" op="equ" fact="0.14"/>
+    </dgm:constrLst>
+    <dgm:ruleLst>
+      <dgm:rule type="w" for="ch" forName="composite" val="0" fact="NaN" max="NaN"/>
+      <dgm:rule type="primFontSz" for="des" forName="parTx" val="5" fact="NaN" max="NaN"/>
+    </dgm:ruleLst>
+    <dgm:forEach name="Name4" axis="ch" ptType="node">
+      <dgm:layoutNode name="composite">
+        <dgm:alg type="composite"/>
+        <dgm:shape xmlns:r="http://schemas.openxmlformats.org/officeDocument/2006/relationships" r:blip="">
+          <dgm:adjLst/>
+        </dgm:shape>
+        <dgm:presOf/>
+        <dgm:constrLst>
+          <dgm:constr type="l" for="ch" forName="parTx"/>
+          <dgm:constr type="w" for="ch" forName="parTx" refType="w"/>
+          <dgm:constr type="t" for="ch" forName="parTx"/>
+          <dgm:constr type="l" for="ch" forName="desTx"/>
+          <dgm:constr type="w" for="ch" forName="desTx" refType="w" refFor="ch" refForName="parTx"/>
+          <dgm:constr type="t" for="ch" forName="desTx" refType="h" refFor="ch" refForName="parTx"/>
+        </dgm:constrLst>
+        <dgm:ruleLst>
+          <dgm:rule type="h" val="INF" fact="NaN" max="NaN"/>
+        </dgm:ruleLst>
+        <dgm:layoutNode name="parTx" styleLbl="alignNode1">
+          <dgm:varLst>
+            <dgm:chMax val="0"/>
+            <dgm:chPref val="0"/>
+            <dgm:bulletEnabled val="1"/>
+          </dgm:varLst>
+          <dgm:alg type="tx"/>
+          <dgm:shape xmlns:r="http://schemas.openxmlformats.org/officeDocument/2006/relationships" type="rect" r:blip="">
+            <dgm:adjLst/>
+          </dgm:shape>
+          <dgm:presOf axis="self" ptType="node"/>
+          <dgm:constrLst>
+            <dgm:constr type="h" refType="w" op="lte" fact="0.4"/>
+            <dgm:constr type="h"/>
+            <dgm:constr type="tMarg" refType="primFontSz" fact="0.32"/>
+            <dgm:constr type="bMarg" refType="primFontSz" fact="0.32"/>
+          </dgm:constrLst>
+          <dgm:ruleLst>
+            <dgm:rule type="h" val="INF" fact="NaN" max="NaN"/>
+          </dgm:ruleLst>
+        </dgm:layoutNode>
+        <dgm:layoutNode name="desTx" styleLbl="alignAccFollowNode1">
+          <dgm:varLst>
+            <dgm:bulletEnabled val="1"/>
+          </dgm:varLst>
+          <dgm:alg type="tx">
+            <dgm:param type="stBulletLvl" val="1"/>
+          </dgm:alg>
+          <dgm:shape xmlns:r="http://schemas.openxmlformats.org/officeDocument/2006/relationships" type="rect" r:blip="">
+            <dgm:adjLst/>
+          </dgm:shape>
+          <dgm:presOf axis="des" ptType="node"/>
+          <dgm:constrLst>
+            <dgm:constr type="secFontSz" val="65"/>
+            <dgm:constr type="primFontSz" refType="secFontSz"/>
+            <dgm:constr type="h"/>
+            <dgm:constr type="lMarg" refType="primFontSz" fact="0.42"/>
+            <dgm:constr type="tMarg" refType="primFontSz" fact="0.42"/>
+            <dgm:constr type="bMarg" refType="primFontSz" fact="0.63"/>
+          </dgm:constrLst>
+          <dgm:ruleLst>
+            <dgm:rule type="h" val="INF" fact="NaN" max="NaN"/>
+          </dgm:ruleLst>
+        </dgm:layoutNode>
+      </dgm:layoutNode>
+      <dgm:forEach name="Name5" axis="followSib" ptType="sibTrans" cnt="1">
+        <dgm:layoutNode name="space">
+          <dgm:alg type="sp"/>
+          <dgm:shape xmlns:r="http://schemas.openxmlformats.org/officeDocument/2006/relationships" r:blip="">
+            <dgm:adjLst/>
+          </dgm:shape>
+          <dgm:presOf/>
+          <dgm:constrLst/>
+          <dgm:ruleLst/>
+        </dgm:layoutNode>
+      </dgm:forEach>
+    </dgm:forEach>
+  </dgm:layoutNode>
+</dgm:layoutDef>
+</file>
+
+<file path=ppt/diagrams/quickStyle1.xml><?xml version="1.0" encoding="utf-8"?>
+<dgm:styleDef xmlns:dgm="http://schemas.openxmlformats.org/drawingml/2006/diagram" xmlns:a="http://schemas.openxmlformats.org/drawingml/2006/main" uniqueId="urn:microsoft.com/office/officeart/2005/8/quickstyle/simple1">
+  <dgm:title val=""/>
+  <dgm:desc val=""/>
+  <dgm:catLst>
+    <dgm:cat type="simple" pri="10100"/>
+  </dgm:catLst>
+  <dgm:scene3d>
+    <a:camera prst="orthographicFront"/>
+    <a:lightRig rig="threePt" dir="t"/>
+  </dgm:scene3d>
+  <dgm:styleLbl name="node0">
+    <dgm:scene3d>
+      <a:camera prst="orthographicFront"/>
+      <a:lightRig rig="threePt" dir="t"/>
+    </dgm:scene3d>
+    <dgm:sp3d/>
+    <dgm:txPr/>
+    <dgm:style>
+      <a:lnRef idx="2">
+        <a:scrgbClr r="0" g="0" b="0"/>
+      </a:lnRef>
+      <a:fillRef idx="1">
+        <a:scrgbClr r="0" g="0" b="0"/>
+      </a:fillRef>
+      <a:effectRef idx="0">
+        <a:scrgbClr r="0" g="0" b="0"/>
+      </a:effectRef>
+      <a:fontRef idx="minor">
+        <a:schemeClr val="lt1"/>
+      </a:fontRef>
+    </dgm:style>
+  </dgm:styleLbl>
+  <dgm:styleLbl name="lnNode1">
+    <dgm:scene3d>
+      <a:camera prst="orthographicFront"/>
+      <a:lightRig rig="threePt" dir="t"/>
+    </dgm:scene3d>
+    <dgm:sp3d/>
+    <dgm:txPr/>
+    <dgm:style>
+      <a:lnRef idx="2">
+        <a:scrgbClr r="0" g="0" b="0"/>
+      </a:lnRef>
+      <a:fillRef idx="1">
+        <a:scrgbClr r="0" g="0" b="0"/>
+      </a:fillRef>
+      <a:effectRef idx="0">
+        <a:scrgbClr r="0" g="0" b="0"/>
+      </a:effectRef>
+      <a:fontRef idx="minor">
+        <a:schemeClr val="lt1"/>
+      </a:fontRef>
+    </dgm:style>
+  </dgm:styleLbl>
+  <dgm:styleLbl name="vennNode1">
+    <dgm:scene3d>
+      <a:camera prst="orthographicFront"/>
+      <a:lightRig rig="threePt" dir="t"/>
+    </dgm:scene3d>
+    <dgm:sp3d/>
+    <dgm:txPr/>
+    <dgm:style>
+      <a:lnRef idx="2">
+        <a:scrgbClr r="0" g="0" b="0"/>
+      </a:lnRef>
+      <a:fillRef idx="1">
+        <a:scrgbClr r="0" g="0" b="0"/>
+      </a:fillRef>
+      <a:effectRef idx="0">
+        <a:scrgbClr r="0" g="0" b="0"/>
+      </a:effectRef>
+      <a:fontRef idx="minor">
+        <a:schemeClr val="tx1"/>
+      </a:fontRef>
+    </dgm:style>
+  </dgm:styleLbl>
+  <dgm:styleLbl name="alignNode1">
+    <dgm:scene3d>
+      <a:camera prst="orthographicFront"/>
+      <a:lightRig rig="threePt" dir="t"/>
+    </dgm:scene3d>
+    <dgm:sp3d/>
+    <dgm:txPr/>
+    <dgm:style>
+      <a:lnRef idx="2">
+        <a:scrgbClr r="0" g="0" b="0"/>
+      </a:lnRef>
+      <a:fillRef idx="1">
+        <a:scrgbClr r="0" g="0" b="0"/>
+      </a:fillRef>
+      <a:effectRef idx="0">
+        <a:scrgbClr r="0" g="0" b="0"/>
+      </a:effectRef>
+      <a:fontRef idx="minor">
+        <a:schemeClr val="lt1"/>
+      </a:fontRef>
+    </dgm:style>
+  </dgm:styleLbl>
+  <dgm:styleLbl name="node1">
+    <dgm:scene3d>
+      <a:camera prst="orthographicFront"/>
+      <a:lightRig rig="threePt" dir="t"/>
+    </dgm:scene3d>
+    <dgm:sp3d/>
+    <dgm:txPr/>
+    <dgm:style>
+      <a:lnRef idx="2">
+        <a:scrgbClr r="0" g="0" b="0"/>
+      </a:lnRef>
+      <a:fillRef idx="1">
+        <a:scrgbClr r="0" g="0" b="0"/>
+      </a:fillRef>
+      <a:effectRef idx="0">
+        <a:scrgbClr r="0" g="0" b="0"/>
+      </a:effectRef>
+      <a:fontRef idx="minor">
+        <a:schemeClr val="lt1"/>
+      </a:fontRef>
+    </dgm:style>
+  </dgm:styleLbl>
+  <dgm:styleLbl name="node2">
+    <dgm:scene3d>
+      <a:camera prst="orthographicFront"/>
+      <a:lightRig rig="threePt" dir="t"/>
+    </dgm:scene3d>
+    <dgm:sp3d/>
+    <dgm:txPr/>
+    <dgm:style>
+      <a:lnRef idx="2">
+        <a:scrgbClr r="0" g="0" b="0"/>
+      </a:lnRef>
+      <a:fillRef idx="1">
+        <a:scrgbClr r="0" g="0" b="0"/>
+      </a:fillRef>
+      <a:effectRef idx="0">
+        <a:scrgbClr r="0" g="0" b="0"/>
+      </a:effectRef>
+      <a:fontRef idx="minor">
+        <a:schemeClr val="lt1"/>
+      </a:fontRef>
+    </dgm:style>
+  </dgm:styleLbl>
+  <dgm:styleLbl name="node3">
+    <dgm:scene3d>
+      <a:camera prst="orthographicFront"/>
+      <a:lightRig rig="threePt" dir="t"/>
+    </dgm:scene3d>
+    <dgm:sp3d/>
+    <dgm:txPr/>
+    <dgm:style>
+      <a:lnRef idx="2">
+        <a:scrgbClr r="0" g="0" b="0"/>
+      </a:lnRef>
+      <a:fillRef idx="1">
+        <a:scrgbClr r="0" g="0" b="0"/>
+      </a:fillRef>
+      <a:effectRef idx="0">
+        <a:scrgbClr r="0" g="0" b="0"/>
+      </a:effectRef>
+      <a:fontRef idx="minor">
+        <a:schemeClr val="lt1"/>
+      </a:fontRef>
+    </dgm:style>
+  </dgm:styleLbl>
+  <dgm:styleLbl name="node4">
+    <dgm:scene3d>
+      <a:camera prst="orthographicFront"/>
+      <a:lightRig rig="threePt" dir="t"/>
+    </dgm:scene3d>
+    <dgm:sp3d/>
+    <dgm:txPr/>
+    <dgm:style>
+      <a:lnRef idx="2">
+        <a:scrgbClr r="0" g="0" b="0"/>
+      </a:lnRef>
+      <a:fillRef idx="1">
+        <a:scrgbClr r="0" g="0" b="0"/>
+      </a:fillRef>
+      <a:effectRef idx="0">
+        <a:scrgbClr r="0" g="0" b="0"/>
+      </a:effectRef>
+      <a:fontRef idx="minor">
+        <a:schemeClr val="lt1"/>
+      </a:fontRef>
+    </dgm:style>
+  </dgm:styleLbl>
+  <dgm:styleLbl name="fgImgPlace1">
+    <dgm:scene3d>
+      <a:camera prst="orthographicFront"/>
+      <a:lightRig rig="threePt" dir="t"/>
+    </dgm:scene3d>
+    <dgm:sp3d/>
+    <dgm:txPr/>
+    <dgm:style>
+      <a:lnRef idx="2">
+        <a:scrgbClr r="0" g="0" b="0"/>
+      </a:lnRef>
+      <a:fillRef idx="1">
+        <a:scrgbClr r="0" g="0" b="0"/>
+      </a:fillRef>
+      <a:effectRef idx="0">
+        <a:scrgbClr r="0" g="0" b="0"/>
+      </a:effectRef>
+      <a:fontRef idx="minor"/>
+    </dgm:style>
+  </dgm:styleLbl>
+  <dgm:styleLbl name="alignImgPlace1">
+    <dgm:scene3d>
+      <a:camera prst="orthographicFront"/>
+      <a:lightRig rig="threePt" dir="t"/>
+    </dgm:scene3d>
+    <dgm:sp3d/>
+    <dgm:txPr/>
+    <dgm:style>
+      <a:lnRef idx="2">
+        <a:scrgbClr r="0" g="0" b="0"/>
+      </a:lnRef>
+      <a:fillRef idx="1">
+        <a:scrgbClr r="0" g="0" b="0"/>
+      </a:fillRef>
+      <a:effectRef idx="0">
+        <a:scrgbClr r="0" g="0" b="0"/>
+      </a:effectRef>
+      <a:fontRef idx="minor"/>
+    </dgm:style>
+  </dgm:styleLbl>
+  <dgm:styleLbl name="bgImgPlace1">
+    <dgm:scene3d>
+      <a:camera prst="orthographicFront"/>
+      <a:lightRig rig="threePt" dir="t"/>
+    </dgm:scene3d>
+    <dgm:sp3d/>
+    <dgm:txPr/>
+    <dgm:style>
+      <a:lnRef idx="2">
+        <a:scrgbClr r="0" g="0" b="0"/>
+      </a:lnRef>
+      <a:fillRef idx="1">
+        <a:scrgbClr r="0" g="0" b="0"/>
+      </a:fillRef>
+      <a:effectRef idx="0">
+        <a:scrgbClr r="0" g="0" b="0"/>
+      </a:effectRef>
+      <a:fontRef idx="minor"/>
+    </dgm:style>
+  </dgm:styleLbl>
+  <dgm:styleLbl name="sibTrans2D1">
+    <dgm:scene3d>
+      <a:camera prst="orthographicFront"/>
+      <a:lightRig rig="threePt" dir="t"/>
+    </dgm:scene3d>
+    <dgm:sp3d/>
+    <dgm:txPr/>
+    <dgm:style>
+      <a:lnRef idx="0">
+        <a:scrgbClr r="0" g="0" b="0"/>
+      </a:lnRef>
+      <a:fillRef idx="1">
+        <a:scrgbClr r="0" g="0" b="0"/>
+      </a:fillRef>
+      <a:effectRef idx="0">
+        <a:scrgbClr r="0" g="0" b="0"/>
+      </a:effectRef>
+      <a:fontRef idx="minor">
+        <a:schemeClr val="lt1"/>
+      </a:fontRef>
+    </dgm:style>
+  </dgm:styleLbl>
+  <dgm:styleLbl name="fgSibTrans2D1">
+    <dgm:scene3d>
+      <a:camera prst="orthographicFront"/>
+      <a:lightRig rig="threePt" dir="t"/>
+    </dgm:scene3d>
+    <dgm:sp3d/>
+    <dgm:txPr/>
+    <dgm:style>
+      <a:lnRef idx="0">
+        <a:scrgbClr r="0" g="0" b="0"/>
+      </a:lnRef>
+      <a:fillRef idx="1">
+        <a:scrgbClr r="0" g="0" b="0"/>
+      </a:fillRef>
+      <a:effectRef idx="0">
+        <a:scrgbClr r="0" g="0" b="0"/>
+      </a:effectRef>
+      <a:fontRef idx="minor">
+        <a:schemeClr val="lt1"/>
+      </a:fontRef>
+    </dgm:style>
+  </dgm:styleLbl>
+  <dgm:styleLbl name="bgSibTrans2D1">
+    <dgm:scene3d>
+      <a:camera prst="orthographicFront"/>
+      <a:lightRig rig="threePt" dir="t"/>
+    </dgm:scene3d>
+    <dgm:sp3d/>
+    <dgm:txPr/>
+    <dgm:style>
+      <a:lnRef idx="0">
+        <a:scrgbClr r="0" g="0" b="0"/>
+      </a:lnRef>
+      <a:fillRef idx="1">
+        <a:scrgbClr r="0" g="0" b="0"/>
+      </a:fillRef>
+      <a:effectRef idx="0">
+        <a:scrgbClr r="0" g="0" b="0"/>
+      </a:effectRef>
+      <a:fontRef idx="minor">
+        <a:schemeClr val="lt1"/>
+      </a:fontRef>
+    </dgm:style>
+  </dgm:styleLbl>
+  <dgm:styleLbl name="sibTrans1D1">
+    <dgm:scene3d>
+      <a:camera prst="orthographicFront"/>
+      <a:lightRig rig="threePt" dir="t"/>
+    </dgm:scene3d>
+    <dgm:sp3d/>
+    <dgm:txPr/>
+    <dgm:style>
+      <a:lnRef idx="1">
+        <a:scrgbClr r="0" g="0" b="0"/>
+      </a:lnRef>
+      <a:fillRef idx="0">
+        <a:scrgbClr r="0" g="0" b="0"/>
+      </a:fillRef>
+      <a:effectRef idx="0">
+        <a:scrgbClr r="0" g="0" b="0"/>
+      </a:effectRef>
+      <a:fontRef idx="minor"/>
+    </dgm:style>
+  </dgm:styleLbl>
+  <dgm:styleLbl name="callout">
+    <dgm:scene3d>
+      <a:camera prst="orthographicFront"/>
+      <a:lightRig rig="threePt" dir="t"/>
+    </dgm:scene3d>
+    <dgm:sp3d/>
+    <dgm:txPr/>
+    <dgm:style>
+      <a:lnRef idx="2">
+        <a:scrgbClr r="0" g="0" b="0"/>
+      </a:lnRef>
+      <a:fillRef idx="1">
+        <a:scrgbClr r="0" g="0" b="0"/>
+      </a:fillRef>
+      <a:effectRef idx="0">
+        <a:scrgbClr r="0" g="0" b="0"/>
+      </a:effectRef>
+      <a:fontRef idx="minor"/>
+    </dgm:style>
+  </dgm:styleLbl>
+  <dgm:styleLbl name="asst0">
+    <dgm:scene3d>
+      <a:camera prst="orthographicFront"/>
+      <a:lightRig rig="threePt" dir="t"/>
+    </dgm:scene3d>
+    <dgm:sp3d/>
+    <dgm:txPr/>
+    <dgm:style>
+      <a:lnRef idx="2">
+        <a:scrgbClr r="0" g="0" b="0"/>
+      </a:lnRef>
+      <a:fillRef idx="1">
+        <a:scrgbClr r="0" g="0" b="0"/>
+      </a:fillRef>
+      <a:effectRef idx="0">
+        <a:scrgbClr r="0" g="0" b="0"/>
+      </a:effectRef>
+      <a:fontRef idx="minor">
+        <a:schemeClr val="lt1"/>
+      </a:fontRef>
+    </dgm:style>
+  </dgm:styleLbl>
+  <dgm:styleLbl name="asst1">
+    <dgm:scene3d>
+      <a:camera prst="orthographicFront"/>
+      <a:lightRig rig="threePt" dir="t"/>
+    </dgm:scene3d>
+    <dgm:sp3d/>
+    <dgm:txPr/>
+    <dgm:style>
+      <a:lnRef idx="2">
+        <a:scrgbClr r="0" g="0" b="0"/>
+      </a:lnRef>
+      <a:fillRef idx="1">
+        <a:scrgbClr r="0" g="0" b="0"/>
+      </a:fillRef>
+      <a:effectRef idx="0">
+        <a:scrgbClr r="0" g="0" b="0"/>
+      </a:effectRef>
+      <a:fontRef idx="minor">
+        <a:schemeClr val="lt1"/>
+      </a:fontRef>
+    </dgm:style>
+  </dgm:styleLbl>
+  <dgm:styleLbl name="asst2">
+    <dgm:scene3d>
+      <a:camera prst="orthographicFront"/>
+      <a:lightRig rig="threePt" dir="t"/>
+    </dgm:scene3d>
+    <dgm:sp3d/>
+    <dgm:txPr/>
+    <dgm:style>
+      <a:lnRef idx="2">
+        <a:scrgbClr r="0" g="0" b="0"/>
+      </a:lnRef>
+      <a:fillRef idx="1">
+        <a:scrgbClr r="0" g="0" b="0"/>
+      </a:fillRef>
+      <a:effectRef idx="0">
+        <a:scrgbClr r="0" g="0" b="0"/>
+      </a:effectRef>
+      <a:fontRef idx="minor">
+        <a:schemeClr val="lt1"/>
+      </a:fontRef>
+    </dgm:style>
+  </dgm:styleLbl>
+  <dgm:styleLbl name="asst3">
+    <dgm:scene3d>
+      <a:camera prst="orthographicFront"/>
+      <a:lightRig rig="threePt" dir="t"/>
+    </dgm:scene3d>
+    <dgm:sp3d/>
+    <dgm:txPr/>
+    <dgm:style>
+      <a:lnRef idx="2">
+        <a:scrgbClr r="0" g="0" b="0"/>
+      </a:lnRef>
+      <a:fillRef idx="1">
+        <a:scrgbClr r="0" g="0" b="0"/>
+      </a:fillRef>
+      <a:effectRef idx="0">
+        <a:scrgbClr r="0" g="0" b="0"/>
+      </a:effectRef>
+      <a:fontRef idx="minor">
+        <a:schemeClr val="lt1"/>
+      </a:fontRef>
+    </dgm:style>
+  </dgm:styleLbl>
+  <dgm:styleLbl name="asst4">
+    <dgm:scene3d>
+      <a:camera prst="orthographicFront"/>
+      <a:lightRig rig="threePt" dir="t"/>
+    </dgm:scene3d>
+    <dgm:sp3d/>
+    <dgm:txPr/>
+    <dgm:style>
+      <a:lnRef idx="2">
+        <a:scrgbClr r="0" g="0" b="0"/>
+      </a:lnRef>
+      <a:fillRef idx="1">
+        <a:scrgbClr r="0" g="0" b="0"/>
+      </a:fillRef>
+      <a:effectRef idx="0">
+        <a:scrgbClr r="0" g="0" b="0"/>
+      </a:effectRef>
+      <a:fontRef idx="minor">
+        <a:schemeClr val="lt1"/>
+      </a:fontRef>
+    </dgm:style>
+  </dgm:styleLbl>
+  <dgm:styleLbl name="parChTrans2D1">
+    <dgm:scene3d>
+      <a:camera prst="orthographicFront"/>
+      <a:lightRig rig="threePt" dir="t"/>
+    </dgm:scene3d>
+    <dgm:sp3d/>
+    <dgm:txPr/>
+    <dgm:style>
+      <a:lnRef idx="2">
+        <a:scrgbClr r="0" g="0" b="0"/>
+      </a:lnRef>
+      <a:fillRef idx="1">
+        <a:scrgbClr r="0" g="0" b="0"/>
+      </a:fillRef>
+      <a:effectRef idx="0">
+        <a:scrgbClr r="0" g="0" b="0"/>
+      </a:effectRef>
+      <a:fontRef idx="minor">
+        <a:schemeClr val="lt1"/>
+      </a:fontRef>
+    </dgm:style>
+  </dgm:styleLbl>
+  <dgm:styleLbl name="parChTrans2D2">
+    <dgm:scene3d>
+      <a:camera prst="orthographicFront"/>
+      <a:lightRig rig="threePt" dir="t"/>
+    </dgm:scene3d>
+    <dgm:sp3d/>
+    <dgm:txPr/>
+    <dgm:style>
+      <a:lnRef idx="2">
+        <a:scrgbClr r="0" g="0" b="0"/>
+      </a:lnRef>
+      <a:fillRef idx="1">
+        <a:scrgbClr r="0" g="0" b="0"/>
+      </a:fillRef>
+      <a:effectRef idx="0">
+        <a:scrgbClr r="0" g="0" b="0"/>
+      </a:effectRef>
+      <a:fontRef idx="minor">
+        <a:schemeClr val="lt1"/>
+      </a:fontRef>
+    </dgm:style>
+  </dgm:styleLbl>
+  <dgm:styleLbl name="parChTrans2D3">
+    <dgm:scene3d>
+      <a:camera prst="orthographicFront"/>
+      <a:lightRig rig="threePt" dir="t"/>
+    </dgm:scene3d>
+    <dgm:sp3d/>
+    <dgm:txPr/>
+    <dgm:style>
+      <a:lnRef idx="2">
+        <a:scrgbClr r="0" g="0" b="0"/>
+      </a:lnRef>
+      <a:fillRef idx="1">
+        <a:scrgbClr r="0" g="0" b="0"/>
+      </a:fillRef>
+      <a:effectRef idx="0">
+        <a:scrgbClr r="0" g="0" b="0"/>
+      </a:effectRef>
+      <a:fontRef idx="minor">
+        <a:schemeClr val="lt1"/>
+      </a:fontRef>
+    </dgm:style>
+  </dgm:styleLbl>
+  <dgm:styleLbl name="parChTrans2D4">
+    <dgm:scene3d>
+      <a:camera prst="orthographicFront"/>
+      <a:lightRig rig="threePt" dir="t"/>
+    </dgm:scene3d>
+    <dgm:sp3d/>
+    <dgm:txPr/>
+    <dgm:style>
+      <a:lnRef idx="2">
+        <a:scrgbClr r="0" g="0" b="0"/>
+      </a:lnRef>
+      <a:fillRef idx="1">
+        <a:scrgbClr r="0" g="0" b="0"/>
+      </a:fillRef>
+      <a:effectRef idx="0">
+        <a:scrgbClr r="0" g="0" b="0"/>
+      </a:effectRef>
+      <a:fontRef idx="minor">
+        <a:schemeClr val="lt1"/>
+      </a:fontRef>
+    </dgm:style>
+  </dgm:styleLbl>
+  <dgm:styleLbl name="parChTrans1D1">
+    <dgm:scene3d>
+      <a:camera prst="orthographicFront"/>
+      <a:lightRig rig="threePt" dir="t"/>
+    </dgm:scene3d>
+    <dgm:sp3d/>
+    <dgm:txPr/>
+    <dgm:style>
+      <a:lnRef idx="2">
+        <a:scrgbClr r="0" g="0" b="0"/>
+      </a:lnRef>
+      <a:fillRef idx="0">
+        <a:scrgbClr r="0" g="0" b="0"/>
+      </a:fillRef>
+      <a:effectRef idx="0">
+        <a:scrgbClr r="0" g="0" b="0"/>
+      </a:effectRef>
+      <a:fontRef idx="minor"/>
+    </dgm:style>
+  </dgm:styleLbl>
+  <dgm:styleLbl name="parChTrans1D2">
+    <dgm:scene3d>
+      <a:camera prst="orthographicFront"/>
+      <a:lightRig rig="threePt" dir="t"/>
+    </dgm:scene3d>
+    <dgm:sp3d/>
+    <dgm:txPr/>
+    <dgm:style>
+      <a:lnRef idx="2">
+        <a:scrgbClr r="0" g="0" b="0"/>
+      </a:lnRef>
+      <a:fillRef idx="0">
+        <a:scrgbClr r="0" g="0" b="0"/>
+      </a:fillRef>
+      <a:effectRef idx="0">
+        <a:scrgbClr r="0" g="0" b="0"/>
+      </a:effectRef>
+      <a:fontRef idx="minor"/>
+    </dgm:style>
+  </dgm:styleLbl>
+  <dgm:styleLbl name="parChTrans1D3">
+    <dgm:scene3d>
+      <a:camera prst="orthographicFront"/>
+      <a:lightRig rig="threePt" dir="t"/>
+    </dgm:scene3d>
+    <dgm:sp3d/>
+    <dgm:txPr/>
+    <dgm:style>
+      <a:lnRef idx="2">
+        <a:scrgbClr r="0" g="0" b="0"/>
+      </a:lnRef>
+      <a:fillRef idx="0">
+        <a:scrgbClr r="0" g="0" b="0"/>
+      </a:fillRef>
+      <a:effectRef idx="0">
+        <a:scrgbClr r="0" g="0" b="0"/>
+      </a:effectRef>
+      <a:fontRef idx="minor"/>
+    </dgm:style>
+  </dgm:styleLbl>
+  <dgm:styleLbl name="parChTrans1D4">
+    <dgm:scene3d>
+      <a:camera prst="orthographicFront"/>
+      <a:lightRig rig="threePt" dir="t"/>
+    </dgm:scene3d>
+    <dgm:sp3d/>
+    <dgm:txPr/>
+    <dgm:style>
+      <a:lnRef idx="2">
+        <a:scrgbClr r="0" g="0" b="0"/>
+      </a:lnRef>
+      <a:fillRef idx="0">
+        <a:scrgbClr r="0" g="0" b="0"/>
+      </a:fillRef>
+      <a:effectRef idx="0">
+        <a:scrgbClr r="0" g="0" b="0"/>
+      </a:effectRef>
+      <a:fontRef idx="minor"/>
+    </dgm:style>
+  </dgm:styleLbl>
+  <dgm:styleLbl name="fgAcc1">
+    <dgm:scene3d>
+      <a:camera prst="orthographicFront"/>
+      <a:lightRig rig="threePt" dir="t"/>
+    </dgm:scene3d>
+    <dgm:sp3d/>
+    <dgm:txPr/>
+    <dgm:style>
+      <a:lnRef idx="2">
+        <a:scrgbClr r="0" g="0" b="0"/>
+      </a:lnRef>
+      <a:fillRef idx="1">
+        <a:scrgbClr r="0" g="0" b="0"/>
+      </a:fillRef>
+      <a:effectRef idx="0">
+        <a:scrgbClr r="0" g="0" b="0"/>
+      </a:effectRef>
+      <a:fontRef idx="minor"/>
+    </dgm:style>
+  </dgm:styleLbl>
+  <dgm:styleLbl name="conFgAcc1">
+    <dgm:scene3d>
+      <a:camera prst="orthographicFront"/>
+      <a:lightRig rig="threePt" dir="t"/>
+    </dgm:scene3d>
+    <dgm:sp3d/>
+    <dgm:txPr/>
+    <dgm:style>
+      <a:lnRef idx="2">
+        <a:scrgbClr r="0" g="0" b="0"/>
+      </a:lnRef>
+      <a:fillRef idx="1">
+        <a:scrgbClr r="0" g="0" b="0"/>
+      </a:fillRef>
+      <a:effectRef idx="0">
+        <a:scrgbClr r="0" g="0" b="0"/>
+      </a:effectRef>
+      <a:fontRef idx="minor"/>
+    </dgm:style>
+  </dgm:styleLbl>
+  <dgm:styleLbl name="alignAcc1">
+    <dgm:scene3d>
+      <a:camera prst="orthographicFront"/>
+      <a:lightRig rig="threePt" dir="t"/>
+    </dgm:scene3d>
+    <dgm:sp3d/>
+    <dgm:txPr/>
+    <dgm:style>
+      <a:lnRef idx="2">
+        <a:scrgbClr r="0" g="0" b="0"/>
+      </a:lnRef>
+      <a:fillRef idx="1">
+        <a:scrgbClr r="0" g="0" b="0"/>
+      </a:fillRef>
+      <a:effectRef idx="0">
+        <a:scrgbClr r="0" g="0" b="0"/>
+      </a:effectRef>
+      <a:fontRef idx="minor"/>
+    </dgm:style>
+  </dgm:styleLbl>
+  <dgm:styleLbl name="trAlignAcc1">
+    <dgm:scene3d>
+      <a:camera prst="orthographicFront"/>
+      <a:lightRig rig="threePt" dir="t"/>
+    </dgm:scene3d>
+    <dgm:sp3d/>
+    <dgm:txPr/>
+    <dgm:style>
+      <a:lnRef idx="1">
+        <a:scrgbClr r="0" g="0" b="0"/>
+      </a:lnRef>
+      <a:fillRef idx="1">
+        <a:scrgbClr r="0" g="0" b="0"/>
+      </a:fillRef>
+      <a:effectRef idx="0">
+        <a:scrgbClr r="0" g="0" b="0"/>
+      </a:effectRef>
+      <a:fontRef idx="minor"/>
+    </dgm:style>
+  </dgm:styleLbl>
+  <dgm:styleLbl name="bgAcc1">
+    <dgm:scene3d>
+      <a:camera prst="orthographicFront"/>
+      <a:lightRig rig="threePt" dir="t"/>
+    </dgm:scene3d>
+    <dgm:sp3d/>
+    <dgm:txPr/>
+    <dgm:style>
+      <a:lnRef idx="2">
+        <a:scrgbClr r="0" g="0" b="0"/>
+      </a:lnRef>
+      <a:fillRef idx="1">
+        <a:scrgbClr r="0" g="0" b="0"/>
+      </a:fillRef>
+      <a:effectRef idx="0">
+        <a:scrgbClr r="0" g="0" b="0"/>
+      </a:effectRef>
+      <a:fontRef idx="minor"/>
+    </dgm:style>
+  </dgm:styleLbl>
+  <dgm:styleLbl name="solidFgAcc1">
+    <dgm:scene3d>
+      <a:camera prst="orthographicFront"/>
+      <a:lightRig rig="threePt" dir="t"/>
+    </dgm:scene3d>
+    <dgm:sp3d/>
+    <dgm:txPr/>
+    <dgm:style>
+      <a:lnRef idx="2">
+        <a:scrgbClr r="0" g="0" b="0"/>
+      </a:lnRef>
+      <a:fillRef idx="1">
+        <a:scrgbClr r="0" g="0" b="0"/>
+      </a:fillRef>
+      <a:effectRef idx="0">
+        <a:scrgbClr r="0" g="0" b="0"/>
+      </a:effectRef>
+      <a:fontRef idx="minor"/>
+    </dgm:style>
+  </dgm:styleLbl>
+  <dgm:styleLbl name="solidAlignAcc1">
+    <dgm:scene3d>
+      <a:camera prst="orthographicFront"/>
+      <a:lightRig rig="threePt" dir="t"/>
+    </dgm:scene3d>
+    <dgm:sp3d/>
+    <dgm:txPr/>
+    <dgm:style>
+      <a:lnRef idx="2">
+        <a:scrgbClr r="0" g="0" b="0"/>
+      </a:lnRef>
+      <a:fillRef idx="1">
+        <a:scrgbClr r="0" g="0" b="0"/>
+      </a:fillRef>
+      <a:effectRef idx="0">
+        <a:scrgbClr r="0" g="0" b="0"/>
+      </a:effectRef>
+      <a:fontRef idx="minor"/>
+    </dgm:style>
+  </dgm:styleLbl>
+  <dgm:styleLbl name="solidBgAcc1">
+    <dgm:scene3d>
+      <a:camera prst="orthographicFront"/>
+      <a:lightRig rig="threePt" dir="t"/>
+    </dgm:scene3d>
+    <dgm:sp3d/>
+    <dgm:txPr/>
+    <dgm:style>
+      <a:lnRef idx="2">
+        <a:scrgbClr r="0" g="0" b="0"/>
+      </a:lnRef>
+      <a:fillRef idx="1">
+        <a:scrgbClr r="0" g="0" b="0"/>
+      </a:fillRef>
+      <a:effectRef idx="0">
+        <a:scrgbClr r="0" g="0" b="0"/>
+      </a:effectRef>
+      <a:fontRef idx="minor"/>
+    </dgm:style>
+  </dgm:styleLbl>
+  <dgm:styleLbl name="fgAccFollowNode1">
+    <dgm:scene3d>
+      <a:camera prst="orthographicFront"/>
+      <a:lightRig rig="threePt" dir="t"/>
+    </dgm:scene3d>
+    <dgm:sp3d/>
+    <dgm:txPr/>
+    <dgm:style>
+      <a:lnRef idx="2">
+        <a:scrgbClr r="0" g="0" b="0"/>
+      </a:lnRef>
+      <a:fillRef idx="1">
+        <a:scrgbClr r="0" g="0" b="0"/>
+      </a:fillRef>
+      <a:effectRef idx="0">
+        <a:scrgbClr r="0" g="0" b="0"/>
+      </a:effectRef>
+      <a:fontRef idx="minor"/>
+    </dgm:style>
+  </dgm:styleLbl>
+  <dgm:styleLbl name="alignAccFollowNode1">
+    <dgm:scene3d>
+      <a:camera prst="orthographicFront"/>
+      <a:lightRig rig="threePt" dir="t"/>
+    </dgm:scene3d>
+    <dgm:sp3d/>
+    <dgm:txPr/>
+    <dgm:style>
+      <a:lnRef idx="2">
+        <a:scrgbClr r="0" g="0" b="0"/>
+      </a:lnRef>
+      <a:fillRef idx="1">
+        <a:scrgbClr r="0" g="0" b="0"/>
+      </a:fillRef>
+      <a:effectRef idx="0">
+        <a:scrgbClr r="0" g="0" b="0"/>
+      </a:effectRef>
+      <a:fontRef idx="minor"/>
+    </dgm:style>
+  </dgm:styleLbl>
+  <dgm:styleLbl name="bgAccFollowNode1">
+    <dgm:scene3d>
+      <a:camera prst="orthographicFront"/>
+      <a:lightRig rig="threePt" dir="t"/>
+    </dgm:scene3d>
+    <dgm:sp3d/>
+    <dgm:txPr/>
+    <dgm:style>
+      <a:lnRef idx="2">
+        <a:scrgbClr r="0" g="0" b="0"/>
+      </a:lnRef>
+      <a:fillRef idx="1">
+        <a:scrgbClr r="0" g="0" b="0"/>
+      </a:fillRef>
+      <a:effectRef idx="0">
+        <a:scrgbClr r="0" g="0" b="0"/>
+      </a:effectRef>
+      <a:fontRef idx="minor"/>
+    </dgm:style>
+  </dgm:styleLbl>
+  <dgm:styleLbl name="fgAcc0">
+    <dgm:scene3d>
+      <a:camera prst="orthographicFront"/>
+      <a:lightRig rig="threePt" dir="t"/>
+    </dgm:scene3d>
+    <dgm:sp3d/>
+    <dgm:txPr/>
+    <dgm:style>
+      <a:lnRef idx="2">
+        <a:scrgbClr r="0" g="0" b="0"/>
+      </a:lnRef>
+      <a:fillRef idx="1">
+        <a:scrgbClr r="0" g="0" b="0"/>
+      </a:fillRef>
+      <a:effectRef idx="0">
+        <a:scrgbClr r="0" g="0" b="0"/>
+      </a:effectRef>
+      <a:fontRef idx="minor"/>
+    </dgm:style>
+  </dgm:styleLbl>
+  <dgm:styleLbl name="fgAcc2">
+    <dgm:scene3d>
+      <a:camera prst="orthographicFront"/>
+      <a:lightRig rig="threePt" dir="t"/>
+    </dgm:scene3d>
+    <dgm:sp3d/>
+    <dgm:txPr/>
+    <dgm:style>
+      <a:lnRef idx="2">
+        <a:scrgbClr r="0" g="0" b="0"/>
+      </a:lnRef>
+      <a:fillRef idx="1">
+        <a:scrgbClr r="0" g="0" b="0"/>
+      </a:fillRef>
+      <a:effectRef idx="0">
+        <a:scrgbClr r="0" g="0" b="0"/>
+      </a:effectRef>
+      <a:fontRef idx="minor"/>
+    </dgm:style>
+  </dgm:styleLbl>
+  <dgm:styleLbl name="fgAcc3">
+    <dgm:scene3d>
+      <a:camera prst="orthographicFront"/>
+      <a:lightRig rig="threePt" dir="t"/>
+    </dgm:scene3d>
+    <dgm:sp3d/>
+    <dgm:txPr/>
+    <dgm:style>
+      <a:lnRef idx="2">
+        <a:scrgbClr r="0" g="0" b="0"/>
+      </a:lnRef>
+      <a:fillRef idx="1">
+        <a:scrgbClr r="0" g="0" b="0"/>
+      </a:fillRef>
+      <a:effectRef idx="0">
+        <a:scrgbClr r="0" g="0" b="0"/>
+      </a:effectRef>
+      <a:fontRef idx="minor"/>
+    </dgm:style>
+  </dgm:styleLbl>
+  <dgm:styleLbl name="fgAcc4">
+    <dgm:scene3d>
+      <a:camera prst="orthographicFront"/>
+      <a:lightRig rig="threePt" dir="t"/>
+    </dgm:scene3d>
+    <dgm:sp3d/>
+    <dgm:txPr/>
+    <dgm:style>
+      <a:lnRef idx="2">
+        <a:scrgbClr r="0" g="0" b="0"/>
+      </a:lnRef>
+      <a:fillRef idx="1">
+        <a:scrgbClr r="0" g="0" b="0"/>
+      </a:fillRef>
+      <a:effectRef idx="0">
+        <a:scrgbClr r="0" g="0" b="0"/>
+      </a:effectRef>
+      <a:fontRef idx="minor"/>
+    </dgm:style>
+  </dgm:styleLbl>
+  <dgm:styleLbl name="bgShp">
+    <dgm:scene3d>
+      <a:camera prst="orthographicFront"/>
+      <a:lightRig rig="threePt" dir="t"/>
+    </dgm:scene3d>
+    <dgm:sp3d/>
+    <dgm:txPr/>
+    <dgm:style>
+      <a:lnRef idx="0">
+        <a:scrgbClr r="0" g="0" b="0"/>
+      </a:lnRef>
+      <a:fillRef idx="1">
+        <a:scrgbClr r="0" g="0" b="0"/>
+      </a:fillRef>
+      <a:effectRef idx="0">
+        <a:scrgbClr r="0" g="0" b="0"/>
+      </a:effectRef>
+      <a:fontRef idx="minor"/>
+    </dgm:style>
+  </dgm:styleLbl>
+  <dgm:styleLbl name="dkBgShp">
+    <dgm:scene3d>
+      <a:camera prst="orthographicFront"/>
+      <a:lightRig rig="threePt" dir="t"/>
+    </dgm:scene3d>
+    <dgm:sp3d/>
+    <dgm:txPr/>
+    <dgm:style>
+      <a:lnRef idx="0">
+        <a:scrgbClr r="0" g="0" b="0"/>
+      </a:lnRef>
+      <a:fillRef idx="1">
+        <a:scrgbClr r="0" g="0" b="0"/>
+      </a:fillRef>
+      <a:effectRef idx="0">
+        <a:scrgbClr r="0" g="0" b="0"/>
+      </a:effectRef>
+      <a:fontRef idx="minor"/>
+    </dgm:style>
+  </dgm:styleLbl>
+  <dgm:styleLbl name="trBgShp">
+    <dgm:scene3d>
+      <a:camera prst="orthographicFront"/>
+      <a:lightRig rig="threePt" dir="t"/>
+    </dgm:scene3d>
+    <dgm:sp3d/>
+    <dgm:txPr/>
+    <dgm:style>
+      <a:lnRef idx="0">
+        <a:scrgbClr r="0" g="0" b="0"/>
+      </a:lnRef>
+      <a:fillRef idx="1">
+        <a:scrgbClr r="0" g="0" b="0"/>
+      </a:fillRef>
+      <a:effectRef idx="0">
+        <a:scrgbClr r="0" g="0" b="0"/>
+      </a:effectRef>
+      <a:fontRef idx="minor"/>
+    </dgm:style>
+  </dgm:styleLbl>
+  <dgm:styleLbl name="fgShp">
+    <dgm:scene3d>
+      <a:camera prst="orthographicFront"/>
+      <a:lightRig rig="threePt" dir="t"/>
+    </dgm:scene3d>
+    <dgm:sp3d/>
+    <dgm:txPr/>
+    <dgm:style>
+      <a:lnRef idx="2">
+        <a:scrgbClr r="0" g="0" b="0"/>
+      </a:lnRef>
+      <a:fillRef idx="1">
+        <a:scrgbClr r="0" g="0" b="0"/>
+      </a:fillRef>
+      <a:effectRef idx="0">
+        <a:scrgbClr r="0" g="0" b="0"/>
+      </a:effectRef>
+      <a:fontRef idx="minor"/>
+    </dgm:style>
+  </dgm:styleLbl>
+  <dgm:styleLbl name="revTx">
+    <dgm:scene3d>
+      <a:camera prst="orthographicFront"/>
+      <a:lightRig rig="threePt" dir="t"/>
+    </dgm:scene3d>
+    <dgm:sp3d/>
+    <dgm:txPr/>
+    <dgm:style>
+      <a:lnRef idx="0">
+        <a:scrgbClr r="0" g="0" b="0"/>
+      </a:lnRef>
+      <a:fillRef idx="0">
+        <a:scrgbClr r="0" g="0" b="0"/>
+      </a:fillRef>
+      <a:effectRef idx="0">
+        <a:scrgbClr r="0" g="0" b="0"/>
+      </a:effectRef>
+      <a:fontRef idx="minor"/>
+    </dgm:style>
+  </dgm:styleLbl>
+</dgm:styleDef>
+</file>
+
 <file path=ppt/slideLayouts/slideLayout1.xml><?xml version="1.0" encoding="utf-8"?>
 <p:sldLayout xmlns:a="http://schemas.openxmlformats.org/drawingml/2006/main" xmlns:r="http://schemas.openxmlformats.org/officeDocument/2006/relationships" xmlns:p="http://schemas.openxmlformats.org/presentationml/2006/main" type="title" preserve="1">
   <p:cSld name="标题幻灯片">
@@ -1754,7 +4791,7 @@
             <a:fld id="{B61BEF0D-F0BB-DE4B-95CE-6DB70DBA9567}" type="datetimeFigureOut">
               <a:rPr lang="en-US" dirty="0"/>
               <a:pPr/>
-              <a:t>8/12/2021</a:t>
+              <a:t>9/21/2021</a:t>
             </a:fld>
             <a:endParaRPr lang="en-US" dirty="0"/>
           </a:p>
@@ -2085,7 +5122,7 @@
             <a:fld id="{B61BEF0D-F0BB-DE4B-95CE-6DB70DBA9567}" type="datetimeFigureOut">
               <a:rPr lang="en-US" dirty="0"/>
               <a:pPr/>
-              <a:t>8/12/2021</a:t>
+              <a:t>9/21/2021</a:t>
             </a:fld>
             <a:endParaRPr lang="en-US" dirty="0"/>
           </a:p>
@@ -2360,7 +5397,7 @@
             <a:fld id="{B61BEF0D-F0BB-DE4B-95CE-6DB70DBA9567}" type="datetimeFigureOut">
               <a:rPr lang="en-US" dirty="0"/>
               <a:pPr/>
-              <a:t>8/12/2021</a:t>
+              <a:t>9/21/2021</a:t>
             </a:fld>
             <a:endParaRPr lang="en-US" dirty="0"/>
           </a:p>
@@ -2925,7 +5962,7 @@
             <a:fld id="{B61BEF0D-F0BB-DE4B-95CE-6DB70DBA9567}" type="datetimeFigureOut">
               <a:rPr lang="en-US" dirty="0"/>
               <a:pPr/>
-              <a:t>8/12/2021</a:t>
+              <a:t>9/21/2021</a:t>
             </a:fld>
             <a:endParaRPr lang="en-US" dirty="0"/>
           </a:p>
@@ -3200,7 +6237,7 @@
             <a:fld id="{B61BEF0D-F0BB-DE4B-95CE-6DB70DBA9567}" type="datetimeFigureOut">
               <a:rPr lang="en-US" dirty="0"/>
               <a:pPr/>
-              <a:t>8/12/2021</a:t>
+              <a:t>9/21/2021</a:t>
             </a:fld>
             <a:endParaRPr lang="en-US" dirty="0"/>
           </a:p>
@@ -3759,7 +6796,7 @@
             <a:fld id="{B61BEF0D-F0BB-DE4B-95CE-6DB70DBA9567}" type="datetimeFigureOut">
               <a:rPr lang="en-US" dirty="0"/>
               <a:pPr/>
-              <a:t>8/12/2021</a:t>
+              <a:t>9/21/2021</a:t>
             </a:fld>
             <a:endParaRPr lang="en-US" dirty="0"/>
           </a:p>
@@ -4083,7 +7120,7 @@
             <a:fld id="{B61BEF0D-F0BB-DE4B-95CE-6DB70DBA9567}" type="datetimeFigureOut">
               <a:rPr lang="en-US" dirty="0"/>
               <a:pPr/>
-              <a:t>8/12/2021</a:t>
+              <a:t>9/21/2021</a:t>
             </a:fld>
             <a:endParaRPr lang="en-US" dirty="0"/>
           </a:p>
@@ -4257,7 +7294,7 @@
             <a:fld id="{B61BEF0D-F0BB-DE4B-95CE-6DB70DBA9567}" type="datetimeFigureOut">
               <a:rPr lang="en-US" dirty="0"/>
               <a:pPr/>
-              <a:t>8/12/2021</a:t>
+              <a:t>9/21/2021</a:t>
             </a:fld>
             <a:endParaRPr lang="en-US" dirty="0"/>
           </a:p>
@@ -4492,7 +7529,7 @@
             <a:fld id="{B61BEF0D-F0BB-DE4B-95CE-6DB70DBA9567}" type="datetimeFigureOut">
               <a:rPr lang="en-US" dirty="0"/>
               <a:pPr/>
-              <a:t>8/12/2021</a:t>
+              <a:t>9/21/2021</a:t>
             </a:fld>
             <a:endParaRPr lang="en-US" dirty="0"/>
           </a:p>
@@ -4689,7 +7726,7 @@
             <a:fld id="{B61BEF0D-F0BB-DE4B-95CE-6DB70DBA9567}" type="datetimeFigureOut">
               <a:rPr lang="en-US" dirty="0"/>
               <a:pPr/>
-              <a:t>8/12/2021</a:t>
+              <a:t>9/21/2021</a:t>
             </a:fld>
             <a:endParaRPr lang="en-US" dirty="0"/>
           </a:p>
@@ -4962,7 +7999,7 @@
             <a:fld id="{B61BEF0D-F0BB-DE4B-95CE-6DB70DBA9567}" type="datetimeFigureOut">
               <a:rPr lang="en-US" dirty="0"/>
               <a:pPr/>
-              <a:t>8/12/2021</a:t>
+              <a:t>9/21/2021</a:t>
             </a:fld>
             <a:endParaRPr lang="en-US" dirty="0"/>
           </a:p>
@@ -5225,7 +8262,7 @@
             <a:fld id="{B61BEF0D-F0BB-DE4B-95CE-6DB70DBA9567}" type="datetimeFigureOut">
               <a:rPr lang="en-US" dirty="0"/>
               <a:pPr/>
-              <a:t>8/12/2021</a:t>
+              <a:t>9/21/2021</a:t>
             </a:fld>
             <a:endParaRPr lang="en-US" dirty="0"/>
           </a:p>
@@ -5596,7 +8633,7 @@
             <a:fld id="{B61BEF0D-F0BB-DE4B-95CE-6DB70DBA9567}" type="datetimeFigureOut">
               <a:rPr lang="en-US" dirty="0"/>
               <a:pPr/>
-              <a:t>8/12/2021</a:t>
+              <a:t>9/21/2021</a:t>
             </a:fld>
             <a:endParaRPr lang="en-US" dirty="0"/>
           </a:p>
@@ -5741,7 +8778,7 @@
             <a:fld id="{B61BEF0D-F0BB-DE4B-95CE-6DB70DBA9567}" type="datetimeFigureOut">
               <a:rPr lang="en-US" dirty="0"/>
               <a:pPr/>
-              <a:t>8/12/2021</a:t>
+              <a:t>9/21/2021</a:t>
             </a:fld>
             <a:endParaRPr lang="en-US" dirty="0"/>
           </a:p>
@@ -5863,7 +8900,7 @@
             <a:fld id="{B61BEF0D-F0BB-DE4B-95CE-6DB70DBA9567}" type="datetimeFigureOut">
               <a:rPr lang="en-US" dirty="0"/>
               <a:pPr/>
-              <a:t>8/12/2021</a:t>
+              <a:t>9/21/2021</a:t>
             </a:fld>
             <a:endParaRPr lang="en-US" dirty="0"/>
           </a:p>
@@ -6145,7 +9182,7 @@
             <a:fld id="{B61BEF0D-F0BB-DE4B-95CE-6DB70DBA9567}" type="datetimeFigureOut">
               <a:rPr lang="en-US" dirty="0"/>
               <a:pPr/>
-              <a:t>8/12/2021</a:t>
+              <a:t>9/21/2021</a:t>
             </a:fld>
             <a:endParaRPr lang="en-US" dirty="0"/>
           </a:p>
@@ -6466,7 +9503,7 @@
             <a:fld id="{B61BEF0D-F0BB-DE4B-95CE-6DB70DBA9567}" type="datetimeFigureOut">
               <a:rPr lang="en-US" dirty="0"/>
               <a:pPr/>
-              <a:t>8/12/2021</a:t>
+              <a:t>9/21/2021</a:t>
             </a:fld>
             <a:endParaRPr lang="en-US" dirty="0"/>
           </a:p>
@@ -6677,7 +9714,7 @@
             <a:fld id="{B61BEF0D-F0BB-DE4B-95CE-6DB70DBA9567}" type="datetimeFigureOut">
               <a:rPr lang="en-US" dirty="0"/>
               <a:pPr/>
-              <a:t>8/12/2021</a:t>
+              <a:t>9/21/2021</a:t>
             </a:fld>
             <a:endParaRPr lang="en-US" dirty="0"/>
           </a:p>
@@ -7262,2707 +10299,6 @@
 </file>
 
 <file path=ppt/slides/slide10.xml><?xml version="1.0" encoding="utf-8"?>
-<p:sld xmlns:a="http://schemas.openxmlformats.org/drawingml/2006/main" xmlns:r="http://schemas.openxmlformats.org/officeDocument/2006/relationships" xmlns:p="http://schemas.openxmlformats.org/presentationml/2006/main">
-  <p:cSld>
-    <p:spTree>
-      <p:nvGrpSpPr>
-        <p:cNvPr id="1" name=""/>
-        <p:cNvGrpSpPr/>
-        <p:nvPr/>
-      </p:nvGrpSpPr>
-      <p:grpSpPr>
-        <a:xfrm>
-          <a:off x="0" y="0"/>
-          <a:ext cx="0" cy="0"/>
-          <a:chOff x="0" y="0"/>
-          <a:chExt cx="0" cy="0"/>
-        </a:xfrm>
-      </p:grpSpPr>
-      <p:sp>
-        <p:nvSpPr>
-          <p:cNvPr id="2" name="标题 1">
-            <a:extLst>
-              <a:ext uri="{FF2B5EF4-FFF2-40B4-BE49-F238E27FC236}">
-                <a16:creationId xmlns:a16="http://schemas.microsoft.com/office/drawing/2014/main" id="{5EC01E2D-9CFE-4D5D-8863-3BA90731F07B}"/>
-              </a:ext>
-            </a:extLst>
-          </p:cNvPr>
-          <p:cNvSpPr>
-            <a:spLocks noGrp="1"/>
-          </p:cNvSpPr>
-          <p:nvPr>
-            <p:ph type="title"/>
-          </p:nvPr>
-        </p:nvSpPr>
-        <p:spPr/>
-        <p:txBody>
-          <a:bodyPr/>
-          <a:lstStyle/>
-          <a:p>
-            <a:r>
-              <a:rPr lang="en-US" altLang="zh-CN" dirty="0"/>
-              <a:t>collision: how to interact</a:t>
-            </a:r>
-            <a:endParaRPr lang="en-MY" dirty="0"/>
-          </a:p>
-        </p:txBody>
-      </p:sp>
-      <p:sp>
-        <p:nvSpPr>
-          <p:cNvPr id="9" name="内容占位符 8">
-            <a:extLst>
-              <a:ext uri="{FF2B5EF4-FFF2-40B4-BE49-F238E27FC236}">
-                <a16:creationId xmlns:a16="http://schemas.microsoft.com/office/drawing/2014/main" id="{B3A91969-9FC0-40D6-97FB-CB169B0FD70D}"/>
-              </a:ext>
-            </a:extLst>
-          </p:cNvPr>
-          <p:cNvSpPr>
-            <a:spLocks noGrp="1"/>
-          </p:cNvSpPr>
-          <p:nvPr>
-            <p:ph idx="1"/>
-          </p:nvPr>
-        </p:nvSpPr>
-        <p:spPr>
-          <a:xfrm>
-            <a:off x="685801" y="2142067"/>
-            <a:ext cx="6730999" cy="3425613"/>
-          </a:xfrm>
-        </p:spPr>
-        <p:txBody>
-          <a:bodyPr>
-            <a:normAutofit/>
-          </a:bodyPr>
-          <a:lstStyle/>
-          <a:p>
-            <a:r>
-              <a:rPr lang="en-US" dirty="0"/>
-              <a:t>Interaction of different objects in a game, will need to decide if they touch each other or not. This is achieved in </a:t>
-            </a:r>
-            <a:r>
-              <a:rPr lang="en-US" dirty="0" err="1"/>
-              <a:t>pygame</a:t>
-            </a:r>
-            <a:r>
-              <a:rPr lang="en-US" dirty="0"/>
-              <a:t> using </a:t>
-            </a:r>
-            <a:r>
-              <a:rPr lang="en-US" dirty="0">
-                <a:solidFill>
-                  <a:srgbClr val="FFC000"/>
-                </a:solidFill>
-              </a:rPr>
-              <a:t>collision detection</a:t>
-            </a:r>
-            <a:r>
-              <a:rPr lang="en-US" dirty="0"/>
-              <a:t>. </a:t>
-            </a:r>
-          </a:p>
-          <a:p>
-            <a:r>
-              <a:rPr lang="en-US" dirty="0"/>
-              <a:t>A moving rectangle program eat small rectangle:</a:t>
-            </a:r>
-          </a:p>
-          <a:p>
-            <a:pPr lvl="1"/>
-            <a:r>
-              <a:rPr lang="en-US" dirty="0"/>
-              <a:t>There are many small rectangles</a:t>
-            </a:r>
-          </a:p>
-          <a:p>
-            <a:pPr lvl="1"/>
-            <a:r>
-              <a:rPr lang="en-US" dirty="0"/>
-              <a:t>One big rectangle is moving ( use the animation technique learned last class).</a:t>
-            </a:r>
-          </a:p>
-          <a:p>
-            <a:pPr lvl="1"/>
-            <a:r>
-              <a:rPr lang="en-US" dirty="0"/>
-              <a:t>When the big rectangle collide with small one, small one was eaten and disappear.</a:t>
-            </a:r>
-          </a:p>
-        </p:txBody>
-      </p:sp>
-      <p:pic>
-        <p:nvPicPr>
-          <p:cNvPr id="4" name="Picture 3">
-            <a:extLst>
-              <a:ext uri="{FF2B5EF4-FFF2-40B4-BE49-F238E27FC236}">
-                <a16:creationId xmlns:a16="http://schemas.microsoft.com/office/drawing/2014/main" id="{E2C7871E-837A-4D6C-AD58-F98BF2C7E7D2}"/>
-              </a:ext>
-            </a:extLst>
-          </p:cNvPr>
-          <p:cNvPicPr>
-            <a:picLocks noChangeAspect="1"/>
-          </p:cNvPicPr>
-          <p:nvPr/>
-        </p:nvPicPr>
-        <p:blipFill>
-          <a:blip r:embed="rId2"/>
-          <a:stretch>
-            <a:fillRect/>
-          </a:stretch>
-        </p:blipFill>
-        <p:spPr>
-          <a:xfrm>
-            <a:off x="8057984" y="1970861"/>
-            <a:ext cx="3817951" cy="4115157"/>
-          </a:xfrm>
-          <a:prstGeom prst="rect">
-            <a:avLst/>
-          </a:prstGeom>
-        </p:spPr>
-      </p:pic>
-    </p:spTree>
-    <p:extLst>
-      <p:ext uri="{BB962C8B-B14F-4D97-AF65-F5344CB8AC3E}">
-        <p14:creationId xmlns:p14="http://schemas.microsoft.com/office/powerpoint/2010/main" val="1995928750"/>
-      </p:ext>
-    </p:extLst>
-  </p:cSld>
-  <p:clrMapOvr>
-    <a:masterClrMapping/>
-  </p:clrMapOvr>
-</p:sld>
-</file>
-
-<file path=ppt/slides/slide11.xml><?xml version="1.0" encoding="utf-8"?>
-<p:sld xmlns:a="http://schemas.openxmlformats.org/drawingml/2006/main" xmlns:r="http://schemas.openxmlformats.org/officeDocument/2006/relationships" xmlns:p="http://schemas.openxmlformats.org/presentationml/2006/main">
-  <p:cSld>
-    <p:spTree>
-      <p:nvGrpSpPr>
-        <p:cNvPr id="1" name=""/>
-        <p:cNvGrpSpPr/>
-        <p:nvPr/>
-      </p:nvGrpSpPr>
-      <p:grpSpPr>
-        <a:xfrm>
-          <a:off x="0" y="0"/>
-          <a:ext cx="0" cy="0"/>
-          <a:chOff x="0" y="0"/>
-          <a:chExt cx="0" cy="0"/>
-        </a:xfrm>
-      </p:grpSpPr>
-      <p:sp>
-        <p:nvSpPr>
-          <p:cNvPr id="2" name="标题 1">
-            <a:extLst>
-              <a:ext uri="{FF2B5EF4-FFF2-40B4-BE49-F238E27FC236}">
-                <a16:creationId xmlns:a16="http://schemas.microsoft.com/office/drawing/2014/main" id="{5EC01E2D-9CFE-4D5D-8863-3BA90731F07B}"/>
-              </a:ext>
-            </a:extLst>
-          </p:cNvPr>
-          <p:cNvSpPr>
-            <a:spLocks noGrp="1"/>
-          </p:cNvSpPr>
-          <p:nvPr>
-            <p:ph type="title"/>
-          </p:nvPr>
-        </p:nvSpPr>
-        <p:spPr/>
-        <p:txBody>
-          <a:bodyPr/>
-          <a:lstStyle/>
-          <a:p>
-            <a:r>
-              <a:rPr lang="en-US" altLang="zh-CN" dirty="0"/>
-              <a:t>collision: how to interact</a:t>
-            </a:r>
-            <a:endParaRPr lang="en-MY" dirty="0"/>
-          </a:p>
-        </p:txBody>
-      </p:sp>
-      <p:sp>
-        <p:nvSpPr>
-          <p:cNvPr id="9" name="内容占位符 8">
-            <a:extLst>
-              <a:ext uri="{FF2B5EF4-FFF2-40B4-BE49-F238E27FC236}">
-                <a16:creationId xmlns:a16="http://schemas.microsoft.com/office/drawing/2014/main" id="{B3A91969-9FC0-40D6-97FB-CB169B0FD70D}"/>
-              </a:ext>
-            </a:extLst>
-          </p:cNvPr>
-          <p:cNvSpPr>
-            <a:spLocks noGrp="1"/>
-          </p:cNvSpPr>
-          <p:nvPr>
-            <p:ph idx="1"/>
-          </p:nvPr>
-        </p:nvSpPr>
-        <p:spPr>
-          <a:xfrm>
-            <a:off x="685801" y="2142067"/>
-            <a:ext cx="6730999" cy="3425613"/>
-          </a:xfrm>
-        </p:spPr>
-        <p:txBody>
-          <a:bodyPr>
-            <a:normAutofit/>
-          </a:bodyPr>
-          <a:lstStyle/>
-          <a:p>
-            <a:r>
-              <a:rPr lang="en-US" dirty="0"/>
-              <a:t>2 rectangle bounce each other:</a:t>
-            </a:r>
-          </a:p>
-          <a:p>
-            <a:pPr lvl="1"/>
-            <a:r>
-              <a:rPr lang="en-US" dirty="0"/>
-              <a:t>Detect the collision. Decide which side collide.</a:t>
-            </a:r>
-          </a:p>
-          <a:p>
-            <a:pPr lvl="1"/>
-            <a:r>
-              <a:rPr lang="en-US" dirty="0"/>
-              <a:t>Bounce each other back.</a:t>
-            </a:r>
-          </a:p>
-        </p:txBody>
-      </p:sp>
-      <p:pic>
-        <p:nvPicPr>
-          <p:cNvPr id="5" name="Picture 4">
-            <a:extLst>
-              <a:ext uri="{FF2B5EF4-FFF2-40B4-BE49-F238E27FC236}">
-                <a16:creationId xmlns:a16="http://schemas.microsoft.com/office/drawing/2014/main" id="{D260A8CF-7A26-4EFD-A93F-7A9855439FC0}"/>
-              </a:ext>
-            </a:extLst>
-          </p:cNvPr>
-          <p:cNvPicPr>
-            <a:picLocks noChangeAspect="1"/>
-          </p:cNvPicPr>
-          <p:nvPr/>
-        </p:nvPicPr>
-        <p:blipFill>
-          <a:blip r:embed="rId2"/>
-          <a:stretch>
-            <a:fillRect/>
-          </a:stretch>
-        </p:blipFill>
-        <p:spPr>
-          <a:xfrm>
-            <a:off x="7050243" y="1924987"/>
-            <a:ext cx="3829584" cy="4115374"/>
-          </a:xfrm>
-          <a:prstGeom prst="rect">
-            <a:avLst/>
-          </a:prstGeom>
-        </p:spPr>
-      </p:pic>
-    </p:spTree>
-    <p:extLst>
-      <p:ext uri="{BB962C8B-B14F-4D97-AF65-F5344CB8AC3E}">
-        <p14:creationId xmlns:p14="http://schemas.microsoft.com/office/powerpoint/2010/main" val="2124301355"/>
-      </p:ext>
-    </p:extLst>
-  </p:cSld>
-  <p:clrMapOvr>
-    <a:masterClrMapping/>
-  </p:clrMapOvr>
-</p:sld>
-</file>
-
-<file path=ppt/slides/slide12.xml><?xml version="1.0" encoding="utf-8"?>
-<p:sld xmlns:a="http://schemas.openxmlformats.org/drawingml/2006/main" xmlns:r="http://schemas.openxmlformats.org/officeDocument/2006/relationships" xmlns:p="http://schemas.openxmlformats.org/presentationml/2006/main">
-  <p:cSld>
-    <p:spTree>
-      <p:nvGrpSpPr>
-        <p:cNvPr id="1" name=""/>
-        <p:cNvGrpSpPr/>
-        <p:nvPr/>
-      </p:nvGrpSpPr>
-      <p:grpSpPr>
-        <a:xfrm>
-          <a:off x="0" y="0"/>
-          <a:ext cx="0" cy="0"/>
-          <a:chOff x="0" y="0"/>
-          <a:chExt cx="0" cy="0"/>
-        </a:xfrm>
-      </p:grpSpPr>
-      <p:sp>
-        <p:nvSpPr>
-          <p:cNvPr id="2" name="标题 1">
-            <a:extLst>
-              <a:ext uri="{FF2B5EF4-FFF2-40B4-BE49-F238E27FC236}">
-                <a16:creationId xmlns:a16="http://schemas.microsoft.com/office/drawing/2014/main" id="{5EC01E2D-9CFE-4D5D-8863-3BA90731F07B}"/>
-              </a:ext>
-            </a:extLst>
-          </p:cNvPr>
-          <p:cNvSpPr>
-            <a:spLocks noGrp="1"/>
-          </p:cNvSpPr>
-          <p:nvPr>
-            <p:ph type="title"/>
-          </p:nvPr>
-        </p:nvSpPr>
-        <p:spPr/>
-        <p:txBody>
-          <a:bodyPr/>
-          <a:lstStyle/>
-          <a:p>
-            <a:r>
-              <a:rPr lang="en-US" altLang="zh-CN" dirty="0"/>
-              <a:t>event: how to allow player control</a:t>
-            </a:r>
-            <a:endParaRPr lang="en-MY" dirty="0"/>
-          </a:p>
-        </p:txBody>
-      </p:sp>
-      <p:sp>
-        <p:nvSpPr>
-          <p:cNvPr id="9" name="内容占位符 8">
-            <a:extLst>
-              <a:ext uri="{FF2B5EF4-FFF2-40B4-BE49-F238E27FC236}">
-                <a16:creationId xmlns:a16="http://schemas.microsoft.com/office/drawing/2014/main" id="{B3A91969-9FC0-40D6-97FB-CB169B0FD70D}"/>
-              </a:ext>
-            </a:extLst>
-          </p:cNvPr>
-          <p:cNvSpPr>
-            <a:spLocks noGrp="1"/>
-          </p:cNvSpPr>
-          <p:nvPr>
-            <p:ph idx="1"/>
-          </p:nvPr>
-        </p:nvSpPr>
-        <p:spPr>
-          <a:xfrm>
-            <a:off x="685801" y="2142067"/>
-            <a:ext cx="6522867" cy="3715808"/>
-          </a:xfrm>
-        </p:spPr>
-        <p:txBody>
-          <a:bodyPr>
-            <a:normAutofit/>
-          </a:bodyPr>
-          <a:lstStyle/>
-          <a:p>
-            <a:r>
-              <a:rPr lang="en-US" dirty="0" err="1"/>
-              <a:t>Pygame</a:t>
-            </a:r>
-            <a:r>
-              <a:rPr lang="en-US" dirty="0"/>
-              <a:t> support player using many device to control the game sprite to move and perform certain action. The normal device we use when playing on computer is keyboard and mouse.</a:t>
-            </a:r>
-          </a:p>
-          <a:p>
-            <a:r>
-              <a:rPr lang="en-US" dirty="0"/>
-              <a:t>The event that related to keyboard and mouse are: key pressed down, key released, mouse button pressed, mouse button released, mouse movement.</a:t>
-            </a:r>
-          </a:p>
-          <a:p>
-            <a:r>
-              <a:rPr lang="en-US" dirty="0"/>
-              <a:t>Change the moving rectangle program:</a:t>
-            </a:r>
-          </a:p>
-          <a:p>
-            <a:pPr lvl="1"/>
-            <a:r>
-              <a:rPr lang="en-US" dirty="0"/>
-              <a:t>Allow player use keyboard to control the movement of the big rectangle.</a:t>
-            </a:r>
-          </a:p>
-          <a:p>
-            <a:pPr lvl="1"/>
-            <a:r>
-              <a:rPr lang="en-US" dirty="0"/>
-              <a:t>Mouse click will create some secret rectangles and it can also be eaten.</a:t>
-            </a:r>
-          </a:p>
-        </p:txBody>
-      </p:sp>
-      <p:pic>
-        <p:nvPicPr>
-          <p:cNvPr id="5" name="Picture 4">
-            <a:extLst>
-              <a:ext uri="{FF2B5EF4-FFF2-40B4-BE49-F238E27FC236}">
-                <a16:creationId xmlns:a16="http://schemas.microsoft.com/office/drawing/2014/main" id="{7465D260-B276-4480-8061-8A3FE419810E}"/>
-              </a:ext>
-            </a:extLst>
-          </p:cNvPr>
-          <p:cNvPicPr>
-            <a:picLocks noChangeAspect="1"/>
-          </p:cNvPicPr>
-          <p:nvPr/>
-        </p:nvPicPr>
-        <p:blipFill>
-          <a:blip r:embed="rId2"/>
-          <a:stretch>
-            <a:fillRect/>
-          </a:stretch>
-        </p:blipFill>
-        <p:spPr>
-          <a:xfrm>
-            <a:off x="7539640" y="2065867"/>
-            <a:ext cx="3817951" cy="4115157"/>
-          </a:xfrm>
-          <a:prstGeom prst="rect">
-            <a:avLst/>
-          </a:prstGeom>
-        </p:spPr>
-      </p:pic>
-    </p:spTree>
-    <p:extLst>
-      <p:ext uri="{BB962C8B-B14F-4D97-AF65-F5344CB8AC3E}">
-        <p14:creationId xmlns:p14="http://schemas.microsoft.com/office/powerpoint/2010/main" val="2170111060"/>
-      </p:ext>
-    </p:extLst>
-  </p:cSld>
-  <p:clrMapOvr>
-    <a:masterClrMapping/>
-  </p:clrMapOvr>
-</p:sld>
-</file>
-
-<file path=ppt/slides/slide13.xml><?xml version="1.0" encoding="utf-8"?>
-<p:sld xmlns:a="http://schemas.openxmlformats.org/drawingml/2006/main" xmlns:r="http://schemas.openxmlformats.org/officeDocument/2006/relationships" xmlns:p="http://schemas.openxmlformats.org/presentationml/2006/main">
-  <p:cSld>
-    <p:spTree>
-      <p:nvGrpSpPr>
-        <p:cNvPr id="1" name=""/>
-        <p:cNvGrpSpPr/>
-        <p:nvPr/>
-      </p:nvGrpSpPr>
-      <p:grpSpPr>
-        <a:xfrm>
-          <a:off x="0" y="0"/>
-          <a:ext cx="0" cy="0"/>
-          <a:chOff x="0" y="0"/>
-          <a:chExt cx="0" cy="0"/>
-        </a:xfrm>
-      </p:grpSpPr>
-      <p:sp>
-        <p:nvSpPr>
-          <p:cNvPr id="2" name="标题 1">
-            <a:extLst>
-              <a:ext uri="{FF2B5EF4-FFF2-40B4-BE49-F238E27FC236}">
-                <a16:creationId xmlns:a16="http://schemas.microsoft.com/office/drawing/2014/main" id="{5EC01E2D-9CFE-4D5D-8863-3BA90731F07B}"/>
-              </a:ext>
-            </a:extLst>
-          </p:cNvPr>
-          <p:cNvSpPr>
-            <a:spLocks noGrp="1"/>
-          </p:cNvSpPr>
-          <p:nvPr>
-            <p:ph type="title"/>
-          </p:nvPr>
-        </p:nvSpPr>
-        <p:spPr/>
-        <p:txBody>
-          <a:bodyPr/>
-          <a:lstStyle/>
-          <a:p>
-            <a:r>
-              <a:rPr lang="en-US" altLang="zh-CN" dirty="0"/>
-              <a:t>Add sprite and sound to game</a:t>
-            </a:r>
-            <a:endParaRPr lang="en-MY" dirty="0"/>
-          </a:p>
-        </p:txBody>
-      </p:sp>
-      <p:sp>
-        <p:nvSpPr>
-          <p:cNvPr id="5" name="内容占位符 8">
-            <a:extLst>
-              <a:ext uri="{FF2B5EF4-FFF2-40B4-BE49-F238E27FC236}">
-                <a16:creationId xmlns:a16="http://schemas.microsoft.com/office/drawing/2014/main" id="{408E7A42-6353-4DDC-9865-E8607D0CCF8A}"/>
-              </a:ext>
-            </a:extLst>
-          </p:cNvPr>
-          <p:cNvSpPr>
-            <a:spLocks noGrp="1"/>
-          </p:cNvSpPr>
-          <p:nvPr>
-            <p:ph idx="1"/>
-          </p:nvPr>
-        </p:nvSpPr>
-        <p:spPr>
-          <a:xfrm>
-            <a:off x="685801" y="2142068"/>
-            <a:ext cx="6957873" cy="3353858"/>
-          </a:xfrm>
-        </p:spPr>
-        <p:txBody>
-          <a:bodyPr>
-            <a:normAutofit lnSpcReduction="10000"/>
-          </a:bodyPr>
-          <a:lstStyle/>
-          <a:p>
-            <a:pPr marL="0" indent="0">
-              <a:buNone/>
-            </a:pPr>
-            <a:r>
-              <a:rPr lang="en-US" dirty="0"/>
-              <a:t>Change the rectangle eat program to PAC-MAN eat program</a:t>
-            </a:r>
-          </a:p>
-          <a:p>
-            <a:r>
-              <a:rPr lang="en-US" dirty="0"/>
-              <a:t>Replace large rectangle with </a:t>
-            </a:r>
-            <a:r>
-              <a:rPr lang="en-US" dirty="0" err="1"/>
-              <a:t>pac</a:t>
-            </a:r>
-            <a:r>
-              <a:rPr lang="en-US" dirty="0"/>
-              <a:t>-man picture.</a:t>
-            </a:r>
-          </a:p>
-          <a:p>
-            <a:r>
-              <a:rPr lang="en-US" dirty="0"/>
-              <a:t>Replace small rectangles with yellow dots</a:t>
-            </a:r>
-          </a:p>
-          <a:p>
-            <a:r>
-              <a:rPr lang="en-US" dirty="0"/>
-              <a:t>Make the program able to add special type: ghost. Use mouse button click to add it on screen</a:t>
-            </a:r>
-          </a:p>
-          <a:p>
-            <a:r>
-              <a:rPr lang="en-US" dirty="0"/>
-              <a:t>When eat yellow dots, </a:t>
-            </a:r>
-            <a:r>
-              <a:rPr lang="en-US" dirty="0" err="1"/>
-              <a:t>pac</a:t>
-            </a:r>
-            <a:r>
-              <a:rPr lang="en-US" dirty="0"/>
-              <a:t>-man increase size.</a:t>
-            </a:r>
-          </a:p>
-          <a:p>
-            <a:r>
-              <a:rPr lang="en-US" dirty="0"/>
-              <a:t>When eat ghost, </a:t>
-            </a:r>
-            <a:r>
-              <a:rPr lang="en-US" dirty="0" err="1"/>
-              <a:t>pac</a:t>
-            </a:r>
-            <a:r>
-              <a:rPr lang="en-US" dirty="0"/>
-              <a:t>-man reduce size.</a:t>
-            </a:r>
-          </a:p>
-          <a:p>
-            <a:r>
-              <a:rPr lang="en-US" dirty="0"/>
-              <a:t>Add background music when playing.</a:t>
-            </a:r>
-          </a:p>
-          <a:p>
-            <a:r>
-              <a:rPr lang="en-US" dirty="0"/>
-              <a:t>Add sound effect when </a:t>
-            </a:r>
-            <a:r>
-              <a:rPr lang="en-US" dirty="0" err="1"/>
-              <a:t>pac</a:t>
-            </a:r>
-            <a:r>
-              <a:rPr lang="en-US" dirty="0"/>
-              <a:t>-man eating one dot.</a:t>
-            </a:r>
-          </a:p>
-        </p:txBody>
-      </p:sp>
-      <p:pic>
-        <p:nvPicPr>
-          <p:cNvPr id="6" name="Picture 5">
-            <a:extLst>
-              <a:ext uri="{FF2B5EF4-FFF2-40B4-BE49-F238E27FC236}">
-                <a16:creationId xmlns:a16="http://schemas.microsoft.com/office/drawing/2014/main" id="{6E6C07B5-A4C7-4EFA-8760-1241E1AAED80}"/>
-              </a:ext>
-            </a:extLst>
-          </p:cNvPr>
-          <p:cNvPicPr>
-            <a:picLocks noChangeAspect="1"/>
-          </p:cNvPicPr>
-          <p:nvPr/>
-        </p:nvPicPr>
-        <p:blipFill>
-          <a:blip r:embed="rId2"/>
-          <a:stretch>
-            <a:fillRect/>
-          </a:stretch>
-        </p:blipFill>
-        <p:spPr>
-          <a:xfrm>
-            <a:off x="7643674" y="2142067"/>
-            <a:ext cx="4249636" cy="3353859"/>
-          </a:xfrm>
-          <a:prstGeom prst="rect">
-            <a:avLst/>
-          </a:prstGeom>
-        </p:spPr>
-      </p:pic>
-    </p:spTree>
-    <p:extLst>
-      <p:ext uri="{BB962C8B-B14F-4D97-AF65-F5344CB8AC3E}">
-        <p14:creationId xmlns:p14="http://schemas.microsoft.com/office/powerpoint/2010/main" val="1421403968"/>
-      </p:ext>
-    </p:extLst>
-  </p:cSld>
-  <p:clrMapOvr>
-    <a:masterClrMapping/>
-  </p:clrMapOvr>
-</p:sld>
-</file>
-
-<file path=ppt/slides/slide14.xml><?xml version="1.0" encoding="utf-8"?>
-<p:sld xmlns:a="http://schemas.openxmlformats.org/drawingml/2006/main" xmlns:r="http://schemas.openxmlformats.org/officeDocument/2006/relationships" xmlns:p="http://schemas.openxmlformats.org/presentationml/2006/main">
-  <p:cSld>
-    <p:spTree>
-      <p:nvGrpSpPr>
-        <p:cNvPr id="1" name=""/>
-        <p:cNvGrpSpPr/>
-        <p:nvPr/>
-      </p:nvGrpSpPr>
-      <p:grpSpPr>
-        <a:xfrm>
-          <a:off x="0" y="0"/>
-          <a:ext cx="0" cy="0"/>
-          <a:chOff x="0" y="0"/>
-          <a:chExt cx="0" cy="0"/>
-        </a:xfrm>
-      </p:grpSpPr>
-      <p:sp>
-        <p:nvSpPr>
-          <p:cNvPr id="2" name="标题 1">
-            <a:extLst>
-              <a:ext uri="{FF2B5EF4-FFF2-40B4-BE49-F238E27FC236}">
-                <a16:creationId xmlns:a16="http://schemas.microsoft.com/office/drawing/2014/main" id="{5EC01E2D-9CFE-4D5D-8863-3BA90731F07B}"/>
-              </a:ext>
-            </a:extLst>
-          </p:cNvPr>
-          <p:cNvSpPr>
-            <a:spLocks noGrp="1"/>
-          </p:cNvSpPr>
-          <p:nvPr>
-            <p:ph type="title"/>
-          </p:nvPr>
-        </p:nvSpPr>
-        <p:spPr/>
-        <p:txBody>
-          <a:bodyPr/>
-          <a:lstStyle/>
-          <a:p>
-            <a:r>
-              <a:rPr lang="en-US" altLang="zh-CN" dirty="0"/>
-              <a:t>Add sprite and sound to game</a:t>
-            </a:r>
-            <a:endParaRPr lang="en-MY" dirty="0"/>
-          </a:p>
-        </p:txBody>
-      </p:sp>
-      <p:sp>
-        <p:nvSpPr>
-          <p:cNvPr id="5" name="内容占位符 8">
-            <a:extLst>
-              <a:ext uri="{FF2B5EF4-FFF2-40B4-BE49-F238E27FC236}">
-                <a16:creationId xmlns:a16="http://schemas.microsoft.com/office/drawing/2014/main" id="{408E7A42-6353-4DDC-9865-E8607D0CCF8A}"/>
-              </a:ext>
-            </a:extLst>
-          </p:cNvPr>
-          <p:cNvSpPr>
-            <a:spLocks noGrp="1"/>
-          </p:cNvSpPr>
-          <p:nvPr>
-            <p:ph idx="1"/>
-          </p:nvPr>
-        </p:nvSpPr>
-        <p:spPr>
-          <a:xfrm>
-            <a:off x="685801" y="2142068"/>
-            <a:ext cx="6957873" cy="3353858"/>
-          </a:xfrm>
-        </p:spPr>
-        <p:txBody>
-          <a:bodyPr>
-            <a:normAutofit lnSpcReduction="10000"/>
-          </a:bodyPr>
-          <a:lstStyle/>
-          <a:p>
-            <a:pPr marL="0" indent="0">
-              <a:buNone/>
-            </a:pPr>
-            <a:r>
-              <a:rPr lang="en-US" dirty="0"/>
-              <a:t>Change the rectangle eat program to PAC-MAN eat program</a:t>
-            </a:r>
-          </a:p>
-          <a:p>
-            <a:r>
-              <a:rPr lang="en-US" dirty="0"/>
-              <a:t>Replace large rectangle with </a:t>
-            </a:r>
-            <a:r>
-              <a:rPr lang="en-US" dirty="0" err="1"/>
-              <a:t>pac</a:t>
-            </a:r>
-            <a:r>
-              <a:rPr lang="en-US" dirty="0"/>
-              <a:t>-man picture.</a:t>
-            </a:r>
-          </a:p>
-          <a:p>
-            <a:r>
-              <a:rPr lang="en-US" dirty="0"/>
-              <a:t>Replace small rectangles with yellow dots</a:t>
-            </a:r>
-          </a:p>
-          <a:p>
-            <a:r>
-              <a:rPr lang="en-US" dirty="0"/>
-              <a:t>Make the program able to add special type: ghost. Use mouse button click to add it on screen</a:t>
-            </a:r>
-          </a:p>
-          <a:p>
-            <a:r>
-              <a:rPr lang="en-US" dirty="0"/>
-              <a:t>When eat yellow dots, </a:t>
-            </a:r>
-            <a:r>
-              <a:rPr lang="en-US" dirty="0" err="1"/>
-              <a:t>pac</a:t>
-            </a:r>
-            <a:r>
-              <a:rPr lang="en-US" dirty="0"/>
-              <a:t>-man increase size.</a:t>
-            </a:r>
-          </a:p>
-          <a:p>
-            <a:r>
-              <a:rPr lang="en-US" dirty="0"/>
-              <a:t>When eat ghost, </a:t>
-            </a:r>
-            <a:r>
-              <a:rPr lang="en-US" dirty="0" err="1"/>
-              <a:t>pac</a:t>
-            </a:r>
-            <a:r>
-              <a:rPr lang="en-US" dirty="0"/>
-              <a:t>-man reduce size.</a:t>
-            </a:r>
-          </a:p>
-          <a:p>
-            <a:r>
-              <a:rPr lang="en-US" dirty="0"/>
-              <a:t>Add background music when playing.</a:t>
-            </a:r>
-          </a:p>
-          <a:p>
-            <a:r>
-              <a:rPr lang="en-US" dirty="0"/>
-              <a:t>Add sound effect when </a:t>
-            </a:r>
-            <a:r>
-              <a:rPr lang="en-US" dirty="0" err="1"/>
-              <a:t>pac</a:t>
-            </a:r>
-            <a:r>
-              <a:rPr lang="en-US" dirty="0"/>
-              <a:t>-man eating one dot.</a:t>
-            </a:r>
-          </a:p>
-        </p:txBody>
-      </p:sp>
-      <p:pic>
-        <p:nvPicPr>
-          <p:cNvPr id="6" name="Picture 5">
-            <a:extLst>
-              <a:ext uri="{FF2B5EF4-FFF2-40B4-BE49-F238E27FC236}">
-                <a16:creationId xmlns:a16="http://schemas.microsoft.com/office/drawing/2014/main" id="{6E6C07B5-A4C7-4EFA-8760-1241E1AAED80}"/>
-              </a:ext>
-            </a:extLst>
-          </p:cNvPr>
-          <p:cNvPicPr>
-            <a:picLocks noChangeAspect="1"/>
-          </p:cNvPicPr>
-          <p:nvPr/>
-        </p:nvPicPr>
-        <p:blipFill>
-          <a:blip r:embed="rId2"/>
-          <a:stretch>
-            <a:fillRect/>
-          </a:stretch>
-        </p:blipFill>
-        <p:spPr>
-          <a:xfrm>
-            <a:off x="7643674" y="2142067"/>
-            <a:ext cx="4249636" cy="3353859"/>
-          </a:xfrm>
-          <a:prstGeom prst="rect">
-            <a:avLst/>
-          </a:prstGeom>
-        </p:spPr>
-      </p:pic>
-    </p:spTree>
-    <p:extLst>
-      <p:ext uri="{BB962C8B-B14F-4D97-AF65-F5344CB8AC3E}">
-        <p14:creationId xmlns:p14="http://schemas.microsoft.com/office/powerpoint/2010/main" val="1505910854"/>
-      </p:ext>
-    </p:extLst>
-  </p:cSld>
-  <p:clrMapOvr>
-    <a:masterClrMapping/>
-  </p:clrMapOvr>
-</p:sld>
-</file>
-
-<file path=ppt/slides/slide15.xml><?xml version="1.0" encoding="utf-8"?>
-<p:sld xmlns:a="http://schemas.openxmlformats.org/drawingml/2006/main" xmlns:r="http://schemas.openxmlformats.org/officeDocument/2006/relationships" xmlns:p="http://schemas.openxmlformats.org/presentationml/2006/main">
-  <p:cSld>
-    <p:spTree>
-      <p:nvGrpSpPr>
-        <p:cNvPr id="1" name=""/>
-        <p:cNvGrpSpPr/>
-        <p:nvPr/>
-      </p:nvGrpSpPr>
-      <p:grpSpPr>
-        <a:xfrm>
-          <a:off x="0" y="0"/>
-          <a:ext cx="0" cy="0"/>
-          <a:chOff x="0" y="0"/>
-          <a:chExt cx="0" cy="0"/>
-        </a:xfrm>
-      </p:grpSpPr>
-      <p:sp>
-        <p:nvSpPr>
-          <p:cNvPr id="2" name="标题 1">
-            <a:extLst>
-              <a:ext uri="{FF2B5EF4-FFF2-40B4-BE49-F238E27FC236}">
-                <a16:creationId xmlns:a16="http://schemas.microsoft.com/office/drawing/2014/main" id="{5EC01E2D-9CFE-4D5D-8863-3BA90731F07B}"/>
-              </a:ext>
-            </a:extLst>
-          </p:cNvPr>
-          <p:cNvSpPr>
-            <a:spLocks noGrp="1"/>
-          </p:cNvSpPr>
-          <p:nvPr>
-            <p:ph type="title"/>
-          </p:nvPr>
-        </p:nvSpPr>
-        <p:spPr/>
-        <p:txBody>
-          <a:bodyPr/>
-          <a:lstStyle/>
-          <a:p>
-            <a:r>
-              <a:rPr lang="en-US" altLang="zh-CN" dirty="0"/>
-              <a:t>Dodger game</a:t>
-            </a:r>
-            <a:endParaRPr lang="en-MY" dirty="0"/>
-          </a:p>
-        </p:txBody>
-      </p:sp>
-      <p:sp>
-        <p:nvSpPr>
-          <p:cNvPr id="5" name="内容占位符 8">
-            <a:extLst>
-              <a:ext uri="{FF2B5EF4-FFF2-40B4-BE49-F238E27FC236}">
-                <a16:creationId xmlns:a16="http://schemas.microsoft.com/office/drawing/2014/main" id="{408E7A42-6353-4DDC-9865-E8607D0CCF8A}"/>
-              </a:ext>
-            </a:extLst>
-          </p:cNvPr>
-          <p:cNvSpPr>
-            <a:spLocks noGrp="1"/>
-          </p:cNvSpPr>
-          <p:nvPr>
-            <p:ph idx="1"/>
-          </p:nvPr>
-        </p:nvSpPr>
-        <p:spPr>
-          <a:xfrm>
-            <a:off x="685802" y="2142068"/>
-            <a:ext cx="5781673" cy="3353858"/>
-          </a:xfrm>
-        </p:spPr>
-        <p:txBody>
-          <a:bodyPr>
-            <a:normAutofit/>
-          </a:bodyPr>
-          <a:lstStyle/>
-          <a:p>
-            <a:pPr marL="0" indent="0">
-              <a:buNone/>
-            </a:pPr>
-            <a:r>
-              <a:rPr lang="en-US" dirty="0"/>
-              <a:t>A flying aircraft dodge the attacking weapons</a:t>
-            </a:r>
-          </a:p>
-          <a:p>
-            <a:r>
-              <a:rPr lang="en-US" dirty="0"/>
-              <a:t>Weapons drop from top to bottom.</a:t>
-            </a:r>
-          </a:p>
-          <a:p>
-            <a:r>
-              <a:rPr lang="en-US" dirty="0"/>
-              <a:t>Weapons dodge the weapons. When hit by weapon it’s life reduce.</a:t>
-            </a:r>
-          </a:p>
-          <a:p>
-            <a:r>
-              <a:rPr lang="en-US" dirty="0"/>
-              <a:t>When life reaches 0 game over.</a:t>
-            </a:r>
-          </a:p>
-        </p:txBody>
-      </p:sp>
-      <p:pic>
-        <p:nvPicPr>
-          <p:cNvPr id="4" name="Picture 3">
-            <a:extLst>
-              <a:ext uri="{FF2B5EF4-FFF2-40B4-BE49-F238E27FC236}">
-                <a16:creationId xmlns:a16="http://schemas.microsoft.com/office/drawing/2014/main" id="{FA626F06-3929-44D7-85A4-CECFD2403F91}"/>
-              </a:ext>
-            </a:extLst>
-          </p:cNvPr>
-          <p:cNvPicPr>
-            <a:picLocks noChangeAspect="1"/>
-          </p:cNvPicPr>
-          <p:nvPr/>
-        </p:nvPicPr>
-        <p:blipFill>
-          <a:blip r:embed="rId2"/>
-          <a:stretch>
-            <a:fillRect/>
-          </a:stretch>
-        </p:blipFill>
-        <p:spPr>
-          <a:xfrm>
-            <a:off x="6813030" y="1608927"/>
-            <a:ext cx="4931295" cy="3891831"/>
-          </a:xfrm>
-          <a:prstGeom prst="rect">
-            <a:avLst/>
-          </a:prstGeom>
-        </p:spPr>
-      </p:pic>
-    </p:spTree>
-    <p:extLst>
-      <p:ext uri="{BB962C8B-B14F-4D97-AF65-F5344CB8AC3E}">
-        <p14:creationId xmlns:p14="http://schemas.microsoft.com/office/powerpoint/2010/main" val="3688355330"/>
-      </p:ext>
-    </p:extLst>
-  </p:cSld>
-  <p:clrMapOvr>
-    <a:masterClrMapping/>
-  </p:clrMapOvr>
-</p:sld>
-</file>
-
-<file path=ppt/slides/slide16.xml><?xml version="1.0" encoding="utf-8"?>
-<p:sld xmlns:a="http://schemas.openxmlformats.org/drawingml/2006/main" xmlns:r="http://schemas.openxmlformats.org/officeDocument/2006/relationships" xmlns:p="http://schemas.openxmlformats.org/presentationml/2006/main">
-  <p:cSld>
-    <p:spTree>
-      <p:nvGrpSpPr>
-        <p:cNvPr id="1" name=""/>
-        <p:cNvGrpSpPr/>
-        <p:nvPr/>
-      </p:nvGrpSpPr>
-      <p:grpSpPr>
-        <a:xfrm>
-          <a:off x="0" y="0"/>
-          <a:ext cx="0" cy="0"/>
-          <a:chOff x="0" y="0"/>
-          <a:chExt cx="0" cy="0"/>
-        </a:xfrm>
-      </p:grpSpPr>
-      <p:sp>
-        <p:nvSpPr>
-          <p:cNvPr id="2" name="标题 1">
-            <a:extLst>
-              <a:ext uri="{FF2B5EF4-FFF2-40B4-BE49-F238E27FC236}">
-                <a16:creationId xmlns:a16="http://schemas.microsoft.com/office/drawing/2014/main" id="{5EC01E2D-9CFE-4D5D-8863-3BA90731F07B}"/>
-              </a:ext>
-            </a:extLst>
-          </p:cNvPr>
-          <p:cNvSpPr>
-            <a:spLocks noGrp="1"/>
-          </p:cNvSpPr>
-          <p:nvPr>
-            <p:ph type="title"/>
-          </p:nvPr>
-        </p:nvSpPr>
-        <p:spPr/>
-        <p:txBody>
-          <a:bodyPr/>
-          <a:lstStyle/>
-          <a:p>
-            <a:r>
-              <a:rPr lang="en-US" altLang="zh-CN" dirty="0"/>
-              <a:t>Sprite rotate technique</a:t>
-            </a:r>
-            <a:endParaRPr lang="en-MY" dirty="0"/>
-          </a:p>
-        </p:txBody>
-      </p:sp>
-      <p:sp>
-        <p:nvSpPr>
-          <p:cNvPr id="5" name="内容占位符 8">
-            <a:extLst>
-              <a:ext uri="{FF2B5EF4-FFF2-40B4-BE49-F238E27FC236}">
-                <a16:creationId xmlns:a16="http://schemas.microsoft.com/office/drawing/2014/main" id="{408E7A42-6353-4DDC-9865-E8607D0CCF8A}"/>
-              </a:ext>
-            </a:extLst>
-          </p:cNvPr>
-          <p:cNvSpPr>
-            <a:spLocks noGrp="1"/>
-          </p:cNvSpPr>
-          <p:nvPr>
-            <p:ph idx="1"/>
-          </p:nvPr>
-        </p:nvSpPr>
-        <p:spPr>
-          <a:xfrm>
-            <a:off x="685802" y="2142068"/>
-            <a:ext cx="7696198" cy="2534707"/>
-          </a:xfrm>
-        </p:spPr>
-        <p:txBody>
-          <a:bodyPr>
-            <a:normAutofit/>
-          </a:bodyPr>
-          <a:lstStyle/>
-          <a:p>
-            <a:pPr marL="0" indent="0">
-              <a:buNone/>
-            </a:pPr>
-            <a:r>
-              <a:rPr lang="en-US" dirty="0" err="1"/>
-              <a:t>Pygame</a:t>
-            </a:r>
-            <a:r>
-              <a:rPr lang="en-US" dirty="0"/>
-              <a:t> rotate function</a:t>
-            </a:r>
-          </a:p>
-          <a:p>
-            <a:r>
-              <a:rPr lang="en-US" dirty="0"/>
-              <a:t>Simply use </a:t>
-            </a:r>
-            <a:r>
-              <a:rPr lang="en-US" dirty="0" err="1"/>
-              <a:t>pygame.transform.rotate</a:t>
-            </a:r>
-            <a:r>
-              <a:rPr lang="en-US" dirty="0"/>
-              <a:t>(), maybe the result is not your wanted. The sprite maybe not looks like rotating. The reason is the centering of rotation. </a:t>
-            </a:r>
-            <a:r>
-              <a:rPr lang="en-US" dirty="0" err="1"/>
-              <a:t>Pygame</a:t>
-            </a:r>
-            <a:r>
-              <a:rPr lang="en-US" dirty="0"/>
-              <a:t> function do not have a way to keep the center position.</a:t>
-            </a:r>
-          </a:p>
-          <a:p>
-            <a:r>
-              <a:rPr lang="en-US" dirty="0"/>
-              <a:t>If want to make the sprite rotate around one specific center, need to customize programming.</a:t>
-            </a:r>
-          </a:p>
-        </p:txBody>
-      </p:sp>
-    </p:spTree>
-    <p:extLst>
-      <p:ext uri="{BB962C8B-B14F-4D97-AF65-F5344CB8AC3E}">
-        <p14:creationId xmlns:p14="http://schemas.microsoft.com/office/powerpoint/2010/main" val="400038240"/>
-      </p:ext>
-    </p:extLst>
-  </p:cSld>
-  <p:clrMapOvr>
-    <a:masterClrMapping/>
-  </p:clrMapOvr>
-</p:sld>
-</file>
-
-<file path=ppt/slides/slide17.xml><?xml version="1.0" encoding="utf-8"?>
-<p:sld xmlns:a="http://schemas.openxmlformats.org/drawingml/2006/main" xmlns:r="http://schemas.openxmlformats.org/officeDocument/2006/relationships" xmlns:p="http://schemas.openxmlformats.org/presentationml/2006/main">
-  <p:cSld>
-    <p:spTree>
-      <p:nvGrpSpPr>
-        <p:cNvPr id="1" name=""/>
-        <p:cNvGrpSpPr/>
-        <p:nvPr/>
-      </p:nvGrpSpPr>
-      <p:grpSpPr>
-        <a:xfrm>
-          <a:off x="0" y="0"/>
-          <a:ext cx="0" cy="0"/>
-          <a:chOff x="0" y="0"/>
-          <a:chExt cx="0" cy="0"/>
-        </a:xfrm>
-      </p:grpSpPr>
-      <p:sp>
-        <p:nvSpPr>
-          <p:cNvPr id="2" name="标题 1">
-            <a:extLst>
-              <a:ext uri="{FF2B5EF4-FFF2-40B4-BE49-F238E27FC236}">
-                <a16:creationId xmlns:a16="http://schemas.microsoft.com/office/drawing/2014/main" id="{5EC01E2D-9CFE-4D5D-8863-3BA90731F07B}"/>
-              </a:ext>
-            </a:extLst>
-          </p:cNvPr>
-          <p:cNvSpPr>
-            <a:spLocks noGrp="1"/>
-          </p:cNvSpPr>
-          <p:nvPr>
-            <p:ph type="title"/>
-          </p:nvPr>
-        </p:nvSpPr>
-        <p:spPr/>
-        <p:txBody>
-          <a:bodyPr/>
-          <a:lstStyle/>
-          <a:p>
-            <a:r>
-              <a:rPr lang="en-US" altLang="zh-CN" dirty="0"/>
-              <a:t>OOP with </a:t>
-            </a:r>
-            <a:r>
-              <a:rPr lang="en-US" altLang="zh-CN" dirty="0" err="1"/>
-              <a:t>pygame</a:t>
-            </a:r>
-            <a:endParaRPr lang="en-MY" dirty="0"/>
-          </a:p>
-        </p:txBody>
-      </p:sp>
-      <p:sp>
-        <p:nvSpPr>
-          <p:cNvPr id="5" name="内容占位符 8">
-            <a:extLst>
-              <a:ext uri="{FF2B5EF4-FFF2-40B4-BE49-F238E27FC236}">
-                <a16:creationId xmlns:a16="http://schemas.microsoft.com/office/drawing/2014/main" id="{408E7A42-6353-4DDC-9865-E8607D0CCF8A}"/>
-              </a:ext>
-            </a:extLst>
-          </p:cNvPr>
-          <p:cNvSpPr>
-            <a:spLocks noGrp="1"/>
-          </p:cNvSpPr>
-          <p:nvPr>
-            <p:ph idx="1"/>
-          </p:nvPr>
-        </p:nvSpPr>
-        <p:spPr>
-          <a:xfrm>
-            <a:off x="685801" y="2142068"/>
-            <a:ext cx="8080693" cy="3327554"/>
-          </a:xfrm>
-        </p:spPr>
-        <p:txBody>
-          <a:bodyPr>
-            <a:normAutofit/>
-          </a:bodyPr>
-          <a:lstStyle/>
-          <a:p>
-            <a:pPr marL="0" indent="0">
-              <a:buNone/>
-            </a:pPr>
-            <a:r>
-              <a:rPr lang="en-US" dirty="0"/>
-              <a:t>Sprite class and sprite Group</a:t>
-            </a:r>
-          </a:p>
-          <a:p>
-            <a:r>
-              <a:rPr lang="en-US" dirty="0"/>
-              <a:t>Inherit from the Sprite class, or </a:t>
-            </a:r>
-            <a:r>
-              <a:rPr lang="en-US" dirty="0" err="1"/>
-              <a:t>DirtySprite</a:t>
-            </a:r>
-            <a:r>
-              <a:rPr lang="en-US" dirty="0"/>
-              <a:t> class, make your own sprite of your game.</a:t>
-            </a:r>
-          </a:p>
-          <a:p>
-            <a:r>
-              <a:rPr lang="en-US" dirty="0"/>
-              <a:t>Customize the update() method of your sprite to make it move in each frame time.</a:t>
-            </a:r>
-          </a:p>
-          <a:p>
-            <a:r>
-              <a:rPr lang="en-US" dirty="0"/>
-              <a:t>Arrange your sprites in Group. Call </a:t>
-            </a:r>
-            <a:r>
-              <a:rPr lang="en-US" dirty="0" err="1"/>
-              <a:t>group.draw</a:t>
-            </a:r>
-            <a:r>
-              <a:rPr lang="en-US" dirty="0"/>
-              <a:t>() method to </a:t>
-            </a:r>
-            <a:r>
-              <a:rPr lang="en-US" dirty="0" err="1"/>
-              <a:t>blit</a:t>
-            </a:r>
-            <a:r>
-              <a:rPr lang="en-US" dirty="0"/>
-              <a:t> the sprite into your screen.</a:t>
-            </a:r>
-          </a:p>
-          <a:p>
-            <a:r>
-              <a:rPr lang="en-US" dirty="0"/>
-              <a:t>Arrange the </a:t>
-            </a:r>
-            <a:r>
-              <a:rPr lang="en-US" dirty="0" err="1"/>
-              <a:t>pygame.display.update</a:t>
-            </a:r>
-            <a:r>
-              <a:rPr lang="en-US" dirty="0"/>
-              <a:t>(), can pass the </a:t>
-            </a:r>
-            <a:r>
-              <a:rPr lang="en-US" dirty="0" err="1"/>
-              <a:t>rect</a:t>
-            </a:r>
-            <a:r>
-              <a:rPr lang="en-US" dirty="0"/>
-              <a:t> area list to it to only update part of the screen.</a:t>
-            </a:r>
-          </a:p>
-        </p:txBody>
-      </p:sp>
-    </p:spTree>
-    <p:extLst>
-      <p:ext uri="{BB962C8B-B14F-4D97-AF65-F5344CB8AC3E}">
-        <p14:creationId xmlns:p14="http://schemas.microsoft.com/office/powerpoint/2010/main" val="2006154171"/>
-      </p:ext>
-    </p:extLst>
-  </p:cSld>
-  <p:clrMapOvr>
-    <a:masterClrMapping/>
-  </p:clrMapOvr>
-</p:sld>
-</file>
-
-<file path=ppt/slides/slide2.xml><?xml version="1.0" encoding="utf-8"?>
-<p:sld xmlns:a="http://schemas.openxmlformats.org/drawingml/2006/main" xmlns:r="http://schemas.openxmlformats.org/officeDocument/2006/relationships" xmlns:p="http://schemas.openxmlformats.org/presentationml/2006/main">
-  <p:cSld>
-    <p:bg>
-      <p:bgPr>
-        <a:blipFill>
-          <a:blip r:embed="rId2"/>
-          <a:stretch/>
-        </a:blipFill>
-        <a:effectLst/>
-      </p:bgPr>
-    </p:bg>
-    <p:spTree>
-      <p:nvGrpSpPr>
-        <p:cNvPr id="1" name=""/>
-        <p:cNvGrpSpPr/>
-        <p:nvPr/>
-      </p:nvGrpSpPr>
-      <p:grpSpPr>
-        <a:xfrm>
-          <a:off x="0" y="0"/>
-          <a:ext cx="0" cy="0"/>
-          <a:chOff x="0" y="0"/>
-          <a:chExt cx="0" cy="0"/>
-        </a:xfrm>
-      </p:grpSpPr>
-      <p:sp>
-        <p:nvSpPr>
-          <p:cNvPr id="2" name="标题 1">
-            <a:extLst>
-              <a:ext uri="{FF2B5EF4-FFF2-40B4-BE49-F238E27FC236}">
-                <a16:creationId xmlns:a16="http://schemas.microsoft.com/office/drawing/2014/main" id="{5EC01E2D-9CFE-4D5D-8863-3BA90731F07B}"/>
-              </a:ext>
-            </a:extLst>
-          </p:cNvPr>
-          <p:cNvSpPr>
-            <a:spLocks noGrp="1"/>
-          </p:cNvSpPr>
-          <p:nvPr>
-            <p:ph type="title"/>
-          </p:nvPr>
-        </p:nvSpPr>
-        <p:spPr/>
-        <p:txBody>
-          <a:bodyPr/>
-          <a:lstStyle/>
-          <a:p>
-            <a:r>
-              <a:rPr lang="en-US" altLang="zh-CN" dirty="0" err="1"/>
-              <a:t>Pygame</a:t>
-            </a:r>
-            <a:r>
-              <a:rPr lang="en-US" altLang="zh-CN" dirty="0"/>
-              <a:t> programming</a:t>
-            </a:r>
-            <a:endParaRPr lang="en-MY" dirty="0"/>
-          </a:p>
-        </p:txBody>
-      </p:sp>
-      <p:sp>
-        <p:nvSpPr>
-          <p:cNvPr id="5" name="内容占位符 4">
-            <a:extLst>
-              <a:ext uri="{FF2B5EF4-FFF2-40B4-BE49-F238E27FC236}">
-                <a16:creationId xmlns:a16="http://schemas.microsoft.com/office/drawing/2014/main" id="{24C6C14A-404A-46CC-BBB2-888A7B4B7C1A}"/>
-              </a:ext>
-            </a:extLst>
-          </p:cNvPr>
-          <p:cNvSpPr>
-            <a:spLocks noGrp="1"/>
-          </p:cNvSpPr>
-          <p:nvPr>
-            <p:ph idx="1"/>
-          </p:nvPr>
-        </p:nvSpPr>
-        <p:spPr>
-          <a:xfrm>
-            <a:off x="685801" y="1806788"/>
-            <a:ext cx="6947451" cy="3306232"/>
-          </a:xfrm>
-        </p:spPr>
-        <p:txBody>
-          <a:bodyPr>
-            <a:normAutofit/>
-          </a:bodyPr>
-          <a:lstStyle/>
-          <a:p>
-            <a:pPr marL="0" indent="0">
-              <a:buNone/>
-            </a:pPr>
-            <a:r>
-              <a:rPr lang="en-US" b="1" dirty="0" err="1">
-                <a:solidFill>
-                  <a:srgbClr val="FFFF00"/>
-                </a:solidFill>
-              </a:rPr>
-              <a:t>pygame</a:t>
-            </a:r>
-            <a:endParaRPr lang="en-US" dirty="0"/>
-          </a:p>
-          <a:p>
-            <a:r>
-              <a:rPr lang="en-MY" dirty="0"/>
-              <a:t>It is a third party package to support python programming. Use </a:t>
-            </a:r>
-            <a:r>
-              <a:rPr lang="en-MY" dirty="0">
-                <a:solidFill>
-                  <a:srgbClr val="FFC000"/>
-                </a:solidFill>
-              </a:rPr>
-              <a:t>pip install </a:t>
-            </a:r>
-            <a:r>
-              <a:rPr lang="en-MY" dirty="0" err="1">
-                <a:solidFill>
-                  <a:srgbClr val="FFC000"/>
-                </a:solidFill>
-              </a:rPr>
-              <a:t>pygame</a:t>
-            </a:r>
-            <a:r>
-              <a:rPr lang="en-MY" dirty="0"/>
-              <a:t> to install this package.</a:t>
-            </a:r>
-          </a:p>
-          <a:p>
-            <a:endParaRPr lang="en-MY" dirty="0"/>
-          </a:p>
-          <a:p>
-            <a:endParaRPr lang="en-MY" dirty="0"/>
-          </a:p>
-          <a:p>
-            <a:endParaRPr lang="en-MY" dirty="0"/>
-          </a:p>
-          <a:p>
-            <a:r>
-              <a:rPr lang="en-MY" dirty="0"/>
-              <a:t>Under python idle shell prompt, or </a:t>
-            </a:r>
-            <a:r>
-              <a:rPr lang="en-MY" dirty="0" err="1"/>
-              <a:t>cmd</a:t>
-            </a:r>
-            <a:r>
-              <a:rPr lang="en-MY" dirty="0"/>
-              <a:t> python prompt, use import </a:t>
-            </a:r>
-            <a:r>
-              <a:rPr lang="en-MY" dirty="0" err="1"/>
-              <a:t>pygame</a:t>
-            </a:r>
-            <a:r>
-              <a:rPr lang="en-MY" dirty="0"/>
-              <a:t> to verify it is correctly installed.</a:t>
-            </a:r>
-          </a:p>
-        </p:txBody>
-      </p:sp>
-      <p:pic>
-        <p:nvPicPr>
-          <p:cNvPr id="4" name="Picture 3">
-            <a:extLst>
-              <a:ext uri="{FF2B5EF4-FFF2-40B4-BE49-F238E27FC236}">
-                <a16:creationId xmlns:a16="http://schemas.microsoft.com/office/drawing/2014/main" id="{DB288E02-025B-4998-9A39-725A0724CD7D}"/>
-              </a:ext>
-            </a:extLst>
-          </p:cNvPr>
-          <p:cNvPicPr>
-            <a:picLocks noChangeAspect="1"/>
-          </p:cNvPicPr>
-          <p:nvPr/>
-        </p:nvPicPr>
-        <p:blipFill rotWithShape="1">
-          <a:blip r:embed="rId3"/>
-          <a:srcRect b="1658"/>
-          <a:stretch/>
-        </p:blipFill>
-        <p:spPr>
-          <a:xfrm>
-            <a:off x="2270571" y="2952710"/>
-            <a:ext cx="4359018" cy="906820"/>
-          </a:xfrm>
-          <a:prstGeom prst="rect">
-            <a:avLst/>
-          </a:prstGeom>
-        </p:spPr>
-      </p:pic>
-      <p:pic>
-        <p:nvPicPr>
-          <p:cNvPr id="7" name="Picture 6">
-            <a:extLst>
-              <a:ext uri="{FF2B5EF4-FFF2-40B4-BE49-F238E27FC236}">
-                <a16:creationId xmlns:a16="http://schemas.microsoft.com/office/drawing/2014/main" id="{F846BE72-4349-49AA-8126-9A4F5D3171AB}"/>
-              </a:ext>
-            </a:extLst>
-          </p:cNvPr>
-          <p:cNvPicPr>
-            <a:picLocks noChangeAspect="1"/>
-          </p:cNvPicPr>
-          <p:nvPr/>
-        </p:nvPicPr>
-        <p:blipFill>
-          <a:blip r:embed="rId4"/>
-          <a:stretch>
-            <a:fillRect/>
-          </a:stretch>
-        </p:blipFill>
-        <p:spPr>
-          <a:xfrm>
-            <a:off x="1665544" y="4817665"/>
-            <a:ext cx="7559695" cy="1844200"/>
-          </a:xfrm>
-          <a:prstGeom prst="rect">
-            <a:avLst/>
-          </a:prstGeom>
-        </p:spPr>
-      </p:pic>
-    </p:spTree>
-    <p:extLst>
-      <p:ext uri="{BB962C8B-B14F-4D97-AF65-F5344CB8AC3E}">
-        <p14:creationId xmlns:p14="http://schemas.microsoft.com/office/powerpoint/2010/main" val="647322237"/>
-      </p:ext>
-    </p:extLst>
-  </p:cSld>
-  <p:clrMapOvr>
-    <a:masterClrMapping/>
-  </p:clrMapOvr>
-</p:sld>
-</file>
-
-<file path=ppt/slides/slide3.xml><?xml version="1.0" encoding="utf-8"?>
-<p:sld xmlns:a="http://schemas.openxmlformats.org/drawingml/2006/main" xmlns:r="http://schemas.openxmlformats.org/officeDocument/2006/relationships" xmlns:p="http://schemas.openxmlformats.org/presentationml/2006/main">
-  <p:cSld>
-    <p:spTree>
-      <p:nvGrpSpPr>
-        <p:cNvPr id="1" name=""/>
-        <p:cNvGrpSpPr/>
-        <p:nvPr/>
-      </p:nvGrpSpPr>
-      <p:grpSpPr>
-        <a:xfrm>
-          <a:off x="0" y="0"/>
-          <a:ext cx="0" cy="0"/>
-          <a:chOff x="0" y="0"/>
-          <a:chExt cx="0" cy="0"/>
-        </a:xfrm>
-      </p:grpSpPr>
-      <p:sp>
-        <p:nvSpPr>
-          <p:cNvPr id="2" name="标题 1">
-            <a:extLst>
-              <a:ext uri="{FF2B5EF4-FFF2-40B4-BE49-F238E27FC236}">
-                <a16:creationId xmlns:a16="http://schemas.microsoft.com/office/drawing/2014/main" id="{5EC01E2D-9CFE-4D5D-8863-3BA90731F07B}"/>
-              </a:ext>
-            </a:extLst>
-          </p:cNvPr>
-          <p:cNvSpPr>
-            <a:spLocks noGrp="1"/>
-          </p:cNvSpPr>
-          <p:nvPr>
-            <p:ph type="title"/>
-          </p:nvPr>
-        </p:nvSpPr>
-        <p:spPr/>
-        <p:txBody>
-          <a:bodyPr/>
-          <a:lstStyle/>
-          <a:p>
-            <a:r>
-              <a:rPr lang="en-US" altLang="zh-CN" dirty="0"/>
-              <a:t>First graphic program using </a:t>
-            </a:r>
-            <a:r>
-              <a:rPr lang="en-US" altLang="zh-CN" dirty="0" err="1"/>
-              <a:t>pygame</a:t>
-            </a:r>
-            <a:endParaRPr lang="en-MY" dirty="0"/>
-          </a:p>
-        </p:txBody>
-      </p:sp>
-      <p:sp>
-        <p:nvSpPr>
-          <p:cNvPr id="9" name="内容占位符 8">
-            <a:extLst>
-              <a:ext uri="{FF2B5EF4-FFF2-40B4-BE49-F238E27FC236}">
-                <a16:creationId xmlns:a16="http://schemas.microsoft.com/office/drawing/2014/main" id="{B3A91969-9FC0-40D6-97FB-CB169B0FD70D}"/>
-              </a:ext>
-            </a:extLst>
-          </p:cNvPr>
-          <p:cNvSpPr>
-            <a:spLocks noGrp="1"/>
-          </p:cNvSpPr>
-          <p:nvPr>
-            <p:ph idx="1"/>
-          </p:nvPr>
-        </p:nvSpPr>
-        <p:spPr>
-          <a:xfrm>
-            <a:off x="685801" y="2142067"/>
-            <a:ext cx="8285479" cy="2419773"/>
-          </a:xfrm>
-        </p:spPr>
-        <p:txBody>
-          <a:bodyPr>
-            <a:normAutofit lnSpcReduction="10000"/>
-          </a:bodyPr>
-          <a:lstStyle/>
-          <a:p>
-            <a:r>
-              <a:rPr lang="en-US" dirty="0" err="1"/>
-              <a:t>Pygame</a:t>
-            </a:r>
-            <a:r>
-              <a:rPr lang="en-US" dirty="0"/>
-              <a:t> is a package that can help to use graphic programming, especially good for games.</a:t>
-            </a:r>
-          </a:p>
-          <a:p>
-            <a:r>
-              <a:rPr lang="en-US" dirty="0"/>
-              <a:t>We create our first </a:t>
-            </a:r>
-            <a:r>
-              <a:rPr lang="en-US" dirty="0" err="1"/>
-              <a:t>pygame</a:t>
-            </a:r>
-            <a:r>
-              <a:rPr lang="en-US" dirty="0"/>
-              <a:t> program to do the following:</a:t>
-            </a:r>
-          </a:p>
-          <a:p>
-            <a:pPr lvl="1"/>
-            <a:r>
-              <a:rPr lang="en-US" dirty="0"/>
-              <a:t>Draw on screen polygon, circle, line</a:t>
-            </a:r>
-          </a:p>
-          <a:p>
-            <a:pPr lvl="1"/>
-            <a:r>
-              <a:rPr lang="en-US" dirty="0"/>
-              <a:t>Show text on screen</a:t>
-            </a:r>
-          </a:p>
-          <a:p>
-            <a:pPr lvl="1"/>
-            <a:r>
-              <a:rPr lang="en-US" dirty="0"/>
-              <a:t>Able to close the program window</a:t>
-            </a:r>
-          </a:p>
-          <a:p>
-            <a:pPr lvl="1"/>
-            <a:r>
-              <a:rPr lang="en-US" dirty="0"/>
-              <a:t>Learn the basic framework to do a program based on </a:t>
-            </a:r>
-            <a:r>
-              <a:rPr lang="en-US" dirty="0" err="1"/>
-              <a:t>pygame</a:t>
-            </a:r>
-            <a:endParaRPr lang="en-MY" dirty="0"/>
-          </a:p>
-        </p:txBody>
-      </p:sp>
-      <p:pic>
-        <p:nvPicPr>
-          <p:cNvPr id="6" name="Picture 5">
-            <a:extLst>
-              <a:ext uri="{FF2B5EF4-FFF2-40B4-BE49-F238E27FC236}">
-                <a16:creationId xmlns:a16="http://schemas.microsoft.com/office/drawing/2014/main" id="{A45477DE-99BC-46C5-8EBD-3EFCCA22C291}"/>
-              </a:ext>
-            </a:extLst>
-          </p:cNvPr>
-          <p:cNvPicPr>
-            <a:picLocks noChangeAspect="1"/>
-          </p:cNvPicPr>
-          <p:nvPr/>
-        </p:nvPicPr>
-        <p:blipFill>
-          <a:blip r:embed="rId2"/>
-          <a:stretch>
-            <a:fillRect/>
-          </a:stretch>
-        </p:blipFill>
-        <p:spPr>
-          <a:xfrm>
-            <a:off x="6982253" y="2580461"/>
-            <a:ext cx="4770533" cy="4115157"/>
-          </a:xfrm>
-          <a:prstGeom prst="rect">
-            <a:avLst/>
-          </a:prstGeom>
-        </p:spPr>
-      </p:pic>
-    </p:spTree>
-    <p:extLst>
-      <p:ext uri="{BB962C8B-B14F-4D97-AF65-F5344CB8AC3E}">
-        <p14:creationId xmlns:p14="http://schemas.microsoft.com/office/powerpoint/2010/main" val="3957381771"/>
-      </p:ext>
-    </p:extLst>
-  </p:cSld>
-  <p:clrMapOvr>
-    <a:masterClrMapping/>
-  </p:clrMapOvr>
-</p:sld>
-</file>
-
-<file path=ppt/slides/slide4.xml><?xml version="1.0" encoding="utf-8"?>
-<p:sld xmlns:a="http://schemas.openxmlformats.org/drawingml/2006/main" xmlns:r="http://schemas.openxmlformats.org/officeDocument/2006/relationships" xmlns:p="http://schemas.openxmlformats.org/presentationml/2006/main">
-  <p:cSld>
-    <p:spTree>
-      <p:nvGrpSpPr>
-        <p:cNvPr id="1" name=""/>
-        <p:cNvGrpSpPr/>
-        <p:nvPr/>
-      </p:nvGrpSpPr>
-      <p:grpSpPr>
-        <a:xfrm>
-          <a:off x="0" y="0"/>
-          <a:ext cx="0" cy="0"/>
-          <a:chOff x="0" y="0"/>
-          <a:chExt cx="0" cy="0"/>
-        </a:xfrm>
-      </p:grpSpPr>
-      <p:sp>
-        <p:nvSpPr>
-          <p:cNvPr id="2" name="标题 1">
-            <a:extLst>
-              <a:ext uri="{FF2B5EF4-FFF2-40B4-BE49-F238E27FC236}">
-                <a16:creationId xmlns:a16="http://schemas.microsoft.com/office/drawing/2014/main" id="{5EC01E2D-9CFE-4D5D-8863-3BA90731F07B}"/>
-              </a:ext>
-            </a:extLst>
-          </p:cNvPr>
-          <p:cNvSpPr>
-            <a:spLocks noGrp="1"/>
-          </p:cNvSpPr>
-          <p:nvPr>
-            <p:ph type="title"/>
-          </p:nvPr>
-        </p:nvSpPr>
-        <p:spPr>
-          <a:xfrm>
-            <a:off x="533402" y="2152650"/>
-            <a:ext cx="2962274" cy="2190749"/>
-          </a:xfrm>
-        </p:spPr>
-        <p:txBody>
-          <a:bodyPr>
-            <a:normAutofit/>
-          </a:bodyPr>
-          <a:lstStyle/>
-          <a:p>
-            <a:r>
-              <a:rPr lang="en-US" altLang="zh-CN" dirty="0"/>
-              <a:t>Basic </a:t>
-            </a:r>
-            <a:r>
-              <a:rPr lang="en-US" altLang="zh-CN" dirty="0" err="1"/>
-              <a:t>pygame</a:t>
-            </a:r>
-            <a:r>
-              <a:rPr lang="en-US" altLang="zh-CN" dirty="0"/>
-              <a:t> program frame</a:t>
-            </a:r>
-            <a:endParaRPr lang="en-MY" dirty="0"/>
-          </a:p>
-        </p:txBody>
-      </p:sp>
-      <p:pic>
-        <p:nvPicPr>
-          <p:cNvPr id="7" name="Picture 6">
-            <a:extLst>
-              <a:ext uri="{FF2B5EF4-FFF2-40B4-BE49-F238E27FC236}">
-                <a16:creationId xmlns:a16="http://schemas.microsoft.com/office/drawing/2014/main" id="{5C467EA2-01B9-48A0-BDAC-33F47C6A1732}"/>
-              </a:ext>
-            </a:extLst>
-          </p:cNvPr>
-          <p:cNvPicPr>
-            <a:picLocks noChangeAspect="1"/>
-          </p:cNvPicPr>
-          <p:nvPr/>
-        </p:nvPicPr>
-        <p:blipFill>
-          <a:blip r:embed="rId2"/>
-          <a:stretch>
-            <a:fillRect/>
-          </a:stretch>
-        </p:blipFill>
-        <p:spPr>
-          <a:xfrm>
-            <a:off x="4796791" y="152400"/>
-            <a:ext cx="6014084" cy="6590778"/>
-          </a:xfrm>
-          <a:prstGeom prst="rect">
-            <a:avLst/>
-          </a:prstGeom>
-          <a:solidFill>
-            <a:srgbClr val="FFFFFF">
-              <a:shade val="85000"/>
-            </a:srgbClr>
-          </a:solidFill>
-          <a:ln w="88900" cap="sq">
-            <a:solidFill>
-              <a:srgbClr val="FFFFFF"/>
-            </a:solidFill>
-            <a:miter lim="800000"/>
-          </a:ln>
-          <a:effectLst/>
-        </p:spPr>
-      </p:pic>
-    </p:spTree>
-    <p:extLst>
-      <p:ext uri="{BB962C8B-B14F-4D97-AF65-F5344CB8AC3E}">
-        <p14:creationId xmlns:p14="http://schemas.microsoft.com/office/powerpoint/2010/main" val="4294128104"/>
-      </p:ext>
-    </p:extLst>
-  </p:cSld>
-  <p:clrMapOvr>
-    <a:masterClrMapping/>
-  </p:clrMapOvr>
-</p:sld>
-</file>
-
-<file path=ppt/slides/slide5.xml><?xml version="1.0" encoding="utf-8"?>
-<p:sld xmlns:a="http://schemas.openxmlformats.org/drawingml/2006/main" xmlns:r="http://schemas.openxmlformats.org/officeDocument/2006/relationships" xmlns:p="http://schemas.openxmlformats.org/presentationml/2006/main">
-  <p:cSld>
-    <p:spTree>
-      <p:nvGrpSpPr>
-        <p:cNvPr id="1" name=""/>
-        <p:cNvGrpSpPr/>
-        <p:nvPr/>
-      </p:nvGrpSpPr>
-      <p:grpSpPr>
-        <a:xfrm>
-          <a:off x="0" y="0"/>
-          <a:ext cx="0" cy="0"/>
-          <a:chOff x="0" y="0"/>
-          <a:chExt cx="0" cy="0"/>
-        </a:xfrm>
-      </p:grpSpPr>
-      <p:sp>
-        <p:nvSpPr>
-          <p:cNvPr id="2" name="标题 1">
-            <a:extLst>
-              <a:ext uri="{FF2B5EF4-FFF2-40B4-BE49-F238E27FC236}">
-                <a16:creationId xmlns:a16="http://schemas.microsoft.com/office/drawing/2014/main" id="{5EC01E2D-9CFE-4D5D-8863-3BA90731F07B}"/>
-              </a:ext>
-            </a:extLst>
-          </p:cNvPr>
-          <p:cNvSpPr>
-            <a:spLocks noGrp="1"/>
-          </p:cNvSpPr>
-          <p:nvPr>
-            <p:ph type="title"/>
-          </p:nvPr>
-        </p:nvSpPr>
-        <p:spPr/>
-        <p:txBody>
-          <a:bodyPr/>
-          <a:lstStyle/>
-          <a:p>
-            <a:r>
-              <a:rPr lang="en-US" altLang="zh-CN" dirty="0"/>
-              <a:t>Color in </a:t>
-            </a:r>
-            <a:r>
-              <a:rPr lang="en-US" altLang="zh-CN" dirty="0" err="1"/>
-              <a:t>pygame</a:t>
-            </a:r>
-            <a:endParaRPr lang="en-MY" dirty="0"/>
-          </a:p>
-        </p:txBody>
-      </p:sp>
-      <p:sp>
-        <p:nvSpPr>
-          <p:cNvPr id="9" name="内容占位符 8">
-            <a:extLst>
-              <a:ext uri="{FF2B5EF4-FFF2-40B4-BE49-F238E27FC236}">
-                <a16:creationId xmlns:a16="http://schemas.microsoft.com/office/drawing/2014/main" id="{B3A91969-9FC0-40D6-97FB-CB169B0FD70D}"/>
-              </a:ext>
-            </a:extLst>
-          </p:cNvPr>
-          <p:cNvSpPr>
-            <a:spLocks noGrp="1"/>
-          </p:cNvSpPr>
-          <p:nvPr>
-            <p:ph idx="1"/>
-          </p:nvPr>
-        </p:nvSpPr>
-        <p:spPr>
-          <a:xfrm>
-            <a:off x="685801" y="1945641"/>
-            <a:ext cx="8336279" cy="2846493"/>
-          </a:xfrm>
-        </p:spPr>
-        <p:txBody>
-          <a:bodyPr>
-            <a:normAutofit/>
-          </a:bodyPr>
-          <a:lstStyle/>
-          <a:p>
-            <a:r>
-              <a:rPr lang="en-US" dirty="0"/>
-              <a:t>In </a:t>
-            </a:r>
-            <a:r>
-              <a:rPr lang="en-US" dirty="0" err="1"/>
-              <a:t>pygame</a:t>
-            </a:r>
-            <a:r>
-              <a:rPr lang="en-US" dirty="0"/>
-              <a:t>, colors are using a system call RGB color to describe.</a:t>
-            </a:r>
-          </a:p>
-          <a:p>
-            <a:pPr lvl="1"/>
-            <a:r>
-              <a:rPr lang="en-US" dirty="0"/>
-              <a:t>3 integers tuple, each value from 0~255, to represent how much RED, GREEN, and BLUE respectively </a:t>
-            </a:r>
-          </a:p>
-          <a:p>
-            <a:r>
-              <a:rPr lang="en-US" dirty="0" err="1"/>
-              <a:t>pygame.color.THECOLORS</a:t>
-            </a:r>
-            <a:r>
-              <a:rPr lang="en-US" dirty="0"/>
-              <a:t>, has a list of name and color tuple. We can use all those color names as color in </a:t>
-            </a:r>
-            <a:r>
-              <a:rPr lang="en-US" dirty="0" err="1"/>
-              <a:t>pygame</a:t>
-            </a:r>
-            <a:r>
-              <a:rPr lang="en-US" dirty="0"/>
-              <a:t> programming.</a:t>
-            </a:r>
-          </a:p>
-          <a:p>
-            <a:r>
-              <a:rPr lang="en-US" dirty="0"/>
-              <a:t>There is a 4</a:t>
-            </a:r>
-            <a:r>
-              <a:rPr lang="en-US" baseline="30000" dirty="0"/>
-              <a:t>th</a:t>
-            </a:r>
-            <a:r>
-              <a:rPr lang="en-US" dirty="0"/>
-              <a:t> value called Alpha, which determines how much transparency:</a:t>
-            </a:r>
-          </a:p>
-          <a:p>
-            <a:pPr lvl="1"/>
-            <a:r>
-              <a:rPr lang="en-US" dirty="0"/>
-              <a:t>Alpha value also 0~255. value 0 means completely transparent, and 255 means completely no transparency.</a:t>
-            </a:r>
-          </a:p>
-        </p:txBody>
-      </p:sp>
-      <p:pic>
-        <p:nvPicPr>
-          <p:cNvPr id="4" name="Picture 3">
-            <a:extLst>
-              <a:ext uri="{FF2B5EF4-FFF2-40B4-BE49-F238E27FC236}">
-                <a16:creationId xmlns:a16="http://schemas.microsoft.com/office/drawing/2014/main" id="{73509F73-6BC8-4E55-8432-692A7CA0DA81}"/>
-              </a:ext>
-            </a:extLst>
-          </p:cNvPr>
-          <p:cNvPicPr>
-            <a:picLocks noChangeAspect="1"/>
-          </p:cNvPicPr>
-          <p:nvPr/>
-        </p:nvPicPr>
-        <p:blipFill>
-          <a:blip r:embed="rId2"/>
-          <a:stretch>
-            <a:fillRect/>
-          </a:stretch>
-        </p:blipFill>
-        <p:spPr>
-          <a:xfrm>
-            <a:off x="9154599" y="968575"/>
-            <a:ext cx="2952426" cy="1494590"/>
-          </a:xfrm>
-          <a:prstGeom prst="rect">
-            <a:avLst/>
-          </a:prstGeom>
-        </p:spPr>
-      </p:pic>
-      <p:pic>
-        <p:nvPicPr>
-          <p:cNvPr id="7" name="Picture 6">
-            <a:extLst>
-              <a:ext uri="{FF2B5EF4-FFF2-40B4-BE49-F238E27FC236}">
-                <a16:creationId xmlns:a16="http://schemas.microsoft.com/office/drawing/2014/main" id="{3E101499-A6D0-4F36-AC0A-49DA882F42A8}"/>
-              </a:ext>
-            </a:extLst>
-          </p:cNvPr>
-          <p:cNvPicPr>
-            <a:picLocks noChangeAspect="1"/>
-          </p:cNvPicPr>
-          <p:nvPr/>
-        </p:nvPicPr>
-        <p:blipFill>
-          <a:blip r:embed="rId3"/>
-          <a:stretch>
-            <a:fillRect/>
-          </a:stretch>
-        </p:blipFill>
-        <p:spPr>
-          <a:xfrm>
-            <a:off x="4793692" y="4550712"/>
-            <a:ext cx="3141511" cy="2479314"/>
-          </a:xfrm>
-          <a:prstGeom prst="rect">
-            <a:avLst/>
-          </a:prstGeom>
-        </p:spPr>
-      </p:pic>
-      <p:graphicFrame>
-        <p:nvGraphicFramePr>
-          <p:cNvPr id="6" name="Table 5">
-            <a:extLst>
-              <a:ext uri="{FF2B5EF4-FFF2-40B4-BE49-F238E27FC236}">
-                <a16:creationId xmlns:a16="http://schemas.microsoft.com/office/drawing/2014/main" id="{09195F4A-FD6F-4A35-92F2-D706281921CF}"/>
-              </a:ext>
-            </a:extLst>
-          </p:cNvPr>
-          <p:cNvGraphicFramePr>
-            <a:graphicFrameLocks noGrp="1"/>
-          </p:cNvGraphicFramePr>
-          <p:nvPr>
-            <p:extLst>
-              <p:ext uri="{D42A27DB-BD31-4B8C-83A1-F6EECF244321}">
-                <p14:modId xmlns:p14="http://schemas.microsoft.com/office/powerpoint/2010/main" val="714535883"/>
-              </p:ext>
-            </p:extLst>
-          </p:nvPr>
-        </p:nvGraphicFramePr>
-        <p:xfrm>
-          <a:off x="9154599" y="2860463"/>
-          <a:ext cx="2952426" cy="3017520"/>
-        </p:xfrm>
-        <a:graphic>
-          <a:graphicData uri="http://schemas.openxmlformats.org/drawingml/2006/table">
-            <a:tbl>
-              <a:tblPr bandRow="1">
-                <a:tableStyleId>{5C22544A-7EE6-4342-B048-85BDC9FD1C3A}</a:tableStyleId>
-              </a:tblPr>
-              <a:tblGrid>
-                <a:gridCol w="1279371">
-                  <a:extLst>
-                    <a:ext uri="{9D8B030D-6E8A-4147-A177-3AD203B41FA5}">
-                      <a16:colId xmlns:a16="http://schemas.microsoft.com/office/drawing/2014/main" val="4071813990"/>
-                    </a:ext>
-                  </a:extLst>
-                </a:gridCol>
-                <a:gridCol w="1673055">
-                  <a:extLst>
-                    <a:ext uri="{9D8B030D-6E8A-4147-A177-3AD203B41FA5}">
-                      <a16:colId xmlns:a16="http://schemas.microsoft.com/office/drawing/2014/main" val="2673373242"/>
-                    </a:ext>
-                  </a:extLst>
-                </a:gridCol>
-              </a:tblGrid>
-              <a:tr h="247969">
-                <a:tc>
-                  <a:txBody>
-                    <a:bodyPr/>
-                    <a:lstStyle/>
-                    <a:p>
-                      <a:r>
-                        <a:rPr lang="en-US" sz="1600" dirty="0"/>
-                        <a:t>Cyan</a:t>
-                      </a:r>
-                      <a:endParaRPr lang="en-MY" sz="1600" dirty="0"/>
-                    </a:p>
-                  </a:txBody>
-                  <a:tcPr/>
-                </a:tc>
-                <a:tc>
-                  <a:txBody>
-                    <a:bodyPr/>
-                    <a:lstStyle/>
-                    <a:p>
-                      <a:r>
-                        <a:rPr lang="en-US" sz="1600" dirty="0"/>
-                        <a:t>(0,255,255)</a:t>
-                      </a:r>
-                      <a:endParaRPr lang="en-MY" sz="1600" dirty="0"/>
-                    </a:p>
-                  </a:txBody>
-                  <a:tcPr/>
-                </a:tc>
-                <a:extLst>
-                  <a:ext uri="{0D108BD9-81ED-4DB2-BD59-A6C34878D82A}">
-                    <a16:rowId xmlns:a16="http://schemas.microsoft.com/office/drawing/2014/main" val="1939588768"/>
-                  </a:ext>
-                </a:extLst>
-              </a:tr>
-              <a:tr h="247969">
-                <a:tc>
-                  <a:txBody>
-                    <a:bodyPr/>
-                    <a:lstStyle/>
-                    <a:p>
-                      <a:r>
-                        <a:rPr lang="en-US" sz="1600" dirty="0"/>
-                        <a:t>Yellow</a:t>
-                      </a:r>
-                      <a:endParaRPr lang="en-MY" sz="1600" dirty="0"/>
-                    </a:p>
-                  </a:txBody>
-                  <a:tcPr/>
-                </a:tc>
-                <a:tc>
-                  <a:txBody>
-                    <a:bodyPr/>
-                    <a:lstStyle/>
-                    <a:p>
-                      <a:r>
-                        <a:rPr lang="en-US" sz="1600" dirty="0"/>
-                        <a:t>(255,255,0)</a:t>
-                      </a:r>
-                      <a:endParaRPr lang="en-MY" sz="1600" dirty="0"/>
-                    </a:p>
-                  </a:txBody>
-                  <a:tcPr/>
-                </a:tc>
-                <a:extLst>
-                  <a:ext uri="{0D108BD9-81ED-4DB2-BD59-A6C34878D82A}">
-                    <a16:rowId xmlns:a16="http://schemas.microsoft.com/office/drawing/2014/main" val="352454811"/>
-                  </a:ext>
-                </a:extLst>
-              </a:tr>
-              <a:tr h="247969">
-                <a:tc>
-                  <a:txBody>
-                    <a:bodyPr/>
-                    <a:lstStyle/>
-                    <a:p>
-                      <a:r>
-                        <a:rPr lang="en-US" sz="1600" dirty="0"/>
-                        <a:t>Fuchsia</a:t>
-                      </a:r>
-                      <a:endParaRPr lang="en-MY" sz="1600" dirty="0"/>
-                    </a:p>
-                  </a:txBody>
-                  <a:tcPr/>
-                </a:tc>
-                <a:tc>
-                  <a:txBody>
-                    <a:bodyPr/>
-                    <a:lstStyle/>
-                    <a:p>
-                      <a:r>
-                        <a:rPr lang="en-US" sz="1600" dirty="0"/>
-                        <a:t>(255,0,255)</a:t>
-                      </a:r>
-                      <a:endParaRPr lang="en-MY" sz="1600" dirty="0"/>
-                    </a:p>
-                  </a:txBody>
-                  <a:tcPr/>
-                </a:tc>
-                <a:extLst>
-                  <a:ext uri="{0D108BD9-81ED-4DB2-BD59-A6C34878D82A}">
-                    <a16:rowId xmlns:a16="http://schemas.microsoft.com/office/drawing/2014/main" val="1232549856"/>
-                  </a:ext>
-                </a:extLst>
-              </a:tr>
-              <a:tr h="247969">
-                <a:tc>
-                  <a:txBody>
-                    <a:bodyPr/>
-                    <a:lstStyle/>
-                    <a:p>
-                      <a:r>
-                        <a:rPr lang="en-US" sz="1600" dirty="0"/>
-                        <a:t>Purple</a:t>
-                      </a:r>
-                      <a:endParaRPr lang="en-MY" sz="1600" dirty="0"/>
-                    </a:p>
-                  </a:txBody>
-                  <a:tcPr/>
-                </a:tc>
-                <a:tc>
-                  <a:txBody>
-                    <a:bodyPr/>
-                    <a:lstStyle/>
-                    <a:p>
-                      <a:r>
-                        <a:rPr lang="en-US" sz="1600" dirty="0"/>
-                        <a:t>(128,0,128)</a:t>
-                      </a:r>
-                      <a:endParaRPr lang="en-MY" sz="1600" dirty="0"/>
-                    </a:p>
-                  </a:txBody>
-                  <a:tcPr/>
-                </a:tc>
-                <a:extLst>
-                  <a:ext uri="{0D108BD9-81ED-4DB2-BD59-A6C34878D82A}">
-                    <a16:rowId xmlns:a16="http://schemas.microsoft.com/office/drawing/2014/main" val="2286869215"/>
-                  </a:ext>
-                </a:extLst>
-              </a:tr>
-              <a:tr h="247969">
-                <a:tc>
-                  <a:txBody>
-                    <a:bodyPr/>
-                    <a:lstStyle/>
-                    <a:p>
-                      <a:r>
-                        <a:rPr lang="en-US" sz="1600" dirty="0"/>
-                        <a:t>Gray</a:t>
-                      </a:r>
-                      <a:endParaRPr lang="en-MY" sz="1600" dirty="0"/>
-                    </a:p>
-                  </a:txBody>
-                  <a:tcPr/>
-                </a:tc>
-                <a:tc>
-                  <a:txBody>
-                    <a:bodyPr/>
-                    <a:lstStyle/>
-                    <a:p>
-                      <a:r>
-                        <a:rPr lang="en-US" sz="1600" dirty="0"/>
-                        <a:t>(128,128,128)</a:t>
-                      </a:r>
-                      <a:endParaRPr lang="en-MY" sz="1600" dirty="0"/>
-                    </a:p>
-                  </a:txBody>
-                  <a:tcPr/>
-                </a:tc>
-                <a:extLst>
-                  <a:ext uri="{0D108BD9-81ED-4DB2-BD59-A6C34878D82A}">
-                    <a16:rowId xmlns:a16="http://schemas.microsoft.com/office/drawing/2014/main" val="3635192254"/>
-                  </a:ext>
-                </a:extLst>
-              </a:tr>
-              <a:tr h="247969">
-                <a:tc>
-                  <a:txBody>
-                    <a:bodyPr/>
-                    <a:lstStyle/>
-                    <a:p>
-                      <a:r>
-                        <a:rPr lang="en-US" sz="1600" dirty="0"/>
-                        <a:t>Silver</a:t>
-                      </a:r>
-                      <a:endParaRPr lang="en-MY" sz="1600" dirty="0"/>
-                    </a:p>
-                  </a:txBody>
-                  <a:tcPr/>
-                </a:tc>
-                <a:tc>
-                  <a:txBody>
-                    <a:bodyPr/>
-                    <a:lstStyle/>
-                    <a:p>
-                      <a:r>
-                        <a:rPr lang="en-US" sz="1600" dirty="0"/>
-                        <a:t>(192,192,192)</a:t>
-                      </a:r>
-                      <a:endParaRPr lang="en-MY" sz="1600" dirty="0"/>
-                    </a:p>
-                  </a:txBody>
-                  <a:tcPr/>
-                </a:tc>
-                <a:extLst>
-                  <a:ext uri="{0D108BD9-81ED-4DB2-BD59-A6C34878D82A}">
-                    <a16:rowId xmlns:a16="http://schemas.microsoft.com/office/drawing/2014/main" val="2113775892"/>
-                  </a:ext>
-                </a:extLst>
-              </a:tr>
-              <a:tr h="247969">
-                <a:tc>
-                  <a:txBody>
-                    <a:bodyPr/>
-                    <a:lstStyle/>
-                    <a:p>
-                      <a:r>
-                        <a:rPr lang="en-US" sz="1600" dirty="0"/>
-                        <a:t>Pink</a:t>
-                      </a:r>
-                      <a:endParaRPr lang="en-MY" sz="1600" dirty="0"/>
-                    </a:p>
-                  </a:txBody>
-                  <a:tcPr/>
-                </a:tc>
-                <a:tc>
-                  <a:txBody>
-                    <a:bodyPr/>
-                    <a:lstStyle/>
-                    <a:p>
-                      <a:r>
-                        <a:rPr lang="en-US" sz="1600" dirty="0"/>
-                        <a:t>(255,192,203)</a:t>
-                      </a:r>
-                      <a:endParaRPr lang="en-MY" sz="1600" dirty="0"/>
-                    </a:p>
-                  </a:txBody>
-                  <a:tcPr/>
-                </a:tc>
-                <a:extLst>
-                  <a:ext uri="{0D108BD9-81ED-4DB2-BD59-A6C34878D82A}">
-                    <a16:rowId xmlns:a16="http://schemas.microsoft.com/office/drawing/2014/main" val="2473773138"/>
-                  </a:ext>
-                </a:extLst>
-              </a:tr>
-              <a:tr h="247969">
-                <a:tc>
-                  <a:txBody>
-                    <a:bodyPr/>
-                    <a:lstStyle/>
-                    <a:p>
-                      <a:r>
-                        <a:rPr lang="en-US" sz="1600" dirty="0"/>
-                        <a:t>Brown</a:t>
-                      </a:r>
-                      <a:endParaRPr lang="en-MY" sz="1600" dirty="0"/>
-                    </a:p>
-                  </a:txBody>
-                  <a:tcPr/>
-                </a:tc>
-                <a:tc>
-                  <a:txBody>
-                    <a:bodyPr/>
-                    <a:lstStyle/>
-                    <a:p>
-                      <a:r>
-                        <a:rPr lang="en-US" sz="1600" dirty="0"/>
-                        <a:t>(165,42,42)</a:t>
-                      </a:r>
-                      <a:endParaRPr lang="en-MY" sz="1600" dirty="0"/>
-                    </a:p>
-                  </a:txBody>
-                  <a:tcPr/>
-                </a:tc>
-                <a:extLst>
-                  <a:ext uri="{0D108BD9-81ED-4DB2-BD59-A6C34878D82A}">
-                    <a16:rowId xmlns:a16="http://schemas.microsoft.com/office/drawing/2014/main" val="3065156057"/>
-                  </a:ext>
-                </a:extLst>
-              </a:tr>
-              <a:tr h="247969">
-                <a:tc>
-                  <a:txBody>
-                    <a:bodyPr/>
-                    <a:lstStyle/>
-                    <a:p>
-                      <a:r>
-                        <a:rPr lang="en-US" sz="1600" dirty="0"/>
-                        <a:t>Orange</a:t>
-                      </a:r>
-                      <a:endParaRPr lang="en-MY" sz="1600" dirty="0"/>
-                    </a:p>
-                  </a:txBody>
-                  <a:tcPr/>
-                </a:tc>
-                <a:tc>
-                  <a:txBody>
-                    <a:bodyPr/>
-                    <a:lstStyle/>
-                    <a:p>
-                      <a:r>
-                        <a:rPr lang="en-US" sz="1600" dirty="0"/>
-                        <a:t>(255,165,0)</a:t>
-                      </a:r>
-                      <a:endParaRPr lang="en-MY" sz="1600" dirty="0"/>
-                    </a:p>
-                  </a:txBody>
-                  <a:tcPr/>
-                </a:tc>
-                <a:extLst>
-                  <a:ext uri="{0D108BD9-81ED-4DB2-BD59-A6C34878D82A}">
-                    <a16:rowId xmlns:a16="http://schemas.microsoft.com/office/drawing/2014/main" val="2903059546"/>
-                  </a:ext>
-                </a:extLst>
-              </a:tr>
-            </a:tbl>
-          </a:graphicData>
-        </a:graphic>
-      </p:graphicFrame>
-    </p:spTree>
-    <p:extLst>
-      <p:ext uri="{BB962C8B-B14F-4D97-AF65-F5344CB8AC3E}">
-        <p14:creationId xmlns:p14="http://schemas.microsoft.com/office/powerpoint/2010/main" val="3034644185"/>
-      </p:ext>
-    </p:extLst>
-  </p:cSld>
-  <p:clrMapOvr>
-    <a:masterClrMapping/>
-  </p:clrMapOvr>
-</p:sld>
-</file>
-
-<file path=ppt/slides/slide6.xml><?xml version="1.0" encoding="utf-8"?>
-<p:sld xmlns:a="http://schemas.openxmlformats.org/drawingml/2006/main" xmlns:r="http://schemas.openxmlformats.org/officeDocument/2006/relationships" xmlns:p="http://schemas.openxmlformats.org/presentationml/2006/main">
-  <p:cSld>
-    <p:spTree>
-      <p:nvGrpSpPr>
-        <p:cNvPr id="1" name=""/>
-        <p:cNvGrpSpPr/>
-        <p:nvPr/>
-      </p:nvGrpSpPr>
-      <p:grpSpPr>
-        <a:xfrm>
-          <a:off x="0" y="0"/>
-          <a:ext cx="0" cy="0"/>
-          <a:chOff x="0" y="0"/>
-          <a:chExt cx="0" cy="0"/>
-        </a:xfrm>
-      </p:grpSpPr>
-      <p:sp>
-        <p:nvSpPr>
-          <p:cNvPr id="2" name="标题 1">
-            <a:extLst>
-              <a:ext uri="{FF2B5EF4-FFF2-40B4-BE49-F238E27FC236}">
-                <a16:creationId xmlns:a16="http://schemas.microsoft.com/office/drawing/2014/main" id="{5EC01E2D-9CFE-4D5D-8863-3BA90731F07B}"/>
-              </a:ext>
-            </a:extLst>
-          </p:cNvPr>
-          <p:cNvSpPr>
-            <a:spLocks noGrp="1"/>
-          </p:cNvSpPr>
-          <p:nvPr>
-            <p:ph type="title"/>
-          </p:nvPr>
-        </p:nvSpPr>
-        <p:spPr/>
-        <p:txBody>
-          <a:bodyPr/>
-          <a:lstStyle/>
-          <a:p>
-            <a:r>
-              <a:rPr lang="en-US" altLang="zh-CN" dirty="0"/>
-              <a:t>Animation: how to make movement</a:t>
-            </a:r>
-            <a:endParaRPr lang="en-MY" dirty="0"/>
-          </a:p>
-        </p:txBody>
-      </p:sp>
-      <p:sp>
-        <p:nvSpPr>
-          <p:cNvPr id="9" name="内容占位符 8">
-            <a:extLst>
-              <a:ext uri="{FF2B5EF4-FFF2-40B4-BE49-F238E27FC236}">
-                <a16:creationId xmlns:a16="http://schemas.microsoft.com/office/drawing/2014/main" id="{B3A91969-9FC0-40D6-97FB-CB169B0FD70D}"/>
-              </a:ext>
-            </a:extLst>
-          </p:cNvPr>
-          <p:cNvSpPr>
-            <a:spLocks noGrp="1"/>
-          </p:cNvSpPr>
-          <p:nvPr>
-            <p:ph idx="1"/>
-          </p:nvPr>
-        </p:nvSpPr>
-        <p:spPr>
-          <a:xfrm>
-            <a:off x="685801" y="2142067"/>
-            <a:ext cx="6730999" cy="3425613"/>
-          </a:xfrm>
-        </p:spPr>
-        <p:txBody>
-          <a:bodyPr>
-            <a:normAutofit/>
-          </a:bodyPr>
-          <a:lstStyle/>
-          <a:p>
-            <a:r>
-              <a:rPr lang="en-US" dirty="0"/>
-              <a:t>In </a:t>
-            </a:r>
-            <a:r>
-              <a:rPr lang="en-US" dirty="0" err="1"/>
-              <a:t>pygame</a:t>
-            </a:r>
-            <a:r>
-              <a:rPr lang="en-US" dirty="0"/>
-              <a:t>, the movement is achieved using </a:t>
-            </a:r>
-            <a:r>
-              <a:rPr lang="en-US" dirty="0">
-                <a:solidFill>
-                  <a:srgbClr val="FFC000"/>
-                </a:solidFill>
-              </a:rPr>
-              <a:t>a series of picture </a:t>
-            </a:r>
-            <a:r>
-              <a:rPr lang="en-US" dirty="0"/>
-              <a:t>shown, it is called frames. How many frames shown each second, is call the frame rate (FPS).</a:t>
-            </a:r>
-          </a:p>
-          <a:p>
-            <a:r>
-              <a:rPr lang="en-US" dirty="0"/>
-              <a:t>Each round of the game loop, program draw a picture on screen. </a:t>
-            </a:r>
-          </a:p>
-          <a:p>
-            <a:r>
-              <a:rPr lang="en-US" dirty="0"/>
-              <a:t>A moving rectangle program:</a:t>
-            </a:r>
-          </a:p>
-          <a:p>
-            <a:pPr lvl="1"/>
-            <a:r>
-              <a:rPr lang="en-US" dirty="0"/>
-              <a:t>Each round of the game loop, draw rectangle with a small location different to last loop.</a:t>
-            </a:r>
-          </a:p>
-          <a:p>
-            <a:pPr lvl="1"/>
-            <a:r>
-              <a:rPr lang="en-US" dirty="0"/>
-              <a:t>When reach edge bounce back.</a:t>
-            </a:r>
-          </a:p>
-        </p:txBody>
-      </p:sp>
-      <p:pic>
-        <p:nvPicPr>
-          <p:cNvPr id="5" name="Picture 4">
-            <a:extLst>
-              <a:ext uri="{FF2B5EF4-FFF2-40B4-BE49-F238E27FC236}">
-                <a16:creationId xmlns:a16="http://schemas.microsoft.com/office/drawing/2014/main" id="{D8798D17-08FB-4B17-A4D0-E2E0ED41D7DD}"/>
-              </a:ext>
-            </a:extLst>
-          </p:cNvPr>
-          <p:cNvPicPr>
-            <a:picLocks noChangeAspect="1"/>
-          </p:cNvPicPr>
-          <p:nvPr/>
-        </p:nvPicPr>
-        <p:blipFill>
-          <a:blip r:embed="rId2"/>
-          <a:stretch>
-            <a:fillRect/>
-          </a:stretch>
-        </p:blipFill>
-        <p:spPr>
-          <a:xfrm>
-            <a:off x="7962734" y="2065867"/>
-            <a:ext cx="3825572" cy="4115157"/>
-          </a:xfrm>
-          <a:prstGeom prst="rect">
-            <a:avLst/>
-          </a:prstGeom>
-        </p:spPr>
-      </p:pic>
-    </p:spTree>
-    <p:extLst>
-      <p:ext uri="{BB962C8B-B14F-4D97-AF65-F5344CB8AC3E}">
-        <p14:creationId xmlns:p14="http://schemas.microsoft.com/office/powerpoint/2010/main" val="4197735747"/>
-      </p:ext>
-    </p:extLst>
-  </p:cSld>
-  <p:clrMapOvr>
-    <a:masterClrMapping/>
-  </p:clrMapOvr>
-</p:sld>
-</file>
-
-<file path=ppt/slides/slide7.xml><?xml version="1.0" encoding="utf-8"?>
-<p:sld xmlns:a="http://schemas.openxmlformats.org/drawingml/2006/main" xmlns:r="http://schemas.openxmlformats.org/officeDocument/2006/relationships" xmlns:p="http://schemas.openxmlformats.org/presentationml/2006/main">
-  <p:cSld>
-    <p:spTree>
-      <p:nvGrpSpPr>
-        <p:cNvPr id="1" name=""/>
-        <p:cNvGrpSpPr/>
-        <p:nvPr/>
-      </p:nvGrpSpPr>
-      <p:grpSpPr>
-        <a:xfrm>
-          <a:off x="0" y="0"/>
-          <a:ext cx="0" cy="0"/>
-          <a:chOff x="0" y="0"/>
-          <a:chExt cx="0" cy="0"/>
-        </a:xfrm>
-      </p:grpSpPr>
-      <p:sp>
-        <p:nvSpPr>
-          <p:cNvPr id="2" name="标题 1">
-            <a:extLst>
-              <a:ext uri="{FF2B5EF4-FFF2-40B4-BE49-F238E27FC236}">
-                <a16:creationId xmlns:a16="http://schemas.microsoft.com/office/drawing/2014/main" id="{5EC01E2D-9CFE-4D5D-8863-3BA90731F07B}"/>
-              </a:ext>
-            </a:extLst>
-          </p:cNvPr>
-          <p:cNvSpPr>
-            <a:spLocks noGrp="1"/>
-          </p:cNvSpPr>
-          <p:nvPr>
-            <p:ph type="title"/>
-          </p:nvPr>
-        </p:nvSpPr>
-        <p:spPr/>
-        <p:txBody>
-          <a:bodyPr/>
-          <a:lstStyle/>
-          <a:p>
-            <a:r>
-              <a:rPr lang="en-US" altLang="zh-CN" dirty="0"/>
-              <a:t>Event detailed</a:t>
-            </a:r>
-            <a:endParaRPr lang="en-MY" dirty="0"/>
-          </a:p>
-        </p:txBody>
-      </p:sp>
-      <p:sp>
-        <p:nvSpPr>
-          <p:cNvPr id="9" name="内容占位符 8">
-            <a:extLst>
-              <a:ext uri="{FF2B5EF4-FFF2-40B4-BE49-F238E27FC236}">
-                <a16:creationId xmlns:a16="http://schemas.microsoft.com/office/drawing/2014/main" id="{B3A91969-9FC0-40D6-97FB-CB169B0FD70D}"/>
-              </a:ext>
-            </a:extLst>
-          </p:cNvPr>
-          <p:cNvSpPr>
-            <a:spLocks noGrp="1"/>
-          </p:cNvSpPr>
-          <p:nvPr>
-            <p:ph idx="1"/>
-          </p:nvPr>
-        </p:nvSpPr>
-        <p:spPr>
-          <a:xfrm>
-            <a:off x="685801" y="2142067"/>
-            <a:ext cx="9810749" cy="3715808"/>
-          </a:xfrm>
-        </p:spPr>
-        <p:txBody>
-          <a:bodyPr>
-            <a:normAutofit/>
-          </a:bodyPr>
-          <a:lstStyle/>
-          <a:p>
-            <a:r>
-              <a:rPr lang="en-US" dirty="0" err="1"/>
-              <a:t>Pygame</a:t>
-            </a:r>
-            <a:r>
-              <a:rPr lang="en-US" dirty="0"/>
-              <a:t> support player using many device to control the game sprite to move and perform certain action. The normal device we use when playing on computer is keyboard and mouse.</a:t>
-            </a:r>
-          </a:p>
-          <a:p>
-            <a:r>
-              <a:rPr lang="en-US" dirty="0"/>
-              <a:t>The event that related to keyboard and mouse are: key pressed down, key released, mouse button pressed, mouse button released, mouse movement.</a:t>
-            </a:r>
-          </a:p>
-          <a:p>
-            <a:r>
-              <a:rPr lang="en-US" dirty="0"/>
-              <a:t>Change the moving rectangle program:</a:t>
-            </a:r>
-          </a:p>
-          <a:p>
-            <a:pPr lvl="1"/>
-            <a:r>
-              <a:rPr lang="en-US" dirty="0"/>
-              <a:t>Allow player use keyboard to control the movement of the big rectangle.</a:t>
-            </a:r>
-          </a:p>
-          <a:p>
-            <a:pPr lvl="1"/>
-            <a:r>
-              <a:rPr lang="en-US" dirty="0"/>
-              <a:t>Mouse click will create some secret rectangles and it can also be eaten.</a:t>
-            </a:r>
-          </a:p>
-        </p:txBody>
-      </p:sp>
-    </p:spTree>
-    <p:extLst>
-      <p:ext uri="{BB962C8B-B14F-4D97-AF65-F5344CB8AC3E}">
-        <p14:creationId xmlns:p14="http://schemas.microsoft.com/office/powerpoint/2010/main" val="1651102495"/>
-      </p:ext>
-    </p:extLst>
-  </p:cSld>
-  <p:clrMapOvr>
-    <a:masterClrMapping/>
-  </p:clrMapOvr>
-</p:sld>
-</file>
-
-<file path=ppt/slides/slide8.xml><?xml version="1.0" encoding="utf-8"?>
 <p:sld xmlns:a="http://schemas.openxmlformats.org/drawingml/2006/main" xmlns:r="http://schemas.openxmlformats.org/officeDocument/2006/relationships" xmlns:p="http://schemas.openxmlformats.org/presentationml/2006/main">
   <p:cSld>
     <p:spTree>
@@ -11409,6 +11745,3050 @@
 </p:sld>
 </file>
 
+<file path=ppt/slides/slide11.xml><?xml version="1.0" encoding="utf-8"?>
+<p:sld xmlns:a="http://schemas.openxmlformats.org/drawingml/2006/main" xmlns:r="http://schemas.openxmlformats.org/officeDocument/2006/relationships" xmlns:p="http://schemas.openxmlformats.org/presentationml/2006/main">
+  <p:cSld>
+    <p:spTree>
+      <p:nvGrpSpPr>
+        <p:cNvPr id="1" name=""/>
+        <p:cNvGrpSpPr/>
+        <p:nvPr/>
+      </p:nvGrpSpPr>
+      <p:grpSpPr>
+        <a:xfrm>
+          <a:off x="0" y="0"/>
+          <a:ext cx="0" cy="0"/>
+          <a:chOff x="0" y="0"/>
+          <a:chExt cx="0" cy="0"/>
+        </a:xfrm>
+      </p:grpSpPr>
+      <p:sp>
+        <p:nvSpPr>
+          <p:cNvPr id="2" name="标题 1">
+            <a:extLst>
+              <a:ext uri="{FF2B5EF4-FFF2-40B4-BE49-F238E27FC236}">
+                <a16:creationId xmlns:a16="http://schemas.microsoft.com/office/drawing/2014/main" id="{5EC01E2D-9CFE-4D5D-8863-3BA90731F07B}"/>
+              </a:ext>
+            </a:extLst>
+          </p:cNvPr>
+          <p:cNvSpPr>
+            <a:spLocks noGrp="1"/>
+          </p:cNvSpPr>
+          <p:nvPr>
+            <p:ph type="title"/>
+          </p:nvPr>
+        </p:nvSpPr>
+        <p:spPr>
+          <a:xfrm>
+            <a:off x="344056" y="674254"/>
+            <a:ext cx="2140526" cy="3269673"/>
+          </a:xfrm>
+        </p:spPr>
+        <p:txBody>
+          <a:bodyPr>
+            <a:normAutofit/>
+          </a:bodyPr>
+          <a:lstStyle/>
+          <a:p>
+            <a:r>
+              <a:rPr lang="en-US" altLang="zh-CN" dirty="0"/>
+              <a:t>Watch all the </a:t>
+            </a:r>
+            <a:r>
+              <a:rPr lang="en-US" altLang="zh-CN" dirty="0" err="1"/>
+              <a:t>pygame</a:t>
+            </a:r>
+            <a:r>
+              <a:rPr lang="en-US" altLang="zh-CN" dirty="0"/>
+              <a:t> Events</a:t>
+            </a:r>
+            <a:endParaRPr lang="en-MY" dirty="0"/>
+          </a:p>
+        </p:txBody>
+      </p:sp>
+      <p:pic>
+        <p:nvPicPr>
+          <p:cNvPr id="5" name="Picture 4">
+            <a:extLst>
+              <a:ext uri="{FF2B5EF4-FFF2-40B4-BE49-F238E27FC236}">
+                <a16:creationId xmlns:a16="http://schemas.microsoft.com/office/drawing/2014/main" id="{5856B468-528F-4537-AC1C-5D552301C3CA}"/>
+              </a:ext>
+            </a:extLst>
+          </p:cNvPr>
+          <p:cNvPicPr>
+            <a:picLocks noChangeAspect="1"/>
+          </p:cNvPicPr>
+          <p:nvPr/>
+        </p:nvPicPr>
+        <p:blipFill>
+          <a:blip r:embed="rId2"/>
+          <a:stretch>
+            <a:fillRect/>
+          </a:stretch>
+        </p:blipFill>
+        <p:spPr>
+          <a:xfrm>
+            <a:off x="2261443" y="0"/>
+            <a:ext cx="4093176" cy="6858000"/>
+          </a:xfrm>
+          <a:prstGeom prst="rect">
+            <a:avLst/>
+          </a:prstGeom>
+        </p:spPr>
+      </p:pic>
+      <p:pic>
+        <p:nvPicPr>
+          <p:cNvPr id="10" name="Picture 9">
+            <a:extLst>
+              <a:ext uri="{FF2B5EF4-FFF2-40B4-BE49-F238E27FC236}">
+                <a16:creationId xmlns:a16="http://schemas.microsoft.com/office/drawing/2014/main" id="{48304CB7-797E-4C5B-93CA-7B818754C42B}"/>
+              </a:ext>
+            </a:extLst>
+          </p:cNvPr>
+          <p:cNvPicPr>
+            <a:picLocks noChangeAspect="1"/>
+          </p:cNvPicPr>
+          <p:nvPr/>
+        </p:nvPicPr>
+        <p:blipFill>
+          <a:blip r:embed="rId3"/>
+          <a:stretch>
+            <a:fillRect/>
+          </a:stretch>
+        </p:blipFill>
+        <p:spPr>
+          <a:xfrm>
+            <a:off x="6763287" y="0"/>
+            <a:ext cx="4706007" cy="952633"/>
+          </a:xfrm>
+          <a:prstGeom prst="rect">
+            <a:avLst/>
+          </a:prstGeom>
+        </p:spPr>
+      </p:pic>
+      <p:sp>
+        <p:nvSpPr>
+          <p:cNvPr id="11" name="内容占位符 8">
+            <a:extLst>
+              <a:ext uri="{FF2B5EF4-FFF2-40B4-BE49-F238E27FC236}">
+                <a16:creationId xmlns:a16="http://schemas.microsoft.com/office/drawing/2014/main" id="{BF332669-5808-4560-8646-722B467CC9E6}"/>
+              </a:ext>
+            </a:extLst>
+          </p:cNvPr>
+          <p:cNvSpPr>
+            <a:spLocks noGrp="1"/>
+          </p:cNvSpPr>
+          <p:nvPr>
+            <p:ph idx="1"/>
+          </p:nvPr>
+        </p:nvSpPr>
+        <p:spPr>
+          <a:xfrm>
+            <a:off x="6763287" y="2142067"/>
+            <a:ext cx="5299404" cy="3715808"/>
+          </a:xfrm>
+        </p:spPr>
+        <p:txBody>
+          <a:bodyPr>
+            <a:normAutofit/>
+          </a:bodyPr>
+          <a:lstStyle/>
+          <a:p>
+            <a:r>
+              <a:rPr lang="en-US" dirty="0"/>
+              <a:t>Before QUIT, there always a WINDOWCLOSE event.</a:t>
+            </a:r>
+          </a:p>
+          <a:p>
+            <a:r>
+              <a:rPr lang="en-US" dirty="0"/>
+              <a:t>“Alt + F4” key combination DOWN and UP event cannot detect. The actual event is WINDOWCLOSE and QUIT.</a:t>
+            </a:r>
+          </a:p>
+          <a:p>
+            <a:endParaRPr lang="en-US" dirty="0"/>
+          </a:p>
+        </p:txBody>
+      </p:sp>
+    </p:spTree>
+    <p:extLst>
+      <p:ext uri="{BB962C8B-B14F-4D97-AF65-F5344CB8AC3E}">
+        <p14:creationId xmlns:p14="http://schemas.microsoft.com/office/powerpoint/2010/main" val="1026844211"/>
+      </p:ext>
+    </p:extLst>
+  </p:cSld>
+  <p:clrMapOvr>
+    <a:masterClrMapping/>
+  </p:clrMapOvr>
+</p:sld>
+</file>
+
+<file path=ppt/slides/slide12.xml><?xml version="1.0" encoding="utf-8"?>
+<p:sld xmlns:a="http://schemas.openxmlformats.org/drawingml/2006/main" xmlns:r="http://schemas.openxmlformats.org/officeDocument/2006/relationships" xmlns:p="http://schemas.openxmlformats.org/presentationml/2006/main">
+  <p:cSld>
+    <p:spTree>
+      <p:nvGrpSpPr>
+        <p:cNvPr id="1" name=""/>
+        <p:cNvGrpSpPr/>
+        <p:nvPr/>
+      </p:nvGrpSpPr>
+      <p:grpSpPr>
+        <a:xfrm>
+          <a:off x="0" y="0"/>
+          <a:ext cx="0" cy="0"/>
+          <a:chOff x="0" y="0"/>
+          <a:chExt cx="0" cy="0"/>
+        </a:xfrm>
+      </p:grpSpPr>
+      <p:sp>
+        <p:nvSpPr>
+          <p:cNvPr id="2" name="标题 1">
+            <a:extLst>
+              <a:ext uri="{FF2B5EF4-FFF2-40B4-BE49-F238E27FC236}">
+                <a16:creationId xmlns:a16="http://schemas.microsoft.com/office/drawing/2014/main" id="{5EC01E2D-9CFE-4D5D-8863-3BA90731F07B}"/>
+              </a:ext>
+            </a:extLst>
+          </p:cNvPr>
+          <p:cNvSpPr>
+            <a:spLocks noGrp="1"/>
+          </p:cNvSpPr>
+          <p:nvPr>
+            <p:ph type="title"/>
+          </p:nvPr>
+        </p:nvSpPr>
+        <p:spPr>
+          <a:xfrm>
+            <a:off x="685802" y="609600"/>
+            <a:ext cx="4267198" cy="1456267"/>
+          </a:xfrm>
+        </p:spPr>
+        <p:txBody>
+          <a:bodyPr>
+            <a:normAutofit fontScale="90000"/>
+          </a:bodyPr>
+          <a:lstStyle/>
+          <a:p>
+            <a:r>
+              <a:rPr lang="en-US" altLang="zh-CN" dirty="0"/>
+              <a:t>Event detailed: main event processing logic</a:t>
+            </a:r>
+            <a:endParaRPr lang="en-MY" dirty="0"/>
+          </a:p>
+        </p:txBody>
+      </p:sp>
+      <p:pic>
+        <p:nvPicPr>
+          <p:cNvPr id="5" name="Picture 4">
+            <a:extLst>
+              <a:ext uri="{FF2B5EF4-FFF2-40B4-BE49-F238E27FC236}">
+                <a16:creationId xmlns:a16="http://schemas.microsoft.com/office/drawing/2014/main" id="{8A6DD500-91BD-47E0-80A2-2ACC8A8DD136}"/>
+              </a:ext>
+            </a:extLst>
+          </p:cNvPr>
+          <p:cNvPicPr>
+            <a:picLocks noChangeAspect="1"/>
+          </p:cNvPicPr>
+          <p:nvPr/>
+        </p:nvPicPr>
+        <p:blipFill>
+          <a:blip r:embed="rId2"/>
+          <a:stretch>
+            <a:fillRect/>
+          </a:stretch>
+        </p:blipFill>
+        <p:spPr>
+          <a:xfrm>
+            <a:off x="6001725" y="0"/>
+            <a:ext cx="5217750" cy="6858000"/>
+          </a:xfrm>
+          <a:prstGeom prst="rect">
+            <a:avLst/>
+          </a:prstGeom>
+        </p:spPr>
+      </p:pic>
+    </p:spTree>
+    <p:extLst>
+      <p:ext uri="{BB962C8B-B14F-4D97-AF65-F5344CB8AC3E}">
+        <p14:creationId xmlns:p14="http://schemas.microsoft.com/office/powerpoint/2010/main" val="3550856761"/>
+      </p:ext>
+    </p:extLst>
+  </p:cSld>
+  <p:clrMapOvr>
+    <a:masterClrMapping/>
+  </p:clrMapOvr>
+</p:sld>
+</file>
+
+<file path=ppt/slides/slide13.xml><?xml version="1.0" encoding="utf-8"?>
+<p:sld xmlns:a="http://schemas.openxmlformats.org/drawingml/2006/main" xmlns:r="http://schemas.openxmlformats.org/officeDocument/2006/relationships" xmlns:p="http://schemas.openxmlformats.org/presentationml/2006/main">
+  <p:cSld>
+    <p:spTree>
+      <p:nvGrpSpPr>
+        <p:cNvPr id="1" name=""/>
+        <p:cNvGrpSpPr/>
+        <p:nvPr/>
+      </p:nvGrpSpPr>
+      <p:grpSpPr>
+        <a:xfrm>
+          <a:off x="0" y="0"/>
+          <a:ext cx="0" cy="0"/>
+          <a:chOff x="0" y="0"/>
+          <a:chExt cx="0" cy="0"/>
+        </a:xfrm>
+      </p:grpSpPr>
+      <p:sp>
+        <p:nvSpPr>
+          <p:cNvPr id="2" name="标题 1">
+            <a:extLst>
+              <a:ext uri="{FF2B5EF4-FFF2-40B4-BE49-F238E27FC236}">
+                <a16:creationId xmlns:a16="http://schemas.microsoft.com/office/drawing/2014/main" id="{5EC01E2D-9CFE-4D5D-8863-3BA90731F07B}"/>
+              </a:ext>
+            </a:extLst>
+          </p:cNvPr>
+          <p:cNvSpPr>
+            <a:spLocks noGrp="1"/>
+          </p:cNvSpPr>
+          <p:nvPr>
+            <p:ph type="title"/>
+          </p:nvPr>
+        </p:nvSpPr>
+        <p:spPr/>
+        <p:txBody>
+          <a:bodyPr/>
+          <a:lstStyle/>
+          <a:p>
+            <a:r>
+              <a:rPr lang="en-US" altLang="zh-CN" dirty="0"/>
+              <a:t>Control and collision together</a:t>
+            </a:r>
+            <a:endParaRPr lang="en-MY" dirty="0"/>
+          </a:p>
+        </p:txBody>
+      </p:sp>
+      <p:sp>
+        <p:nvSpPr>
+          <p:cNvPr id="9" name="内容占位符 8">
+            <a:extLst>
+              <a:ext uri="{FF2B5EF4-FFF2-40B4-BE49-F238E27FC236}">
+                <a16:creationId xmlns:a16="http://schemas.microsoft.com/office/drawing/2014/main" id="{B3A91969-9FC0-40D6-97FB-CB169B0FD70D}"/>
+              </a:ext>
+            </a:extLst>
+          </p:cNvPr>
+          <p:cNvSpPr>
+            <a:spLocks noGrp="1"/>
+          </p:cNvSpPr>
+          <p:nvPr>
+            <p:ph idx="1"/>
+          </p:nvPr>
+        </p:nvSpPr>
+        <p:spPr>
+          <a:xfrm>
+            <a:off x="685801" y="2142067"/>
+            <a:ext cx="6730999" cy="3425613"/>
+          </a:xfrm>
+        </p:spPr>
+        <p:txBody>
+          <a:bodyPr>
+            <a:normAutofit/>
+          </a:bodyPr>
+          <a:lstStyle/>
+          <a:p>
+            <a:r>
+              <a:rPr lang="en-US" dirty="0"/>
+              <a:t>Design a kind of game, the big block under control to move.</a:t>
+            </a:r>
+          </a:p>
+          <a:p>
+            <a:r>
+              <a:rPr lang="en-US" dirty="0"/>
+              <a:t>When it collide with small block, it will eat it and grow to bigger size.</a:t>
+            </a:r>
+          </a:p>
+          <a:p>
+            <a:r>
+              <a:rPr lang="en-US" dirty="0"/>
+              <a:t>Small block which was eaten, will disappear.</a:t>
+            </a:r>
+          </a:p>
+          <a:p>
+            <a:r>
+              <a:rPr lang="en-US" dirty="0"/>
+              <a:t>Game will regenerate one small block after certain time, if total is less than 10</a:t>
+            </a:r>
+          </a:p>
+          <a:p>
+            <a:endParaRPr lang="en-US" dirty="0"/>
+          </a:p>
+          <a:p>
+            <a:r>
+              <a:rPr lang="en-US" dirty="0"/>
+              <a:t>Addition: add mouse click respond, make a new small block with different color in the place mouse clicked.</a:t>
+            </a:r>
+          </a:p>
+        </p:txBody>
+      </p:sp>
+      <p:pic>
+        <p:nvPicPr>
+          <p:cNvPr id="4" name="Picture 3">
+            <a:extLst>
+              <a:ext uri="{FF2B5EF4-FFF2-40B4-BE49-F238E27FC236}">
+                <a16:creationId xmlns:a16="http://schemas.microsoft.com/office/drawing/2014/main" id="{E2C7871E-837A-4D6C-AD58-F98BF2C7E7D2}"/>
+              </a:ext>
+            </a:extLst>
+          </p:cNvPr>
+          <p:cNvPicPr>
+            <a:picLocks noChangeAspect="1"/>
+          </p:cNvPicPr>
+          <p:nvPr/>
+        </p:nvPicPr>
+        <p:blipFill>
+          <a:blip r:embed="rId2"/>
+          <a:stretch>
+            <a:fillRect/>
+          </a:stretch>
+        </p:blipFill>
+        <p:spPr>
+          <a:xfrm>
+            <a:off x="8057984" y="1970861"/>
+            <a:ext cx="3817951" cy="4115157"/>
+          </a:xfrm>
+          <a:prstGeom prst="rect">
+            <a:avLst/>
+          </a:prstGeom>
+        </p:spPr>
+      </p:pic>
+    </p:spTree>
+    <p:extLst>
+      <p:ext uri="{BB962C8B-B14F-4D97-AF65-F5344CB8AC3E}">
+        <p14:creationId xmlns:p14="http://schemas.microsoft.com/office/powerpoint/2010/main" val="1995928750"/>
+      </p:ext>
+    </p:extLst>
+  </p:cSld>
+  <p:clrMapOvr>
+    <a:masterClrMapping/>
+  </p:clrMapOvr>
+</p:sld>
+</file>
+
+<file path=ppt/slides/slide14.xml><?xml version="1.0" encoding="utf-8"?>
+<p:sld xmlns:a="http://schemas.openxmlformats.org/drawingml/2006/main" xmlns:r="http://schemas.openxmlformats.org/officeDocument/2006/relationships" xmlns:p="http://schemas.openxmlformats.org/presentationml/2006/main">
+  <p:cSld>
+    <p:spTree>
+      <p:nvGrpSpPr>
+        <p:cNvPr id="1" name=""/>
+        <p:cNvGrpSpPr/>
+        <p:nvPr/>
+      </p:nvGrpSpPr>
+      <p:grpSpPr>
+        <a:xfrm>
+          <a:off x="0" y="0"/>
+          <a:ext cx="0" cy="0"/>
+          <a:chOff x="0" y="0"/>
+          <a:chExt cx="0" cy="0"/>
+        </a:xfrm>
+      </p:grpSpPr>
+      <p:sp>
+        <p:nvSpPr>
+          <p:cNvPr id="2" name="标题 1">
+            <a:extLst>
+              <a:ext uri="{FF2B5EF4-FFF2-40B4-BE49-F238E27FC236}">
+                <a16:creationId xmlns:a16="http://schemas.microsoft.com/office/drawing/2014/main" id="{5EC01E2D-9CFE-4D5D-8863-3BA90731F07B}"/>
+              </a:ext>
+            </a:extLst>
+          </p:cNvPr>
+          <p:cNvSpPr>
+            <a:spLocks noGrp="1"/>
+          </p:cNvSpPr>
+          <p:nvPr>
+            <p:ph type="title"/>
+          </p:nvPr>
+        </p:nvSpPr>
+        <p:spPr/>
+        <p:txBody>
+          <a:bodyPr/>
+          <a:lstStyle/>
+          <a:p>
+            <a:r>
+              <a:rPr lang="en-US" altLang="zh-CN" dirty="0"/>
+              <a:t>Add sprite image and sound to game</a:t>
+            </a:r>
+            <a:endParaRPr lang="en-MY" dirty="0"/>
+          </a:p>
+        </p:txBody>
+      </p:sp>
+      <p:sp>
+        <p:nvSpPr>
+          <p:cNvPr id="5" name="内容占位符 8">
+            <a:extLst>
+              <a:ext uri="{FF2B5EF4-FFF2-40B4-BE49-F238E27FC236}">
+                <a16:creationId xmlns:a16="http://schemas.microsoft.com/office/drawing/2014/main" id="{408E7A42-6353-4DDC-9865-E8607D0CCF8A}"/>
+              </a:ext>
+            </a:extLst>
+          </p:cNvPr>
+          <p:cNvSpPr>
+            <a:spLocks noGrp="1"/>
+          </p:cNvSpPr>
+          <p:nvPr>
+            <p:ph idx="1"/>
+          </p:nvPr>
+        </p:nvSpPr>
+        <p:spPr>
+          <a:xfrm>
+            <a:off x="685801" y="2142068"/>
+            <a:ext cx="6957873" cy="3353858"/>
+          </a:xfrm>
+        </p:spPr>
+        <p:txBody>
+          <a:bodyPr>
+            <a:normAutofit/>
+          </a:bodyPr>
+          <a:lstStyle/>
+          <a:p>
+            <a:pPr marL="0" indent="0">
+              <a:buNone/>
+            </a:pPr>
+            <a:r>
+              <a:rPr lang="en-US" dirty="0"/>
+              <a:t>Change the rectangle eat program to PAC-MAN eat program</a:t>
+            </a:r>
+          </a:p>
+          <a:p>
+            <a:r>
+              <a:rPr lang="en-US" dirty="0"/>
+              <a:t>Replace large rectangle with </a:t>
+            </a:r>
+            <a:r>
+              <a:rPr lang="en-US" dirty="0" err="1"/>
+              <a:t>pac</a:t>
+            </a:r>
+            <a:r>
+              <a:rPr lang="en-US" dirty="0"/>
+              <a:t>-man picture.</a:t>
+            </a:r>
+          </a:p>
+          <a:p>
+            <a:r>
+              <a:rPr lang="en-US" dirty="0"/>
+              <a:t>Replace small rectangles with yellow dots</a:t>
+            </a:r>
+          </a:p>
+          <a:p>
+            <a:r>
+              <a:rPr lang="en-US" dirty="0"/>
+              <a:t>Change mouse click to add special type: ghost. </a:t>
+            </a:r>
+          </a:p>
+          <a:p>
+            <a:r>
+              <a:rPr lang="en-US" dirty="0"/>
+              <a:t>When eat yellow dots, </a:t>
+            </a:r>
+            <a:r>
+              <a:rPr lang="en-US" dirty="0" err="1"/>
+              <a:t>pac</a:t>
+            </a:r>
+            <a:r>
+              <a:rPr lang="en-US" dirty="0"/>
+              <a:t>-man increase size.</a:t>
+            </a:r>
+          </a:p>
+          <a:p>
+            <a:r>
+              <a:rPr lang="en-US" dirty="0"/>
+              <a:t>When eat ghost, </a:t>
+            </a:r>
+            <a:r>
+              <a:rPr lang="en-US" dirty="0" err="1"/>
+              <a:t>pac</a:t>
+            </a:r>
+            <a:r>
+              <a:rPr lang="en-US" dirty="0"/>
+              <a:t>-man reduce size.</a:t>
+            </a:r>
+          </a:p>
+          <a:p>
+            <a:r>
+              <a:rPr lang="en-US" dirty="0"/>
+              <a:t>Add background music when playing.</a:t>
+            </a:r>
+          </a:p>
+          <a:p>
+            <a:r>
+              <a:rPr lang="en-US" dirty="0"/>
+              <a:t>Add sound effect when </a:t>
+            </a:r>
+            <a:r>
+              <a:rPr lang="en-US" dirty="0" err="1"/>
+              <a:t>pac</a:t>
+            </a:r>
+            <a:r>
+              <a:rPr lang="en-US" dirty="0"/>
+              <a:t>-man eating one dot.</a:t>
+            </a:r>
+          </a:p>
+        </p:txBody>
+      </p:sp>
+      <p:pic>
+        <p:nvPicPr>
+          <p:cNvPr id="6" name="Picture 5">
+            <a:extLst>
+              <a:ext uri="{FF2B5EF4-FFF2-40B4-BE49-F238E27FC236}">
+                <a16:creationId xmlns:a16="http://schemas.microsoft.com/office/drawing/2014/main" id="{6E6C07B5-A4C7-4EFA-8760-1241E1AAED80}"/>
+              </a:ext>
+            </a:extLst>
+          </p:cNvPr>
+          <p:cNvPicPr>
+            <a:picLocks noChangeAspect="1"/>
+          </p:cNvPicPr>
+          <p:nvPr/>
+        </p:nvPicPr>
+        <p:blipFill>
+          <a:blip r:embed="rId2"/>
+          <a:stretch>
+            <a:fillRect/>
+          </a:stretch>
+        </p:blipFill>
+        <p:spPr>
+          <a:xfrm>
+            <a:off x="7643674" y="2142067"/>
+            <a:ext cx="4249636" cy="3353859"/>
+          </a:xfrm>
+          <a:prstGeom prst="rect">
+            <a:avLst/>
+          </a:prstGeom>
+        </p:spPr>
+      </p:pic>
+    </p:spTree>
+    <p:extLst>
+      <p:ext uri="{BB962C8B-B14F-4D97-AF65-F5344CB8AC3E}">
+        <p14:creationId xmlns:p14="http://schemas.microsoft.com/office/powerpoint/2010/main" val="1421403968"/>
+      </p:ext>
+    </p:extLst>
+  </p:cSld>
+  <p:clrMapOvr>
+    <a:masterClrMapping/>
+  </p:clrMapOvr>
+</p:sld>
+</file>
+
+<file path=ppt/slides/slide15.xml><?xml version="1.0" encoding="utf-8"?>
+<p:sld xmlns:a="http://schemas.openxmlformats.org/drawingml/2006/main" xmlns:r="http://schemas.openxmlformats.org/officeDocument/2006/relationships" xmlns:p="http://schemas.openxmlformats.org/presentationml/2006/main">
+  <p:cSld>
+    <p:spTree>
+      <p:nvGrpSpPr>
+        <p:cNvPr id="1" name=""/>
+        <p:cNvGrpSpPr/>
+        <p:nvPr/>
+      </p:nvGrpSpPr>
+      <p:grpSpPr>
+        <a:xfrm>
+          <a:off x="0" y="0"/>
+          <a:ext cx="0" cy="0"/>
+          <a:chOff x="0" y="0"/>
+          <a:chExt cx="0" cy="0"/>
+        </a:xfrm>
+      </p:grpSpPr>
+      <p:sp>
+        <p:nvSpPr>
+          <p:cNvPr id="2" name="标题 1">
+            <a:extLst>
+              <a:ext uri="{FF2B5EF4-FFF2-40B4-BE49-F238E27FC236}">
+                <a16:creationId xmlns:a16="http://schemas.microsoft.com/office/drawing/2014/main" id="{5EC01E2D-9CFE-4D5D-8863-3BA90731F07B}"/>
+              </a:ext>
+            </a:extLst>
+          </p:cNvPr>
+          <p:cNvSpPr>
+            <a:spLocks noGrp="1"/>
+          </p:cNvSpPr>
+          <p:nvPr>
+            <p:ph type="title"/>
+          </p:nvPr>
+        </p:nvSpPr>
+        <p:spPr/>
+        <p:txBody>
+          <a:bodyPr/>
+          <a:lstStyle/>
+          <a:p>
+            <a:r>
+              <a:rPr lang="en-US" altLang="zh-CN" dirty="0"/>
+              <a:t>Add sprite and sound to game</a:t>
+            </a:r>
+            <a:endParaRPr lang="en-MY" dirty="0"/>
+          </a:p>
+        </p:txBody>
+      </p:sp>
+      <p:sp>
+        <p:nvSpPr>
+          <p:cNvPr id="5" name="内容占位符 8">
+            <a:extLst>
+              <a:ext uri="{FF2B5EF4-FFF2-40B4-BE49-F238E27FC236}">
+                <a16:creationId xmlns:a16="http://schemas.microsoft.com/office/drawing/2014/main" id="{408E7A42-6353-4DDC-9865-E8607D0CCF8A}"/>
+              </a:ext>
+            </a:extLst>
+          </p:cNvPr>
+          <p:cNvSpPr>
+            <a:spLocks noGrp="1"/>
+          </p:cNvSpPr>
+          <p:nvPr>
+            <p:ph idx="1"/>
+          </p:nvPr>
+        </p:nvSpPr>
+        <p:spPr>
+          <a:xfrm>
+            <a:off x="685801" y="2142068"/>
+            <a:ext cx="6957873" cy="3353858"/>
+          </a:xfrm>
+        </p:spPr>
+        <p:txBody>
+          <a:bodyPr>
+            <a:normAutofit lnSpcReduction="10000"/>
+          </a:bodyPr>
+          <a:lstStyle/>
+          <a:p>
+            <a:pPr marL="0" indent="0">
+              <a:buNone/>
+            </a:pPr>
+            <a:r>
+              <a:rPr lang="en-US" dirty="0"/>
+              <a:t>Change the rectangle eat program to PAC-MAN eat program</a:t>
+            </a:r>
+          </a:p>
+          <a:p>
+            <a:r>
+              <a:rPr lang="en-US" dirty="0"/>
+              <a:t>Replace large rectangle with </a:t>
+            </a:r>
+            <a:r>
+              <a:rPr lang="en-US" dirty="0" err="1"/>
+              <a:t>pac</a:t>
+            </a:r>
+            <a:r>
+              <a:rPr lang="en-US" dirty="0"/>
+              <a:t>-man picture.</a:t>
+            </a:r>
+          </a:p>
+          <a:p>
+            <a:r>
+              <a:rPr lang="en-US" dirty="0"/>
+              <a:t>Replace small rectangles with yellow dots</a:t>
+            </a:r>
+          </a:p>
+          <a:p>
+            <a:r>
+              <a:rPr lang="en-US" dirty="0"/>
+              <a:t>Make the program able to add special type: ghost. Use mouse button click to add it on screen</a:t>
+            </a:r>
+          </a:p>
+          <a:p>
+            <a:r>
+              <a:rPr lang="en-US" dirty="0"/>
+              <a:t>When eat yellow dots, </a:t>
+            </a:r>
+            <a:r>
+              <a:rPr lang="en-US" dirty="0" err="1"/>
+              <a:t>pac</a:t>
+            </a:r>
+            <a:r>
+              <a:rPr lang="en-US" dirty="0"/>
+              <a:t>-man increase size.</a:t>
+            </a:r>
+          </a:p>
+          <a:p>
+            <a:r>
+              <a:rPr lang="en-US" dirty="0"/>
+              <a:t>When eat ghost, </a:t>
+            </a:r>
+            <a:r>
+              <a:rPr lang="en-US" dirty="0" err="1"/>
+              <a:t>pac</a:t>
+            </a:r>
+            <a:r>
+              <a:rPr lang="en-US" dirty="0"/>
+              <a:t>-man reduce size.</a:t>
+            </a:r>
+          </a:p>
+          <a:p>
+            <a:r>
+              <a:rPr lang="en-US" dirty="0"/>
+              <a:t>Add background music when playing.</a:t>
+            </a:r>
+          </a:p>
+          <a:p>
+            <a:r>
+              <a:rPr lang="en-US" dirty="0"/>
+              <a:t>Add sound effect when </a:t>
+            </a:r>
+            <a:r>
+              <a:rPr lang="en-US" dirty="0" err="1"/>
+              <a:t>pac</a:t>
+            </a:r>
+            <a:r>
+              <a:rPr lang="en-US" dirty="0"/>
+              <a:t>-man eating one dot.</a:t>
+            </a:r>
+          </a:p>
+        </p:txBody>
+      </p:sp>
+      <p:pic>
+        <p:nvPicPr>
+          <p:cNvPr id="6" name="Picture 5">
+            <a:extLst>
+              <a:ext uri="{FF2B5EF4-FFF2-40B4-BE49-F238E27FC236}">
+                <a16:creationId xmlns:a16="http://schemas.microsoft.com/office/drawing/2014/main" id="{6E6C07B5-A4C7-4EFA-8760-1241E1AAED80}"/>
+              </a:ext>
+            </a:extLst>
+          </p:cNvPr>
+          <p:cNvPicPr>
+            <a:picLocks noChangeAspect="1"/>
+          </p:cNvPicPr>
+          <p:nvPr/>
+        </p:nvPicPr>
+        <p:blipFill>
+          <a:blip r:embed="rId2"/>
+          <a:stretch>
+            <a:fillRect/>
+          </a:stretch>
+        </p:blipFill>
+        <p:spPr>
+          <a:xfrm>
+            <a:off x="7643674" y="2142067"/>
+            <a:ext cx="4249636" cy="3353859"/>
+          </a:xfrm>
+          <a:prstGeom prst="rect">
+            <a:avLst/>
+          </a:prstGeom>
+        </p:spPr>
+      </p:pic>
+    </p:spTree>
+    <p:extLst>
+      <p:ext uri="{BB962C8B-B14F-4D97-AF65-F5344CB8AC3E}">
+        <p14:creationId xmlns:p14="http://schemas.microsoft.com/office/powerpoint/2010/main" val="1505910854"/>
+      </p:ext>
+    </p:extLst>
+  </p:cSld>
+  <p:clrMapOvr>
+    <a:masterClrMapping/>
+  </p:clrMapOvr>
+</p:sld>
+</file>
+
+<file path=ppt/slides/slide16.xml><?xml version="1.0" encoding="utf-8"?>
+<p:sld xmlns:a="http://schemas.openxmlformats.org/drawingml/2006/main" xmlns:r="http://schemas.openxmlformats.org/officeDocument/2006/relationships" xmlns:p="http://schemas.openxmlformats.org/presentationml/2006/main">
+  <p:cSld>
+    <p:spTree>
+      <p:nvGrpSpPr>
+        <p:cNvPr id="1" name=""/>
+        <p:cNvGrpSpPr/>
+        <p:nvPr/>
+      </p:nvGrpSpPr>
+      <p:grpSpPr>
+        <a:xfrm>
+          <a:off x="0" y="0"/>
+          <a:ext cx="0" cy="0"/>
+          <a:chOff x="0" y="0"/>
+          <a:chExt cx="0" cy="0"/>
+        </a:xfrm>
+      </p:grpSpPr>
+      <p:sp>
+        <p:nvSpPr>
+          <p:cNvPr id="2" name="标题 1">
+            <a:extLst>
+              <a:ext uri="{FF2B5EF4-FFF2-40B4-BE49-F238E27FC236}">
+                <a16:creationId xmlns:a16="http://schemas.microsoft.com/office/drawing/2014/main" id="{5EC01E2D-9CFE-4D5D-8863-3BA90731F07B}"/>
+              </a:ext>
+            </a:extLst>
+          </p:cNvPr>
+          <p:cNvSpPr>
+            <a:spLocks noGrp="1"/>
+          </p:cNvSpPr>
+          <p:nvPr>
+            <p:ph type="title"/>
+          </p:nvPr>
+        </p:nvSpPr>
+        <p:spPr/>
+        <p:txBody>
+          <a:bodyPr/>
+          <a:lstStyle/>
+          <a:p>
+            <a:r>
+              <a:rPr lang="en-US" altLang="zh-CN" dirty="0"/>
+              <a:t>Dodger game</a:t>
+            </a:r>
+            <a:endParaRPr lang="en-MY" dirty="0"/>
+          </a:p>
+        </p:txBody>
+      </p:sp>
+      <p:sp>
+        <p:nvSpPr>
+          <p:cNvPr id="5" name="内容占位符 8">
+            <a:extLst>
+              <a:ext uri="{FF2B5EF4-FFF2-40B4-BE49-F238E27FC236}">
+                <a16:creationId xmlns:a16="http://schemas.microsoft.com/office/drawing/2014/main" id="{408E7A42-6353-4DDC-9865-E8607D0CCF8A}"/>
+              </a:ext>
+            </a:extLst>
+          </p:cNvPr>
+          <p:cNvSpPr>
+            <a:spLocks noGrp="1"/>
+          </p:cNvSpPr>
+          <p:nvPr>
+            <p:ph idx="1"/>
+          </p:nvPr>
+        </p:nvSpPr>
+        <p:spPr>
+          <a:xfrm>
+            <a:off x="685802" y="2142068"/>
+            <a:ext cx="5781673" cy="3353858"/>
+          </a:xfrm>
+        </p:spPr>
+        <p:txBody>
+          <a:bodyPr>
+            <a:normAutofit/>
+          </a:bodyPr>
+          <a:lstStyle/>
+          <a:p>
+            <a:pPr marL="0" indent="0">
+              <a:buNone/>
+            </a:pPr>
+            <a:r>
+              <a:rPr lang="en-US" dirty="0"/>
+              <a:t>A flying aircraft dodge the attacking weapons</a:t>
+            </a:r>
+          </a:p>
+          <a:p>
+            <a:r>
+              <a:rPr lang="en-US" dirty="0"/>
+              <a:t>Weapons drop from top to bottom.</a:t>
+            </a:r>
+          </a:p>
+          <a:p>
+            <a:r>
+              <a:rPr lang="en-US" dirty="0"/>
+              <a:t>Weapons dodge the weapons. When hit by weapon it’s life reduce.</a:t>
+            </a:r>
+          </a:p>
+          <a:p>
+            <a:r>
+              <a:rPr lang="en-US" dirty="0"/>
+              <a:t>When life reaches 0 game over.</a:t>
+            </a:r>
+          </a:p>
+        </p:txBody>
+      </p:sp>
+      <p:pic>
+        <p:nvPicPr>
+          <p:cNvPr id="4" name="Picture 3">
+            <a:extLst>
+              <a:ext uri="{FF2B5EF4-FFF2-40B4-BE49-F238E27FC236}">
+                <a16:creationId xmlns:a16="http://schemas.microsoft.com/office/drawing/2014/main" id="{FA626F06-3929-44D7-85A4-CECFD2403F91}"/>
+              </a:ext>
+            </a:extLst>
+          </p:cNvPr>
+          <p:cNvPicPr>
+            <a:picLocks noChangeAspect="1"/>
+          </p:cNvPicPr>
+          <p:nvPr/>
+        </p:nvPicPr>
+        <p:blipFill>
+          <a:blip r:embed="rId2"/>
+          <a:stretch>
+            <a:fillRect/>
+          </a:stretch>
+        </p:blipFill>
+        <p:spPr>
+          <a:xfrm>
+            <a:off x="6813030" y="1608927"/>
+            <a:ext cx="4931295" cy="3891831"/>
+          </a:xfrm>
+          <a:prstGeom prst="rect">
+            <a:avLst/>
+          </a:prstGeom>
+        </p:spPr>
+      </p:pic>
+    </p:spTree>
+    <p:extLst>
+      <p:ext uri="{BB962C8B-B14F-4D97-AF65-F5344CB8AC3E}">
+        <p14:creationId xmlns:p14="http://schemas.microsoft.com/office/powerpoint/2010/main" val="3688355330"/>
+      </p:ext>
+    </p:extLst>
+  </p:cSld>
+  <p:clrMapOvr>
+    <a:masterClrMapping/>
+  </p:clrMapOvr>
+</p:sld>
+</file>
+
+<file path=ppt/slides/slide17.xml><?xml version="1.0" encoding="utf-8"?>
+<p:sld xmlns:a="http://schemas.openxmlformats.org/drawingml/2006/main" xmlns:r="http://schemas.openxmlformats.org/officeDocument/2006/relationships" xmlns:p="http://schemas.openxmlformats.org/presentationml/2006/main">
+  <p:cSld>
+    <p:spTree>
+      <p:nvGrpSpPr>
+        <p:cNvPr id="1" name=""/>
+        <p:cNvGrpSpPr/>
+        <p:nvPr/>
+      </p:nvGrpSpPr>
+      <p:grpSpPr>
+        <a:xfrm>
+          <a:off x="0" y="0"/>
+          <a:ext cx="0" cy="0"/>
+          <a:chOff x="0" y="0"/>
+          <a:chExt cx="0" cy="0"/>
+        </a:xfrm>
+      </p:grpSpPr>
+      <p:sp>
+        <p:nvSpPr>
+          <p:cNvPr id="2" name="标题 1">
+            <a:extLst>
+              <a:ext uri="{FF2B5EF4-FFF2-40B4-BE49-F238E27FC236}">
+                <a16:creationId xmlns:a16="http://schemas.microsoft.com/office/drawing/2014/main" id="{5EC01E2D-9CFE-4D5D-8863-3BA90731F07B}"/>
+              </a:ext>
+            </a:extLst>
+          </p:cNvPr>
+          <p:cNvSpPr>
+            <a:spLocks noGrp="1"/>
+          </p:cNvSpPr>
+          <p:nvPr>
+            <p:ph type="title"/>
+          </p:nvPr>
+        </p:nvSpPr>
+        <p:spPr/>
+        <p:txBody>
+          <a:bodyPr/>
+          <a:lstStyle/>
+          <a:p>
+            <a:r>
+              <a:rPr lang="en-US" altLang="zh-CN" dirty="0"/>
+              <a:t>Sprite rotate technique</a:t>
+            </a:r>
+            <a:endParaRPr lang="en-MY" dirty="0"/>
+          </a:p>
+        </p:txBody>
+      </p:sp>
+      <p:sp>
+        <p:nvSpPr>
+          <p:cNvPr id="5" name="内容占位符 8">
+            <a:extLst>
+              <a:ext uri="{FF2B5EF4-FFF2-40B4-BE49-F238E27FC236}">
+                <a16:creationId xmlns:a16="http://schemas.microsoft.com/office/drawing/2014/main" id="{408E7A42-6353-4DDC-9865-E8607D0CCF8A}"/>
+              </a:ext>
+            </a:extLst>
+          </p:cNvPr>
+          <p:cNvSpPr>
+            <a:spLocks noGrp="1"/>
+          </p:cNvSpPr>
+          <p:nvPr>
+            <p:ph idx="1"/>
+          </p:nvPr>
+        </p:nvSpPr>
+        <p:spPr>
+          <a:xfrm>
+            <a:off x="685802" y="2142068"/>
+            <a:ext cx="7696198" cy="2534707"/>
+          </a:xfrm>
+        </p:spPr>
+        <p:txBody>
+          <a:bodyPr>
+            <a:normAutofit/>
+          </a:bodyPr>
+          <a:lstStyle/>
+          <a:p>
+            <a:pPr marL="0" indent="0">
+              <a:buNone/>
+            </a:pPr>
+            <a:r>
+              <a:rPr lang="en-US" dirty="0" err="1"/>
+              <a:t>Pygame</a:t>
+            </a:r>
+            <a:r>
+              <a:rPr lang="en-US" dirty="0"/>
+              <a:t> rotate function</a:t>
+            </a:r>
+          </a:p>
+          <a:p>
+            <a:r>
+              <a:rPr lang="en-US" dirty="0"/>
+              <a:t>Simply use </a:t>
+            </a:r>
+            <a:r>
+              <a:rPr lang="en-US" dirty="0" err="1"/>
+              <a:t>pygame.transform.rotate</a:t>
+            </a:r>
+            <a:r>
+              <a:rPr lang="en-US" dirty="0"/>
+              <a:t>(), maybe the result is not your wanted. The sprite maybe not looks like rotating. The reason is the centering of rotation. </a:t>
+            </a:r>
+            <a:r>
+              <a:rPr lang="en-US" dirty="0" err="1"/>
+              <a:t>Pygame</a:t>
+            </a:r>
+            <a:r>
+              <a:rPr lang="en-US" dirty="0"/>
+              <a:t> function do not have a way to keep the center position.</a:t>
+            </a:r>
+          </a:p>
+          <a:p>
+            <a:r>
+              <a:rPr lang="en-US" dirty="0"/>
+              <a:t>If want to make the sprite rotate around one specific center, need to customize programming.</a:t>
+            </a:r>
+          </a:p>
+        </p:txBody>
+      </p:sp>
+    </p:spTree>
+    <p:extLst>
+      <p:ext uri="{BB962C8B-B14F-4D97-AF65-F5344CB8AC3E}">
+        <p14:creationId xmlns:p14="http://schemas.microsoft.com/office/powerpoint/2010/main" val="400038240"/>
+      </p:ext>
+    </p:extLst>
+  </p:cSld>
+  <p:clrMapOvr>
+    <a:masterClrMapping/>
+  </p:clrMapOvr>
+</p:sld>
+</file>
+
+<file path=ppt/slides/slide18.xml><?xml version="1.0" encoding="utf-8"?>
+<p:sld xmlns:a="http://schemas.openxmlformats.org/drawingml/2006/main" xmlns:r="http://schemas.openxmlformats.org/officeDocument/2006/relationships" xmlns:p="http://schemas.openxmlformats.org/presentationml/2006/main">
+  <p:cSld>
+    <p:spTree>
+      <p:nvGrpSpPr>
+        <p:cNvPr id="1" name=""/>
+        <p:cNvGrpSpPr/>
+        <p:nvPr/>
+      </p:nvGrpSpPr>
+      <p:grpSpPr>
+        <a:xfrm>
+          <a:off x="0" y="0"/>
+          <a:ext cx="0" cy="0"/>
+          <a:chOff x="0" y="0"/>
+          <a:chExt cx="0" cy="0"/>
+        </a:xfrm>
+      </p:grpSpPr>
+      <p:sp>
+        <p:nvSpPr>
+          <p:cNvPr id="2" name="标题 1">
+            <a:extLst>
+              <a:ext uri="{FF2B5EF4-FFF2-40B4-BE49-F238E27FC236}">
+                <a16:creationId xmlns:a16="http://schemas.microsoft.com/office/drawing/2014/main" id="{5EC01E2D-9CFE-4D5D-8863-3BA90731F07B}"/>
+              </a:ext>
+            </a:extLst>
+          </p:cNvPr>
+          <p:cNvSpPr>
+            <a:spLocks noGrp="1"/>
+          </p:cNvSpPr>
+          <p:nvPr>
+            <p:ph type="title"/>
+          </p:nvPr>
+        </p:nvSpPr>
+        <p:spPr/>
+        <p:txBody>
+          <a:bodyPr/>
+          <a:lstStyle/>
+          <a:p>
+            <a:r>
+              <a:rPr lang="en-US" altLang="zh-CN" dirty="0"/>
+              <a:t>OOP with </a:t>
+            </a:r>
+            <a:r>
+              <a:rPr lang="en-US" altLang="zh-CN" dirty="0" err="1"/>
+              <a:t>pygame</a:t>
+            </a:r>
+            <a:endParaRPr lang="en-MY" dirty="0"/>
+          </a:p>
+        </p:txBody>
+      </p:sp>
+      <p:sp>
+        <p:nvSpPr>
+          <p:cNvPr id="5" name="内容占位符 8">
+            <a:extLst>
+              <a:ext uri="{FF2B5EF4-FFF2-40B4-BE49-F238E27FC236}">
+                <a16:creationId xmlns:a16="http://schemas.microsoft.com/office/drawing/2014/main" id="{408E7A42-6353-4DDC-9865-E8607D0CCF8A}"/>
+              </a:ext>
+            </a:extLst>
+          </p:cNvPr>
+          <p:cNvSpPr>
+            <a:spLocks noGrp="1"/>
+          </p:cNvSpPr>
+          <p:nvPr>
+            <p:ph idx="1"/>
+          </p:nvPr>
+        </p:nvSpPr>
+        <p:spPr>
+          <a:xfrm>
+            <a:off x="685801" y="2142068"/>
+            <a:ext cx="8080693" cy="3327554"/>
+          </a:xfrm>
+        </p:spPr>
+        <p:txBody>
+          <a:bodyPr>
+            <a:normAutofit/>
+          </a:bodyPr>
+          <a:lstStyle/>
+          <a:p>
+            <a:pPr marL="0" indent="0">
+              <a:buNone/>
+            </a:pPr>
+            <a:r>
+              <a:rPr lang="en-US" dirty="0"/>
+              <a:t>Sprite class and sprite Group</a:t>
+            </a:r>
+          </a:p>
+          <a:p>
+            <a:r>
+              <a:rPr lang="en-US" dirty="0"/>
+              <a:t>Inherit from the Sprite class, or </a:t>
+            </a:r>
+            <a:r>
+              <a:rPr lang="en-US" dirty="0" err="1"/>
+              <a:t>DirtySprite</a:t>
+            </a:r>
+            <a:r>
+              <a:rPr lang="en-US" dirty="0"/>
+              <a:t> class, make your own sprite of your game.</a:t>
+            </a:r>
+          </a:p>
+          <a:p>
+            <a:r>
+              <a:rPr lang="en-US" dirty="0"/>
+              <a:t>Customize the update() method of your sprite to make it move in each frame time.</a:t>
+            </a:r>
+          </a:p>
+          <a:p>
+            <a:r>
+              <a:rPr lang="en-US" dirty="0"/>
+              <a:t>Arrange your sprites in Group. Call </a:t>
+            </a:r>
+            <a:r>
+              <a:rPr lang="en-US" dirty="0" err="1"/>
+              <a:t>group.draw</a:t>
+            </a:r>
+            <a:r>
+              <a:rPr lang="en-US" dirty="0"/>
+              <a:t>() method to </a:t>
+            </a:r>
+            <a:r>
+              <a:rPr lang="en-US" dirty="0" err="1"/>
+              <a:t>blit</a:t>
+            </a:r>
+            <a:r>
+              <a:rPr lang="en-US" dirty="0"/>
+              <a:t> the sprite onto your screen.</a:t>
+            </a:r>
+          </a:p>
+          <a:p>
+            <a:r>
+              <a:rPr lang="en-US" dirty="0"/>
+              <a:t>Arrange the </a:t>
+            </a:r>
+            <a:r>
+              <a:rPr lang="en-US" dirty="0" err="1"/>
+              <a:t>pygame.display.update</a:t>
+            </a:r>
+            <a:r>
+              <a:rPr lang="en-US" dirty="0"/>
+              <a:t>(), can pass the </a:t>
+            </a:r>
+            <a:r>
+              <a:rPr lang="en-US" dirty="0" err="1"/>
+              <a:t>rect</a:t>
+            </a:r>
+            <a:r>
+              <a:rPr lang="en-US" dirty="0"/>
+              <a:t> area list to it to only update part of the screen.</a:t>
+            </a:r>
+          </a:p>
+        </p:txBody>
+      </p:sp>
+    </p:spTree>
+    <p:extLst>
+      <p:ext uri="{BB962C8B-B14F-4D97-AF65-F5344CB8AC3E}">
+        <p14:creationId xmlns:p14="http://schemas.microsoft.com/office/powerpoint/2010/main" val="2006154171"/>
+      </p:ext>
+    </p:extLst>
+  </p:cSld>
+  <p:clrMapOvr>
+    <a:masterClrMapping/>
+  </p:clrMapOvr>
+</p:sld>
+</file>
+
+<file path=ppt/slides/slide19.xml><?xml version="1.0" encoding="utf-8"?>
+<p:sld xmlns:a="http://schemas.openxmlformats.org/drawingml/2006/main" xmlns:r="http://schemas.openxmlformats.org/officeDocument/2006/relationships" xmlns:p="http://schemas.openxmlformats.org/presentationml/2006/main">
+  <p:cSld>
+    <p:spTree>
+      <p:nvGrpSpPr>
+        <p:cNvPr id="1" name=""/>
+        <p:cNvGrpSpPr/>
+        <p:nvPr/>
+      </p:nvGrpSpPr>
+      <p:grpSpPr>
+        <a:xfrm>
+          <a:off x="0" y="0"/>
+          <a:ext cx="0" cy="0"/>
+          <a:chOff x="0" y="0"/>
+          <a:chExt cx="0" cy="0"/>
+        </a:xfrm>
+      </p:grpSpPr>
+      <p:sp>
+        <p:nvSpPr>
+          <p:cNvPr id="2" name="标题 1">
+            <a:extLst>
+              <a:ext uri="{FF2B5EF4-FFF2-40B4-BE49-F238E27FC236}">
+                <a16:creationId xmlns:a16="http://schemas.microsoft.com/office/drawing/2014/main" id="{5EC01E2D-9CFE-4D5D-8863-3BA90731F07B}"/>
+              </a:ext>
+            </a:extLst>
+          </p:cNvPr>
+          <p:cNvSpPr>
+            <a:spLocks noGrp="1"/>
+          </p:cNvSpPr>
+          <p:nvPr>
+            <p:ph type="title"/>
+          </p:nvPr>
+        </p:nvSpPr>
+        <p:spPr/>
+        <p:txBody>
+          <a:bodyPr/>
+          <a:lstStyle/>
+          <a:p>
+            <a:r>
+              <a:rPr lang="en-US" altLang="zh-CN" dirty="0"/>
+              <a:t>OOP with </a:t>
+            </a:r>
+            <a:r>
+              <a:rPr lang="en-US" altLang="zh-CN" dirty="0" err="1"/>
+              <a:t>pygame</a:t>
+            </a:r>
+            <a:endParaRPr lang="en-MY" dirty="0"/>
+          </a:p>
+        </p:txBody>
+      </p:sp>
+      <p:graphicFrame>
+        <p:nvGraphicFramePr>
+          <p:cNvPr id="6" name="Diagram 5">
+            <a:extLst>
+              <a:ext uri="{FF2B5EF4-FFF2-40B4-BE49-F238E27FC236}">
+                <a16:creationId xmlns:a16="http://schemas.microsoft.com/office/drawing/2014/main" id="{131CF233-7406-41EA-9F08-521055A3E503}"/>
+              </a:ext>
+            </a:extLst>
+          </p:cNvPr>
+          <p:cNvGraphicFramePr/>
+          <p:nvPr>
+            <p:extLst>
+              <p:ext uri="{D42A27DB-BD31-4B8C-83A1-F6EECF244321}">
+                <p14:modId xmlns:p14="http://schemas.microsoft.com/office/powerpoint/2010/main" val="2195859227"/>
+              </p:ext>
+            </p:extLst>
+          </p:nvPr>
+        </p:nvGraphicFramePr>
+        <p:xfrm>
+          <a:off x="1308100" y="2291292"/>
+          <a:ext cx="8128000" cy="3957108"/>
+        </p:xfrm>
+        <a:graphic>
+          <a:graphicData uri="http://schemas.openxmlformats.org/drawingml/2006/diagram">
+            <dgm:relIds xmlns:dgm="http://schemas.openxmlformats.org/drawingml/2006/diagram" xmlns:r="http://schemas.openxmlformats.org/officeDocument/2006/relationships" r:dm="rId2" r:lo="rId3" r:qs="rId4" r:cs="rId5"/>
+          </a:graphicData>
+        </a:graphic>
+      </p:graphicFrame>
+    </p:spTree>
+    <p:extLst>
+      <p:ext uri="{BB962C8B-B14F-4D97-AF65-F5344CB8AC3E}">
+        <p14:creationId xmlns:p14="http://schemas.microsoft.com/office/powerpoint/2010/main" val="1147039829"/>
+      </p:ext>
+    </p:extLst>
+  </p:cSld>
+  <p:clrMapOvr>
+    <a:masterClrMapping/>
+  </p:clrMapOvr>
+</p:sld>
+</file>
+
+<file path=ppt/slides/slide2.xml><?xml version="1.0" encoding="utf-8"?>
+<p:sld xmlns:a="http://schemas.openxmlformats.org/drawingml/2006/main" xmlns:r="http://schemas.openxmlformats.org/officeDocument/2006/relationships" xmlns:p="http://schemas.openxmlformats.org/presentationml/2006/main">
+  <p:cSld>
+    <p:bg>
+      <p:bgPr>
+        <a:blipFill>
+          <a:blip r:embed="rId2"/>
+          <a:stretch/>
+        </a:blipFill>
+        <a:effectLst/>
+      </p:bgPr>
+    </p:bg>
+    <p:spTree>
+      <p:nvGrpSpPr>
+        <p:cNvPr id="1" name=""/>
+        <p:cNvGrpSpPr/>
+        <p:nvPr/>
+      </p:nvGrpSpPr>
+      <p:grpSpPr>
+        <a:xfrm>
+          <a:off x="0" y="0"/>
+          <a:ext cx="0" cy="0"/>
+          <a:chOff x="0" y="0"/>
+          <a:chExt cx="0" cy="0"/>
+        </a:xfrm>
+      </p:grpSpPr>
+      <p:sp>
+        <p:nvSpPr>
+          <p:cNvPr id="2" name="标题 1">
+            <a:extLst>
+              <a:ext uri="{FF2B5EF4-FFF2-40B4-BE49-F238E27FC236}">
+                <a16:creationId xmlns:a16="http://schemas.microsoft.com/office/drawing/2014/main" id="{5EC01E2D-9CFE-4D5D-8863-3BA90731F07B}"/>
+              </a:ext>
+            </a:extLst>
+          </p:cNvPr>
+          <p:cNvSpPr>
+            <a:spLocks noGrp="1"/>
+          </p:cNvSpPr>
+          <p:nvPr>
+            <p:ph type="title"/>
+          </p:nvPr>
+        </p:nvSpPr>
+        <p:spPr/>
+        <p:txBody>
+          <a:bodyPr/>
+          <a:lstStyle/>
+          <a:p>
+            <a:r>
+              <a:rPr lang="en-US" altLang="zh-CN" dirty="0" err="1"/>
+              <a:t>Pygame</a:t>
+            </a:r>
+            <a:r>
+              <a:rPr lang="en-US" altLang="zh-CN" dirty="0"/>
+              <a:t> programming</a:t>
+            </a:r>
+            <a:endParaRPr lang="en-MY" dirty="0"/>
+          </a:p>
+        </p:txBody>
+      </p:sp>
+      <p:sp>
+        <p:nvSpPr>
+          <p:cNvPr id="5" name="内容占位符 4">
+            <a:extLst>
+              <a:ext uri="{FF2B5EF4-FFF2-40B4-BE49-F238E27FC236}">
+                <a16:creationId xmlns:a16="http://schemas.microsoft.com/office/drawing/2014/main" id="{24C6C14A-404A-46CC-BBB2-888A7B4B7C1A}"/>
+              </a:ext>
+            </a:extLst>
+          </p:cNvPr>
+          <p:cNvSpPr>
+            <a:spLocks noGrp="1"/>
+          </p:cNvSpPr>
+          <p:nvPr>
+            <p:ph idx="1"/>
+          </p:nvPr>
+        </p:nvSpPr>
+        <p:spPr>
+          <a:xfrm>
+            <a:off x="685801" y="1806788"/>
+            <a:ext cx="6947451" cy="3306232"/>
+          </a:xfrm>
+        </p:spPr>
+        <p:txBody>
+          <a:bodyPr>
+            <a:normAutofit/>
+          </a:bodyPr>
+          <a:lstStyle/>
+          <a:p>
+            <a:pPr marL="0" indent="0">
+              <a:buNone/>
+            </a:pPr>
+            <a:r>
+              <a:rPr lang="en-US" b="1" dirty="0" err="1">
+                <a:solidFill>
+                  <a:srgbClr val="FFFF00"/>
+                </a:solidFill>
+              </a:rPr>
+              <a:t>pygame</a:t>
+            </a:r>
+            <a:endParaRPr lang="en-US" dirty="0"/>
+          </a:p>
+          <a:p>
+            <a:r>
+              <a:rPr lang="en-MY" dirty="0"/>
+              <a:t>It is a third party package to support python programming. Use </a:t>
+            </a:r>
+            <a:r>
+              <a:rPr lang="en-MY" dirty="0">
+                <a:solidFill>
+                  <a:srgbClr val="FFC000"/>
+                </a:solidFill>
+              </a:rPr>
+              <a:t>pip install </a:t>
+            </a:r>
+            <a:r>
+              <a:rPr lang="en-MY" dirty="0" err="1">
+                <a:solidFill>
+                  <a:srgbClr val="FFC000"/>
+                </a:solidFill>
+              </a:rPr>
+              <a:t>pygame</a:t>
+            </a:r>
+            <a:r>
+              <a:rPr lang="en-MY" dirty="0"/>
+              <a:t> to install this package.</a:t>
+            </a:r>
+          </a:p>
+          <a:p>
+            <a:endParaRPr lang="en-MY" dirty="0"/>
+          </a:p>
+          <a:p>
+            <a:endParaRPr lang="en-MY" dirty="0"/>
+          </a:p>
+          <a:p>
+            <a:endParaRPr lang="en-MY" dirty="0"/>
+          </a:p>
+          <a:p>
+            <a:r>
+              <a:rPr lang="en-MY" dirty="0"/>
+              <a:t>Under python idle shell prompt, or </a:t>
+            </a:r>
+            <a:r>
+              <a:rPr lang="en-MY" dirty="0" err="1"/>
+              <a:t>cmd</a:t>
+            </a:r>
+            <a:r>
+              <a:rPr lang="en-MY" dirty="0"/>
+              <a:t> python prompt, use import </a:t>
+            </a:r>
+            <a:r>
+              <a:rPr lang="en-MY" dirty="0" err="1"/>
+              <a:t>pygame</a:t>
+            </a:r>
+            <a:r>
+              <a:rPr lang="en-MY" dirty="0"/>
+              <a:t> to verify it is correctly installed.</a:t>
+            </a:r>
+          </a:p>
+        </p:txBody>
+      </p:sp>
+      <p:pic>
+        <p:nvPicPr>
+          <p:cNvPr id="4" name="Picture 3">
+            <a:extLst>
+              <a:ext uri="{FF2B5EF4-FFF2-40B4-BE49-F238E27FC236}">
+                <a16:creationId xmlns:a16="http://schemas.microsoft.com/office/drawing/2014/main" id="{DB288E02-025B-4998-9A39-725A0724CD7D}"/>
+              </a:ext>
+            </a:extLst>
+          </p:cNvPr>
+          <p:cNvPicPr>
+            <a:picLocks noChangeAspect="1"/>
+          </p:cNvPicPr>
+          <p:nvPr/>
+        </p:nvPicPr>
+        <p:blipFill rotWithShape="1">
+          <a:blip r:embed="rId3"/>
+          <a:srcRect b="1658"/>
+          <a:stretch/>
+        </p:blipFill>
+        <p:spPr>
+          <a:xfrm>
+            <a:off x="2270571" y="2952710"/>
+            <a:ext cx="4359018" cy="906820"/>
+          </a:xfrm>
+          <a:prstGeom prst="rect">
+            <a:avLst/>
+          </a:prstGeom>
+        </p:spPr>
+      </p:pic>
+      <p:pic>
+        <p:nvPicPr>
+          <p:cNvPr id="7" name="Picture 6">
+            <a:extLst>
+              <a:ext uri="{FF2B5EF4-FFF2-40B4-BE49-F238E27FC236}">
+                <a16:creationId xmlns:a16="http://schemas.microsoft.com/office/drawing/2014/main" id="{F846BE72-4349-49AA-8126-9A4F5D3171AB}"/>
+              </a:ext>
+            </a:extLst>
+          </p:cNvPr>
+          <p:cNvPicPr>
+            <a:picLocks noChangeAspect="1"/>
+          </p:cNvPicPr>
+          <p:nvPr/>
+        </p:nvPicPr>
+        <p:blipFill>
+          <a:blip r:embed="rId4"/>
+          <a:stretch>
+            <a:fillRect/>
+          </a:stretch>
+        </p:blipFill>
+        <p:spPr>
+          <a:xfrm>
+            <a:off x="1665544" y="4817665"/>
+            <a:ext cx="7559695" cy="1844200"/>
+          </a:xfrm>
+          <a:prstGeom prst="rect">
+            <a:avLst/>
+          </a:prstGeom>
+        </p:spPr>
+      </p:pic>
+    </p:spTree>
+    <p:extLst>
+      <p:ext uri="{BB962C8B-B14F-4D97-AF65-F5344CB8AC3E}">
+        <p14:creationId xmlns:p14="http://schemas.microsoft.com/office/powerpoint/2010/main" val="647322237"/>
+      </p:ext>
+    </p:extLst>
+  </p:cSld>
+  <p:clrMapOvr>
+    <a:masterClrMapping/>
+  </p:clrMapOvr>
+</p:sld>
+</file>
+
+<file path=ppt/slides/slide3.xml><?xml version="1.0" encoding="utf-8"?>
+<p:sld xmlns:a="http://schemas.openxmlformats.org/drawingml/2006/main" xmlns:r="http://schemas.openxmlformats.org/officeDocument/2006/relationships" xmlns:p="http://schemas.openxmlformats.org/presentationml/2006/main">
+  <p:cSld>
+    <p:spTree>
+      <p:nvGrpSpPr>
+        <p:cNvPr id="1" name=""/>
+        <p:cNvGrpSpPr/>
+        <p:nvPr/>
+      </p:nvGrpSpPr>
+      <p:grpSpPr>
+        <a:xfrm>
+          <a:off x="0" y="0"/>
+          <a:ext cx="0" cy="0"/>
+          <a:chOff x="0" y="0"/>
+          <a:chExt cx="0" cy="0"/>
+        </a:xfrm>
+      </p:grpSpPr>
+      <p:sp>
+        <p:nvSpPr>
+          <p:cNvPr id="2" name="标题 1">
+            <a:extLst>
+              <a:ext uri="{FF2B5EF4-FFF2-40B4-BE49-F238E27FC236}">
+                <a16:creationId xmlns:a16="http://schemas.microsoft.com/office/drawing/2014/main" id="{5EC01E2D-9CFE-4D5D-8863-3BA90731F07B}"/>
+              </a:ext>
+            </a:extLst>
+          </p:cNvPr>
+          <p:cNvSpPr>
+            <a:spLocks noGrp="1"/>
+          </p:cNvSpPr>
+          <p:nvPr>
+            <p:ph type="title"/>
+          </p:nvPr>
+        </p:nvSpPr>
+        <p:spPr/>
+        <p:txBody>
+          <a:bodyPr/>
+          <a:lstStyle/>
+          <a:p>
+            <a:r>
+              <a:rPr lang="en-US" altLang="zh-CN" dirty="0"/>
+              <a:t>First graphic program using </a:t>
+            </a:r>
+            <a:r>
+              <a:rPr lang="en-US" altLang="zh-CN" dirty="0" err="1"/>
+              <a:t>pygame</a:t>
+            </a:r>
+            <a:endParaRPr lang="en-MY" dirty="0"/>
+          </a:p>
+        </p:txBody>
+      </p:sp>
+      <p:sp>
+        <p:nvSpPr>
+          <p:cNvPr id="9" name="内容占位符 8">
+            <a:extLst>
+              <a:ext uri="{FF2B5EF4-FFF2-40B4-BE49-F238E27FC236}">
+                <a16:creationId xmlns:a16="http://schemas.microsoft.com/office/drawing/2014/main" id="{B3A91969-9FC0-40D6-97FB-CB169B0FD70D}"/>
+              </a:ext>
+            </a:extLst>
+          </p:cNvPr>
+          <p:cNvSpPr>
+            <a:spLocks noGrp="1"/>
+          </p:cNvSpPr>
+          <p:nvPr>
+            <p:ph idx="1"/>
+          </p:nvPr>
+        </p:nvSpPr>
+        <p:spPr>
+          <a:xfrm>
+            <a:off x="685801" y="2142067"/>
+            <a:ext cx="8285479" cy="2419773"/>
+          </a:xfrm>
+        </p:spPr>
+        <p:txBody>
+          <a:bodyPr>
+            <a:normAutofit lnSpcReduction="10000"/>
+          </a:bodyPr>
+          <a:lstStyle/>
+          <a:p>
+            <a:r>
+              <a:rPr lang="en-US" dirty="0" err="1"/>
+              <a:t>Pygame</a:t>
+            </a:r>
+            <a:r>
+              <a:rPr lang="en-US" dirty="0"/>
+              <a:t> is a package that can help to use graphic programming, especially good for games.</a:t>
+            </a:r>
+          </a:p>
+          <a:p>
+            <a:r>
+              <a:rPr lang="en-US" dirty="0"/>
+              <a:t>We create our first </a:t>
+            </a:r>
+            <a:r>
+              <a:rPr lang="en-US" dirty="0" err="1"/>
+              <a:t>pygame</a:t>
+            </a:r>
+            <a:r>
+              <a:rPr lang="en-US" dirty="0"/>
+              <a:t> program to do the following:</a:t>
+            </a:r>
+          </a:p>
+          <a:p>
+            <a:pPr lvl="1"/>
+            <a:r>
+              <a:rPr lang="en-US" dirty="0"/>
+              <a:t>Draw on screen polygon, circle, line</a:t>
+            </a:r>
+          </a:p>
+          <a:p>
+            <a:pPr lvl="1"/>
+            <a:r>
+              <a:rPr lang="en-US" dirty="0"/>
+              <a:t>Show text on screen</a:t>
+            </a:r>
+          </a:p>
+          <a:p>
+            <a:pPr lvl="1"/>
+            <a:r>
+              <a:rPr lang="en-US" dirty="0"/>
+              <a:t>Able to close the program window</a:t>
+            </a:r>
+          </a:p>
+          <a:p>
+            <a:pPr lvl="1"/>
+            <a:r>
+              <a:rPr lang="en-US" dirty="0"/>
+              <a:t>Learn the basic framework to do a program based on </a:t>
+            </a:r>
+            <a:r>
+              <a:rPr lang="en-US" dirty="0" err="1"/>
+              <a:t>pygame</a:t>
+            </a:r>
+            <a:endParaRPr lang="en-MY" dirty="0"/>
+          </a:p>
+        </p:txBody>
+      </p:sp>
+      <p:pic>
+        <p:nvPicPr>
+          <p:cNvPr id="6" name="Picture 5">
+            <a:extLst>
+              <a:ext uri="{FF2B5EF4-FFF2-40B4-BE49-F238E27FC236}">
+                <a16:creationId xmlns:a16="http://schemas.microsoft.com/office/drawing/2014/main" id="{A45477DE-99BC-46C5-8EBD-3EFCCA22C291}"/>
+              </a:ext>
+            </a:extLst>
+          </p:cNvPr>
+          <p:cNvPicPr>
+            <a:picLocks noChangeAspect="1"/>
+          </p:cNvPicPr>
+          <p:nvPr/>
+        </p:nvPicPr>
+        <p:blipFill>
+          <a:blip r:embed="rId2"/>
+          <a:stretch>
+            <a:fillRect/>
+          </a:stretch>
+        </p:blipFill>
+        <p:spPr>
+          <a:xfrm>
+            <a:off x="6982253" y="2580461"/>
+            <a:ext cx="4770533" cy="4115157"/>
+          </a:xfrm>
+          <a:prstGeom prst="rect">
+            <a:avLst/>
+          </a:prstGeom>
+        </p:spPr>
+      </p:pic>
+    </p:spTree>
+    <p:extLst>
+      <p:ext uri="{BB962C8B-B14F-4D97-AF65-F5344CB8AC3E}">
+        <p14:creationId xmlns:p14="http://schemas.microsoft.com/office/powerpoint/2010/main" val="3957381771"/>
+      </p:ext>
+    </p:extLst>
+  </p:cSld>
+  <p:clrMapOvr>
+    <a:masterClrMapping/>
+  </p:clrMapOvr>
+</p:sld>
+</file>
+
+<file path=ppt/slides/slide4.xml><?xml version="1.0" encoding="utf-8"?>
+<p:sld xmlns:a="http://schemas.openxmlformats.org/drawingml/2006/main" xmlns:r="http://schemas.openxmlformats.org/officeDocument/2006/relationships" xmlns:p="http://schemas.openxmlformats.org/presentationml/2006/main">
+  <p:cSld>
+    <p:spTree>
+      <p:nvGrpSpPr>
+        <p:cNvPr id="1" name=""/>
+        <p:cNvGrpSpPr/>
+        <p:nvPr/>
+      </p:nvGrpSpPr>
+      <p:grpSpPr>
+        <a:xfrm>
+          <a:off x="0" y="0"/>
+          <a:ext cx="0" cy="0"/>
+          <a:chOff x="0" y="0"/>
+          <a:chExt cx="0" cy="0"/>
+        </a:xfrm>
+      </p:grpSpPr>
+      <p:sp>
+        <p:nvSpPr>
+          <p:cNvPr id="2" name="标题 1">
+            <a:extLst>
+              <a:ext uri="{FF2B5EF4-FFF2-40B4-BE49-F238E27FC236}">
+                <a16:creationId xmlns:a16="http://schemas.microsoft.com/office/drawing/2014/main" id="{5EC01E2D-9CFE-4D5D-8863-3BA90731F07B}"/>
+              </a:ext>
+            </a:extLst>
+          </p:cNvPr>
+          <p:cNvSpPr>
+            <a:spLocks noGrp="1"/>
+          </p:cNvSpPr>
+          <p:nvPr>
+            <p:ph type="title"/>
+          </p:nvPr>
+        </p:nvSpPr>
+        <p:spPr>
+          <a:xfrm>
+            <a:off x="533402" y="2152650"/>
+            <a:ext cx="2962274" cy="2190749"/>
+          </a:xfrm>
+        </p:spPr>
+        <p:txBody>
+          <a:bodyPr>
+            <a:normAutofit/>
+          </a:bodyPr>
+          <a:lstStyle/>
+          <a:p>
+            <a:r>
+              <a:rPr lang="en-US" altLang="zh-CN" dirty="0"/>
+              <a:t>Basic </a:t>
+            </a:r>
+            <a:r>
+              <a:rPr lang="en-US" altLang="zh-CN" dirty="0" err="1"/>
+              <a:t>pygame</a:t>
+            </a:r>
+            <a:r>
+              <a:rPr lang="en-US" altLang="zh-CN" dirty="0"/>
+              <a:t> program frame</a:t>
+            </a:r>
+            <a:endParaRPr lang="en-MY" dirty="0"/>
+          </a:p>
+        </p:txBody>
+      </p:sp>
+      <p:pic>
+        <p:nvPicPr>
+          <p:cNvPr id="7" name="Picture 6">
+            <a:extLst>
+              <a:ext uri="{FF2B5EF4-FFF2-40B4-BE49-F238E27FC236}">
+                <a16:creationId xmlns:a16="http://schemas.microsoft.com/office/drawing/2014/main" id="{5C467EA2-01B9-48A0-BDAC-33F47C6A1732}"/>
+              </a:ext>
+            </a:extLst>
+          </p:cNvPr>
+          <p:cNvPicPr>
+            <a:picLocks noChangeAspect="1"/>
+          </p:cNvPicPr>
+          <p:nvPr/>
+        </p:nvPicPr>
+        <p:blipFill>
+          <a:blip r:embed="rId2"/>
+          <a:stretch>
+            <a:fillRect/>
+          </a:stretch>
+        </p:blipFill>
+        <p:spPr>
+          <a:xfrm>
+            <a:off x="4796791" y="152400"/>
+            <a:ext cx="6014084" cy="6590778"/>
+          </a:xfrm>
+          <a:prstGeom prst="rect">
+            <a:avLst/>
+          </a:prstGeom>
+          <a:solidFill>
+            <a:srgbClr val="FFFFFF">
+              <a:shade val="85000"/>
+            </a:srgbClr>
+          </a:solidFill>
+          <a:ln w="88900" cap="sq">
+            <a:solidFill>
+              <a:srgbClr val="FFFFFF"/>
+            </a:solidFill>
+            <a:miter lim="800000"/>
+          </a:ln>
+          <a:effectLst/>
+        </p:spPr>
+      </p:pic>
+    </p:spTree>
+    <p:extLst>
+      <p:ext uri="{BB962C8B-B14F-4D97-AF65-F5344CB8AC3E}">
+        <p14:creationId xmlns:p14="http://schemas.microsoft.com/office/powerpoint/2010/main" val="4294128104"/>
+      </p:ext>
+    </p:extLst>
+  </p:cSld>
+  <p:clrMapOvr>
+    <a:masterClrMapping/>
+  </p:clrMapOvr>
+</p:sld>
+</file>
+
+<file path=ppt/slides/slide5.xml><?xml version="1.0" encoding="utf-8"?>
+<p:sld xmlns:a="http://schemas.openxmlformats.org/drawingml/2006/main" xmlns:r="http://schemas.openxmlformats.org/officeDocument/2006/relationships" xmlns:p="http://schemas.openxmlformats.org/presentationml/2006/main">
+  <p:cSld>
+    <p:spTree>
+      <p:nvGrpSpPr>
+        <p:cNvPr id="1" name=""/>
+        <p:cNvGrpSpPr/>
+        <p:nvPr/>
+      </p:nvGrpSpPr>
+      <p:grpSpPr>
+        <a:xfrm>
+          <a:off x="0" y="0"/>
+          <a:ext cx="0" cy="0"/>
+          <a:chOff x="0" y="0"/>
+          <a:chExt cx="0" cy="0"/>
+        </a:xfrm>
+      </p:grpSpPr>
+      <p:sp>
+        <p:nvSpPr>
+          <p:cNvPr id="2" name="标题 1">
+            <a:extLst>
+              <a:ext uri="{FF2B5EF4-FFF2-40B4-BE49-F238E27FC236}">
+                <a16:creationId xmlns:a16="http://schemas.microsoft.com/office/drawing/2014/main" id="{5EC01E2D-9CFE-4D5D-8863-3BA90731F07B}"/>
+              </a:ext>
+            </a:extLst>
+          </p:cNvPr>
+          <p:cNvSpPr>
+            <a:spLocks noGrp="1"/>
+          </p:cNvSpPr>
+          <p:nvPr>
+            <p:ph type="title"/>
+          </p:nvPr>
+        </p:nvSpPr>
+        <p:spPr/>
+        <p:txBody>
+          <a:bodyPr/>
+          <a:lstStyle/>
+          <a:p>
+            <a:r>
+              <a:rPr lang="en-US" altLang="zh-CN" dirty="0"/>
+              <a:t>Color in </a:t>
+            </a:r>
+            <a:r>
+              <a:rPr lang="en-US" altLang="zh-CN" dirty="0" err="1"/>
+              <a:t>pygame</a:t>
+            </a:r>
+            <a:endParaRPr lang="en-MY" dirty="0"/>
+          </a:p>
+        </p:txBody>
+      </p:sp>
+      <p:sp>
+        <p:nvSpPr>
+          <p:cNvPr id="9" name="内容占位符 8">
+            <a:extLst>
+              <a:ext uri="{FF2B5EF4-FFF2-40B4-BE49-F238E27FC236}">
+                <a16:creationId xmlns:a16="http://schemas.microsoft.com/office/drawing/2014/main" id="{B3A91969-9FC0-40D6-97FB-CB169B0FD70D}"/>
+              </a:ext>
+            </a:extLst>
+          </p:cNvPr>
+          <p:cNvSpPr>
+            <a:spLocks noGrp="1"/>
+          </p:cNvSpPr>
+          <p:nvPr>
+            <p:ph idx="1"/>
+          </p:nvPr>
+        </p:nvSpPr>
+        <p:spPr>
+          <a:xfrm>
+            <a:off x="685801" y="1945641"/>
+            <a:ext cx="8336279" cy="2846493"/>
+          </a:xfrm>
+        </p:spPr>
+        <p:txBody>
+          <a:bodyPr>
+            <a:normAutofit/>
+          </a:bodyPr>
+          <a:lstStyle/>
+          <a:p>
+            <a:r>
+              <a:rPr lang="en-US" dirty="0"/>
+              <a:t>In </a:t>
+            </a:r>
+            <a:r>
+              <a:rPr lang="en-US" dirty="0" err="1"/>
+              <a:t>pygame</a:t>
+            </a:r>
+            <a:r>
+              <a:rPr lang="en-US" dirty="0"/>
+              <a:t>, colors are using a system call RGB color to describe.</a:t>
+            </a:r>
+          </a:p>
+          <a:p>
+            <a:pPr lvl="1"/>
+            <a:r>
+              <a:rPr lang="en-US" dirty="0"/>
+              <a:t>3 integers tuple, each value from 0~255, to represent how much RED, GREEN, and BLUE respectively </a:t>
+            </a:r>
+          </a:p>
+          <a:p>
+            <a:r>
+              <a:rPr lang="en-US" dirty="0" err="1"/>
+              <a:t>pygame.color.THECOLORS</a:t>
+            </a:r>
+            <a:r>
+              <a:rPr lang="en-US" dirty="0"/>
+              <a:t>, has a list of name and color tuple. We can use all those color names as color in </a:t>
+            </a:r>
+            <a:r>
+              <a:rPr lang="en-US" dirty="0" err="1"/>
+              <a:t>pygame</a:t>
+            </a:r>
+            <a:r>
+              <a:rPr lang="en-US" dirty="0"/>
+              <a:t> programming.</a:t>
+            </a:r>
+          </a:p>
+          <a:p>
+            <a:r>
+              <a:rPr lang="en-US" dirty="0"/>
+              <a:t>There is a 4</a:t>
+            </a:r>
+            <a:r>
+              <a:rPr lang="en-US" baseline="30000" dirty="0"/>
+              <a:t>th</a:t>
+            </a:r>
+            <a:r>
+              <a:rPr lang="en-US" dirty="0"/>
+              <a:t> value called Alpha, which determines how much transparency:</a:t>
+            </a:r>
+          </a:p>
+          <a:p>
+            <a:pPr lvl="1"/>
+            <a:r>
+              <a:rPr lang="en-US" dirty="0"/>
+              <a:t>Alpha value also 0~255. value 0 means completely transparent, and 255 means completely no transparency.</a:t>
+            </a:r>
+          </a:p>
+        </p:txBody>
+      </p:sp>
+      <p:pic>
+        <p:nvPicPr>
+          <p:cNvPr id="4" name="Picture 3">
+            <a:extLst>
+              <a:ext uri="{FF2B5EF4-FFF2-40B4-BE49-F238E27FC236}">
+                <a16:creationId xmlns:a16="http://schemas.microsoft.com/office/drawing/2014/main" id="{73509F73-6BC8-4E55-8432-692A7CA0DA81}"/>
+              </a:ext>
+            </a:extLst>
+          </p:cNvPr>
+          <p:cNvPicPr>
+            <a:picLocks noChangeAspect="1"/>
+          </p:cNvPicPr>
+          <p:nvPr/>
+        </p:nvPicPr>
+        <p:blipFill>
+          <a:blip r:embed="rId2"/>
+          <a:stretch>
+            <a:fillRect/>
+          </a:stretch>
+        </p:blipFill>
+        <p:spPr>
+          <a:xfrm>
+            <a:off x="9154599" y="968575"/>
+            <a:ext cx="2952426" cy="1494590"/>
+          </a:xfrm>
+          <a:prstGeom prst="rect">
+            <a:avLst/>
+          </a:prstGeom>
+        </p:spPr>
+      </p:pic>
+      <p:pic>
+        <p:nvPicPr>
+          <p:cNvPr id="7" name="Picture 6">
+            <a:extLst>
+              <a:ext uri="{FF2B5EF4-FFF2-40B4-BE49-F238E27FC236}">
+                <a16:creationId xmlns:a16="http://schemas.microsoft.com/office/drawing/2014/main" id="{3E101499-A6D0-4F36-AC0A-49DA882F42A8}"/>
+              </a:ext>
+            </a:extLst>
+          </p:cNvPr>
+          <p:cNvPicPr>
+            <a:picLocks noChangeAspect="1"/>
+          </p:cNvPicPr>
+          <p:nvPr/>
+        </p:nvPicPr>
+        <p:blipFill>
+          <a:blip r:embed="rId3"/>
+          <a:stretch>
+            <a:fillRect/>
+          </a:stretch>
+        </p:blipFill>
+        <p:spPr>
+          <a:xfrm>
+            <a:off x="4793692" y="4550712"/>
+            <a:ext cx="3141511" cy="2479314"/>
+          </a:xfrm>
+          <a:prstGeom prst="rect">
+            <a:avLst/>
+          </a:prstGeom>
+        </p:spPr>
+      </p:pic>
+      <p:graphicFrame>
+        <p:nvGraphicFramePr>
+          <p:cNvPr id="6" name="Table 5">
+            <a:extLst>
+              <a:ext uri="{FF2B5EF4-FFF2-40B4-BE49-F238E27FC236}">
+                <a16:creationId xmlns:a16="http://schemas.microsoft.com/office/drawing/2014/main" id="{09195F4A-FD6F-4A35-92F2-D706281921CF}"/>
+              </a:ext>
+            </a:extLst>
+          </p:cNvPr>
+          <p:cNvGraphicFramePr>
+            <a:graphicFrameLocks noGrp="1"/>
+          </p:cNvGraphicFramePr>
+          <p:nvPr>
+            <p:extLst>
+              <p:ext uri="{D42A27DB-BD31-4B8C-83A1-F6EECF244321}">
+                <p14:modId xmlns:p14="http://schemas.microsoft.com/office/powerpoint/2010/main" val="714535883"/>
+              </p:ext>
+            </p:extLst>
+          </p:nvPr>
+        </p:nvGraphicFramePr>
+        <p:xfrm>
+          <a:off x="9154599" y="2860463"/>
+          <a:ext cx="2952426" cy="3017520"/>
+        </p:xfrm>
+        <a:graphic>
+          <a:graphicData uri="http://schemas.openxmlformats.org/drawingml/2006/table">
+            <a:tbl>
+              <a:tblPr bandRow="1">
+                <a:tableStyleId>{5C22544A-7EE6-4342-B048-85BDC9FD1C3A}</a:tableStyleId>
+              </a:tblPr>
+              <a:tblGrid>
+                <a:gridCol w="1279371">
+                  <a:extLst>
+                    <a:ext uri="{9D8B030D-6E8A-4147-A177-3AD203B41FA5}">
+                      <a16:colId xmlns:a16="http://schemas.microsoft.com/office/drawing/2014/main" val="4071813990"/>
+                    </a:ext>
+                  </a:extLst>
+                </a:gridCol>
+                <a:gridCol w="1673055">
+                  <a:extLst>
+                    <a:ext uri="{9D8B030D-6E8A-4147-A177-3AD203B41FA5}">
+                      <a16:colId xmlns:a16="http://schemas.microsoft.com/office/drawing/2014/main" val="2673373242"/>
+                    </a:ext>
+                  </a:extLst>
+                </a:gridCol>
+              </a:tblGrid>
+              <a:tr h="247969">
+                <a:tc>
+                  <a:txBody>
+                    <a:bodyPr/>
+                    <a:lstStyle/>
+                    <a:p>
+                      <a:r>
+                        <a:rPr lang="en-US" sz="1600" dirty="0"/>
+                        <a:t>Cyan</a:t>
+                      </a:r>
+                      <a:endParaRPr lang="en-MY" sz="1600" dirty="0"/>
+                    </a:p>
+                  </a:txBody>
+                  <a:tcPr/>
+                </a:tc>
+                <a:tc>
+                  <a:txBody>
+                    <a:bodyPr/>
+                    <a:lstStyle/>
+                    <a:p>
+                      <a:r>
+                        <a:rPr lang="en-US" sz="1600" dirty="0"/>
+                        <a:t>(0,255,255)</a:t>
+                      </a:r>
+                      <a:endParaRPr lang="en-MY" sz="1600" dirty="0"/>
+                    </a:p>
+                  </a:txBody>
+                  <a:tcPr/>
+                </a:tc>
+                <a:extLst>
+                  <a:ext uri="{0D108BD9-81ED-4DB2-BD59-A6C34878D82A}">
+                    <a16:rowId xmlns:a16="http://schemas.microsoft.com/office/drawing/2014/main" val="1939588768"/>
+                  </a:ext>
+                </a:extLst>
+              </a:tr>
+              <a:tr h="247969">
+                <a:tc>
+                  <a:txBody>
+                    <a:bodyPr/>
+                    <a:lstStyle/>
+                    <a:p>
+                      <a:r>
+                        <a:rPr lang="en-US" sz="1600" dirty="0"/>
+                        <a:t>Yellow</a:t>
+                      </a:r>
+                      <a:endParaRPr lang="en-MY" sz="1600" dirty="0"/>
+                    </a:p>
+                  </a:txBody>
+                  <a:tcPr/>
+                </a:tc>
+                <a:tc>
+                  <a:txBody>
+                    <a:bodyPr/>
+                    <a:lstStyle/>
+                    <a:p>
+                      <a:r>
+                        <a:rPr lang="en-US" sz="1600" dirty="0"/>
+                        <a:t>(255,255,0)</a:t>
+                      </a:r>
+                      <a:endParaRPr lang="en-MY" sz="1600" dirty="0"/>
+                    </a:p>
+                  </a:txBody>
+                  <a:tcPr/>
+                </a:tc>
+                <a:extLst>
+                  <a:ext uri="{0D108BD9-81ED-4DB2-BD59-A6C34878D82A}">
+                    <a16:rowId xmlns:a16="http://schemas.microsoft.com/office/drawing/2014/main" val="352454811"/>
+                  </a:ext>
+                </a:extLst>
+              </a:tr>
+              <a:tr h="247969">
+                <a:tc>
+                  <a:txBody>
+                    <a:bodyPr/>
+                    <a:lstStyle/>
+                    <a:p>
+                      <a:r>
+                        <a:rPr lang="en-US" sz="1600" dirty="0"/>
+                        <a:t>Fuchsia</a:t>
+                      </a:r>
+                      <a:endParaRPr lang="en-MY" sz="1600" dirty="0"/>
+                    </a:p>
+                  </a:txBody>
+                  <a:tcPr/>
+                </a:tc>
+                <a:tc>
+                  <a:txBody>
+                    <a:bodyPr/>
+                    <a:lstStyle/>
+                    <a:p>
+                      <a:r>
+                        <a:rPr lang="en-US" sz="1600" dirty="0"/>
+                        <a:t>(255,0,255)</a:t>
+                      </a:r>
+                      <a:endParaRPr lang="en-MY" sz="1600" dirty="0"/>
+                    </a:p>
+                  </a:txBody>
+                  <a:tcPr/>
+                </a:tc>
+                <a:extLst>
+                  <a:ext uri="{0D108BD9-81ED-4DB2-BD59-A6C34878D82A}">
+                    <a16:rowId xmlns:a16="http://schemas.microsoft.com/office/drawing/2014/main" val="1232549856"/>
+                  </a:ext>
+                </a:extLst>
+              </a:tr>
+              <a:tr h="247969">
+                <a:tc>
+                  <a:txBody>
+                    <a:bodyPr/>
+                    <a:lstStyle/>
+                    <a:p>
+                      <a:r>
+                        <a:rPr lang="en-US" sz="1600" dirty="0"/>
+                        <a:t>Purple</a:t>
+                      </a:r>
+                      <a:endParaRPr lang="en-MY" sz="1600" dirty="0"/>
+                    </a:p>
+                  </a:txBody>
+                  <a:tcPr/>
+                </a:tc>
+                <a:tc>
+                  <a:txBody>
+                    <a:bodyPr/>
+                    <a:lstStyle/>
+                    <a:p>
+                      <a:r>
+                        <a:rPr lang="en-US" sz="1600" dirty="0"/>
+                        <a:t>(128,0,128)</a:t>
+                      </a:r>
+                      <a:endParaRPr lang="en-MY" sz="1600" dirty="0"/>
+                    </a:p>
+                  </a:txBody>
+                  <a:tcPr/>
+                </a:tc>
+                <a:extLst>
+                  <a:ext uri="{0D108BD9-81ED-4DB2-BD59-A6C34878D82A}">
+                    <a16:rowId xmlns:a16="http://schemas.microsoft.com/office/drawing/2014/main" val="2286869215"/>
+                  </a:ext>
+                </a:extLst>
+              </a:tr>
+              <a:tr h="247969">
+                <a:tc>
+                  <a:txBody>
+                    <a:bodyPr/>
+                    <a:lstStyle/>
+                    <a:p>
+                      <a:r>
+                        <a:rPr lang="en-US" sz="1600" dirty="0"/>
+                        <a:t>Gray</a:t>
+                      </a:r>
+                      <a:endParaRPr lang="en-MY" sz="1600" dirty="0"/>
+                    </a:p>
+                  </a:txBody>
+                  <a:tcPr/>
+                </a:tc>
+                <a:tc>
+                  <a:txBody>
+                    <a:bodyPr/>
+                    <a:lstStyle/>
+                    <a:p>
+                      <a:r>
+                        <a:rPr lang="en-US" sz="1600" dirty="0"/>
+                        <a:t>(128,128,128)</a:t>
+                      </a:r>
+                      <a:endParaRPr lang="en-MY" sz="1600" dirty="0"/>
+                    </a:p>
+                  </a:txBody>
+                  <a:tcPr/>
+                </a:tc>
+                <a:extLst>
+                  <a:ext uri="{0D108BD9-81ED-4DB2-BD59-A6C34878D82A}">
+                    <a16:rowId xmlns:a16="http://schemas.microsoft.com/office/drawing/2014/main" val="3635192254"/>
+                  </a:ext>
+                </a:extLst>
+              </a:tr>
+              <a:tr h="247969">
+                <a:tc>
+                  <a:txBody>
+                    <a:bodyPr/>
+                    <a:lstStyle/>
+                    <a:p>
+                      <a:r>
+                        <a:rPr lang="en-US" sz="1600" dirty="0"/>
+                        <a:t>Silver</a:t>
+                      </a:r>
+                      <a:endParaRPr lang="en-MY" sz="1600" dirty="0"/>
+                    </a:p>
+                  </a:txBody>
+                  <a:tcPr/>
+                </a:tc>
+                <a:tc>
+                  <a:txBody>
+                    <a:bodyPr/>
+                    <a:lstStyle/>
+                    <a:p>
+                      <a:r>
+                        <a:rPr lang="en-US" sz="1600" dirty="0"/>
+                        <a:t>(192,192,192)</a:t>
+                      </a:r>
+                      <a:endParaRPr lang="en-MY" sz="1600" dirty="0"/>
+                    </a:p>
+                  </a:txBody>
+                  <a:tcPr/>
+                </a:tc>
+                <a:extLst>
+                  <a:ext uri="{0D108BD9-81ED-4DB2-BD59-A6C34878D82A}">
+                    <a16:rowId xmlns:a16="http://schemas.microsoft.com/office/drawing/2014/main" val="2113775892"/>
+                  </a:ext>
+                </a:extLst>
+              </a:tr>
+              <a:tr h="247969">
+                <a:tc>
+                  <a:txBody>
+                    <a:bodyPr/>
+                    <a:lstStyle/>
+                    <a:p>
+                      <a:r>
+                        <a:rPr lang="en-US" sz="1600" dirty="0"/>
+                        <a:t>Pink</a:t>
+                      </a:r>
+                      <a:endParaRPr lang="en-MY" sz="1600" dirty="0"/>
+                    </a:p>
+                  </a:txBody>
+                  <a:tcPr/>
+                </a:tc>
+                <a:tc>
+                  <a:txBody>
+                    <a:bodyPr/>
+                    <a:lstStyle/>
+                    <a:p>
+                      <a:r>
+                        <a:rPr lang="en-US" sz="1600" dirty="0"/>
+                        <a:t>(255,192,203)</a:t>
+                      </a:r>
+                      <a:endParaRPr lang="en-MY" sz="1600" dirty="0"/>
+                    </a:p>
+                  </a:txBody>
+                  <a:tcPr/>
+                </a:tc>
+                <a:extLst>
+                  <a:ext uri="{0D108BD9-81ED-4DB2-BD59-A6C34878D82A}">
+                    <a16:rowId xmlns:a16="http://schemas.microsoft.com/office/drawing/2014/main" val="2473773138"/>
+                  </a:ext>
+                </a:extLst>
+              </a:tr>
+              <a:tr h="247969">
+                <a:tc>
+                  <a:txBody>
+                    <a:bodyPr/>
+                    <a:lstStyle/>
+                    <a:p>
+                      <a:r>
+                        <a:rPr lang="en-US" sz="1600" dirty="0"/>
+                        <a:t>Brown</a:t>
+                      </a:r>
+                      <a:endParaRPr lang="en-MY" sz="1600" dirty="0"/>
+                    </a:p>
+                  </a:txBody>
+                  <a:tcPr/>
+                </a:tc>
+                <a:tc>
+                  <a:txBody>
+                    <a:bodyPr/>
+                    <a:lstStyle/>
+                    <a:p>
+                      <a:r>
+                        <a:rPr lang="en-US" sz="1600" dirty="0"/>
+                        <a:t>(165,42,42)</a:t>
+                      </a:r>
+                      <a:endParaRPr lang="en-MY" sz="1600" dirty="0"/>
+                    </a:p>
+                  </a:txBody>
+                  <a:tcPr/>
+                </a:tc>
+                <a:extLst>
+                  <a:ext uri="{0D108BD9-81ED-4DB2-BD59-A6C34878D82A}">
+                    <a16:rowId xmlns:a16="http://schemas.microsoft.com/office/drawing/2014/main" val="3065156057"/>
+                  </a:ext>
+                </a:extLst>
+              </a:tr>
+              <a:tr h="247969">
+                <a:tc>
+                  <a:txBody>
+                    <a:bodyPr/>
+                    <a:lstStyle/>
+                    <a:p>
+                      <a:r>
+                        <a:rPr lang="en-US" sz="1600" dirty="0"/>
+                        <a:t>Orange</a:t>
+                      </a:r>
+                      <a:endParaRPr lang="en-MY" sz="1600" dirty="0"/>
+                    </a:p>
+                  </a:txBody>
+                  <a:tcPr/>
+                </a:tc>
+                <a:tc>
+                  <a:txBody>
+                    <a:bodyPr/>
+                    <a:lstStyle/>
+                    <a:p>
+                      <a:r>
+                        <a:rPr lang="en-US" sz="1600" dirty="0"/>
+                        <a:t>(255,165,0)</a:t>
+                      </a:r>
+                      <a:endParaRPr lang="en-MY" sz="1600" dirty="0"/>
+                    </a:p>
+                  </a:txBody>
+                  <a:tcPr/>
+                </a:tc>
+                <a:extLst>
+                  <a:ext uri="{0D108BD9-81ED-4DB2-BD59-A6C34878D82A}">
+                    <a16:rowId xmlns:a16="http://schemas.microsoft.com/office/drawing/2014/main" val="2903059546"/>
+                  </a:ext>
+                </a:extLst>
+              </a:tr>
+            </a:tbl>
+          </a:graphicData>
+        </a:graphic>
+      </p:graphicFrame>
+    </p:spTree>
+    <p:extLst>
+      <p:ext uri="{BB962C8B-B14F-4D97-AF65-F5344CB8AC3E}">
+        <p14:creationId xmlns:p14="http://schemas.microsoft.com/office/powerpoint/2010/main" val="3034644185"/>
+      </p:ext>
+    </p:extLst>
+  </p:cSld>
+  <p:clrMapOvr>
+    <a:masterClrMapping/>
+  </p:clrMapOvr>
+</p:sld>
+</file>
+
+<file path=ppt/slides/slide6.xml><?xml version="1.0" encoding="utf-8"?>
+<p:sld xmlns:a="http://schemas.openxmlformats.org/drawingml/2006/main" xmlns:r="http://schemas.openxmlformats.org/officeDocument/2006/relationships" xmlns:p="http://schemas.openxmlformats.org/presentationml/2006/main">
+  <p:cSld>
+    <p:spTree>
+      <p:nvGrpSpPr>
+        <p:cNvPr id="1" name=""/>
+        <p:cNvGrpSpPr/>
+        <p:nvPr/>
+      </p:nvGrpSpPr>
+      <p:grpSpPr>
+        <a:xfrm>
+          <a:off x="0" y="0"/>
+          <a:ext cx="0" cy="0"/>
+          <a:chOff x="0" y="0"/>
+          <a:chExt cx="0" cy="0"/>
+        </a:xfrm>
+      </p:grpSpPr>
+      <p:sp>
+        <p:nvSpPr>
+          <p:cNvPr id="2" name="标题 1">
+            <a:extLst>
+              <a:ext uri="{FF2B5EF4-FFF2-40B4-BE49-F238E27FC236}">
+                <a16:creationId xmlns:a16="http://schemas.microsoft.com/office/drawing/2014/main" id="{5EC01E2D-9CFE-4D5D-8863-3BA90731F07B}"/>
+              </a:ext>
+            </a:extLst>
+          </p:cNvPr>
+          <p:cNvSpPr>
+            <a:spLocks noGrp="1"/>
+          </p:cNvSpPr>
+          <p:nvPr>
+            <p:ph type="title"/>
+          </p:nvPr>
+        </p:nvSpPr>
+        <p:spPr/>
+        <p:txBody>
+          <a:bodyPr/>
+          <a:lstStyle/>
+          <a:p>
+            <a:r>
+              <a:rPr lang="en-US" altLang="zh-CN" dirty="0"/>
+              <a:t>Animation: how to make movement</a:t>
+            </a:r>
+            <a:endParaRPr lang="en-MY" dirty="0"/>
+          </a:p>
+        </p:txBody>
+      </p:sp>
+      <p:sp>
+        <p:nvSpPr>
+          <p:cNvPr id="9" name="内容占位符 8">
+            <a:extLst>
+              <a:ext uri="{FF2B5EF4-FFF2-40B4-BE49-F238E27FC236}">
+                <a16:creationId xmlns:a16="http://schemas.microsoft.com/office/drawing/2014/main" id="{B3A91969-9FC0-40D6-97FB-CB169B0FD70D}"/>
+              </a:ext>
+            </a:extLst>
+          </p:cNvPr>
+          <p:cNvSpPr>
+            <a:spLocks noGrp="1"/>
+          </p:cNvSpPr>
+          <p:nvPr>
+            <p:ph idx="1"/>
+          </p:nvPr>
+        </p:nvSpPr>
+        <p:spPr>
+          <a:xfrm>
+            <a:off x="685801" y="2142067"/>
+            <a:ext cx="6730999" cy="3425613"/>
+          </a:xfrm>
+        </p:spPr>
+        <p:txBody>
+          <a:bodyPr>
+            <a:normAutofit/>
+          </a:bodyPr>
+          <a:lstStyle/>
+          <a:p>
+            <a:r>
+              <a:rPr lang="en-US" dirty="0"/>
+              <a:t>In </a:t>
+            </a:r>
+            <a:r>
+              <a:rPr lang="en-US" dirty="0" err="1"/>
+              <a:t>pygame</a:t>
+            </a:r>
+            <a:r>
+              <a:rPr lang="en-US" dirty="0"/>
+              <a:t>, the movement is achieved using </a:t>
+            </a:r>
+            <a:r>
+              <a:rPr lang="en-US" dirty="0">
+                <a:solidFill>
+                  <a:srgbClr val="FFC000"/>
+                </a:solidFill>
+              </a:rPr>
+              <a:t>a series of picture </a:t>
+            </a:r>
+            <a:r>
+              <a:rPr lang="en-US" dirty="0"/>
+              <a:t>shown, it is called frames. How many frames shown each second, is call the frame rate (FPS).</a:t>
+            </a:r>
+          </a:p>
+          <a:p>
+            <a:r>
+              <a:rPr lang="en-US" dirty="0"/>
+              <a:t>Each round of the game loop, program draw a picture on screen. </a:t>
+            </a:r>
+          </a:p>
+          <a:p>
+            <a:r>
+              <a:rPr lang="en-US" dirty="0"/>
+              <a:t>A moving rectangle program:</a:t>
+            </a:r>
+          </a:p>
+          <a:p>
+            <a:pPr lvl="1"/>
+            <a:r>
+              <a:rPr lang="en-US" dirty="0"/>
+              <a:t>Each round of the game loop, draw rectangle with a small location different to last loop.</a:t>
+            </a:r>
+          </a:p>
+          <a:p>
+            <a:pPr lvl="1"/>
+            <a:r>
+              <a:rPr lang="en-US" dirty="0"/>
+              <a:t>When reach edge bounce back.</a:t>
+            </a:r>
+          </a:p>
+        </p:txBody>
+      </p:sp>
+      <p:pic>
+        <p:nvPicPr>
+          <p:cNvPr id="5" name="Picture 4">
+            <a:extLst>
+              <a:ext uri="{FF2B5EF4-FFF2-40B4-BE49-F238E27FC236}">
+                <a16:creationId xmlns:a16="http://schemas.microsoft.com/office/drawing/2014/main" id="{D8798D17-08FB-4B17-A4D0-E2E0ED41D7DD}"/>
+              </a:ext>
+            </a:extLst>
+          </p:cNvPr>
+          <p:cNvPicPr>
+            <a:picLocks noChangeAspect="1"/>
+          </p:cNvPicPr>
+          <p:nvPr/>
+        </p:nvPicPr>
+        <p:blipFill>
+          <a:blip r:embed="rId2"/>
+          <a:stretch>
+            <a:fillRect/>
+          </a:stretch>
+        </p:blipFill>
+        <p:spPr>
+          <a:xfrm>
+            <a:off x="7962734" y="2065867"/>
+            <a:ext cx="3825572" cy="4115157"/>
+          </a:xfrm>
+          <a:prstGeom prst="rect">
+            <a:avLst/>
+          </a:prstGeom>
+        </p:spPr>
+      </p:pic>
+    </p:spTree>
+    <p:extLst>
+      <p:ext uri="{BB962C8B-B14F-4D97-AF65-F5344CB8AC3E}">
+        <p14:creationId xmlns:p14="http://schemas.microsoft.com/office/powerpoint/2010/main" val="4197735747"/>
+      </p:ext>
+    </p:extLst>
+  </p:cSld>
+  <p:clrMapOvr>
+    <a:masterClrMapping/>
+  </p:clrMapOvr>
+</p:sld>
+</file>
+
+<file path=ppt/slides/slide7.xml><?xml version="1.0" encoding="utf-8"?>
+<p:sld xmlns:a="http://schemas.openxmlformats.org/drawingml/2006/main" xmlns:r="http://schemas.openxmlformats.org/officeDocument/2006/relationships" xmlns:p="http://schemas.openxmlformats.org/presentationml/2006/main">
+  <p:cSld>
+    <p:spTree>
+      <p:nvGrpSpPr>
+        <p:cNvPr id="1" name=""/>
+        <p:cNvGrpSpPr/>
+        <p:nvPr/>
+      </p:nvGrpSpPr>
+      <p:grpSpPr>
+        <a:xfrm>
+          <a:off x="0" y="0"/>
+          <a:ext cx="0" cy="0"/>
+          <a:chOff x="0" y="0"/>
+          <a:chExt cx="0" cy="0"/>
+        </a:xfrm>
+      </p:grpSpPr>
+      <p:sp>
+        <p:nvSpPr>
+          <p:cNvPr id="2" name="标题 1">
+            <a:extLst>
+              <a:ext uri="{FF2B5EF4-FFF2-40B4-BE49-F238E27FC236}">
+                <a16:creationId xmlns:a16="http://schemas.microsoft.com/office/drawing/2014/main" id="{5EC01E2D-9CFE-4D5D-8863-3BA90731F07B}"/>
+              </a:ext>
+            </a:extLst>
+          </p:cNvPr>
+          <p:cNvSpPr>
+            <a:spLocks noGrp="1"/>
+          </p:cNvSpPr>
+          <p:nvPr>
+            <p:ph type="title"/>
+          </p:nvPr>
+        </p:nvSpPr>
+        <p:spPr/>
+        <p:txBody>
+          <a:bodyPr/>
+          <a:lstStyle/>
+          <a:p>
+            <a:r>
+              <a:rPr lang="en-US" altLang="zh-CN" dirty="0"/>
+              <a:t>collision: how to interact</a:t>
+            </a:r>
+            <a:endParaRPr lang="en-MY" dirty="0"/>
+          </a:p>
+        </p:txBody>
+      </p:sp>
+      <p:sp>
+        <p:nvSpPr>
+          <p:cNvPr id="9" name="内容占位符 8">
+            <a:extLst>
+              <a:ext uri="{FF2B5EF4-FFF2-40B4-BE49-F238E27FC236}">
+                <a16:creationId xmlns:a16="http://schemas.microsoft.com/office/drawing/2014/main" id="{B3A91969-9FC0-40D6-97FB-CB169B0FD70D}"/>
+              </a:ext>
+            </a:extLst>
+          </p:cNvPr>
+          <p:cNvSpPr>
+            <a:spLocks noGrp="1"/>
+          </p:cNvSpPr>
+          <p:nvPr>
+            <p:ph idx="1"/>
+          </p:nvPr>
+        </p:nvSpPr>
+        <p:spPr>
+          <a:xfrm>
+            <a:off x="685801" y="2142067"/>
+            <a:ext cx="6730999" cy="3425613"/>
+          </a:xfrm>
+        </p:spPr>
+        <p:txBody>
+          <a:bodyPr>
+            <a:normAutofit/>
+          </a:bodyPr>
+          <a:lstStyle/>
+          <a:p>
+            <a:r>
+              <a:rPr lang="en-US" dirty="0"/>
+              <a:t>2 rectangle bounce each other:</a:t>
+            </a:r>
+          </a:p>
+          <a:p>
+            <a:pPr lvl="1"/>
+            <a:r>
+              <a:rPr lang="en-US" dirty="0"/>
+              <a:t>Detect the collision. Decide which side collide.</a:t>
+            </a:r>
+          </a:p>
+          <a:p>
+            <a:pPr lvl="1"/>
+            <a:r>
+              <a:rPr lang="en-US" dirty="0"/>
+              <a:t>Decide the way of bounce each other.</a:t>
+            </a:r>
+          </a:p>
+        </p:txBody>
+      </p:sp>
+      <p:pic>
+        <p:nvPicPr>
+          <p:cNvPr id="5" name="Picture 4">
+            <a:extLst>
+              <a:ext uri="{FF2B5EF4-FFF2-40B4-BE49-F238E27FC236}">
+                <a16:creationId xmlns:a16="http://schemas.microsoft.com/office/drawing/2014/main" id="{D260A8CF-7A26-4EFD-A93F-7A9855439FC0}"/>
+              </a:ext>
+            </a:extLst>
+          </p:cNvPr>
+          <p:cNvPicPr>
+            <a:picLocks noChangeAspect="1"/>
+          </p:cNvPicPr>
+          <p:nvPr/>
+        </p:nvPicPr>
+        <p:blipFill>
+          <a:blip r:embed="rId2"/>
+          <a:stretch>
+            <a:fillRect/>
+          </a:stretch>
+        </p:blipFill>
+        <p:spPr>
+          <a:xfrm>
+            <a:off x="7050243" y="1924987"/>
+            <a:ext cx="3829584" cy="4115374"/>
+          </a:xfrm>
+          <a:prstGeom prst="rect">
+            <a:avLst/>
+          </a:prstGeom>
+        </p:spPr>
+      </p:pic>
+    </p:spTree>
+    <p:extLst>
+      <p:ext uri="{BB962C8B-B14F-4D97-AF65-F5344CB8AC3E}">
+        <p14:creationId xmlns:p14="http://schemas.microsoft.com/office/powerpoint/2010/main" val="2124301355"/>
+      </p:ext>
+    </p:extLst>
+  </p:cSld>
+  <p:clrMapOvr>
+    <a:masterClrMapping/>
+  </p:clrMapOvr>
+</p:sld>
+</file>
+
+<file path=ppt/slides/slide8.xml><?xml version="1.0" encoding="utf-8"?>
+<p:sld xmlns:a="http://schemas.openxmlformats.org/drawingml/2006/main" xmlns:r="http://schemas.openxmlformats.org/officeDocument/2006/relationships" xmlns:p="http://schemas.openxmlformats.org/presentationml/2006/main">
+  <p:cSld>
+    <p:spTree>
+      <p:nvGrpSpPr>
+        <p:cNvPr id="1" name=""/>
+        <p:cNvGrpSpPr/>
+        <p:nvPr/>
+      </p:nvGrpSpPr>
+      <p:grpSpPr>
+        <a:xfrm>
+          <a:off x="0" y="0"/>
+          <a:ext cx="0" cy="0"/>
+          <a:chOff x="0" y="0"/>
+          <a:chExt cx="0" cy="0"/>
+        </a:xfrm>
+      </p:grpSpPr>
+      <p:sp>
+        <p:nvSpPr>
+          <p:cNvPr id="2" name="Title 1">
+            <a:extLst>
+              <a:ext uri="{FF2B5EF4-FFF2-40B4-BE49-F238E27FC236}">
+                <a16:creationId xmlns:a16="http://schemas.microsoft.com/office/drawing/2014/main" id="{8A6D3156-CFDC-4846-A81A-F2ADB3E0F63E}"/>
+              </a:ext>
+            </a:extLst>
+          </p:cNvPr>
+          <p:cNvSpPr>
+            <a:spLocks noGrp="1"/>
+          </p:cNvSpPr>
+          <p:nvPr>
+            <p:ph type="title"/>
+          </p:nvPr>
+        </p:nvSpPr>
+        <p:spPr/>
+        <p:txBody>
+          <a:bodyPr/>
+          <a:lstStyle/>
+          <a:p>
+            <a:r>
+              <a:rPr lang="en-US" dirty="0"/>
+              <a:t>Collision: how to detect collision details between 2 blocks</a:t>
+            </a:r>
+            <a:endParaRPr lang="en-MY" dirty="0"/>
+          </a:p>
+        </p:txBody>
+      </p:sp>
+      <p:sp>
+        <p:nvSpPr>
+          <p:cNvPr id="3" name="Content Placeholder 2">
+            <a:extLst>
+              <a:ext uri="{FF2B5EF4-FFF2-40B4-BE49-F238E27FC236}">
+                <a16:creationId xmlns:a16="http://schemas.microsoft.com/office/drawing/2014/main" id="{9D1F974C-1DB9-4E2A-9588-CC760E15B602}"/>
+              </a:ext>
+            </a:extLst>
+          </p:cNvPr>
+          <p:cNvSpPr>
+            <a:spLocks noGrp="1"/>
+          </p:cNvSpPr>
+          <p:nvPr>
+            <p:ph idx="1"/>
+          </p:nvPr>
+        </p:nvSpPr>
+        <p:spPr>
+          <a:xfrm>
+            <a:off x="685800" y="2142067"/>
+            <a:ext cx="9607491" cy="4552347"/>
+          </a:xfrm>
+        </p:spPr>
+        <p:txBody>
+          <a:bodyPr>
+            <a:normAutofit fontScale="92500" lnSpcReduction="10000"/>
+          </a:bodyPr>
+          <a:lstStyle/>
+          <a:p>
+            <a:pPr marL="0" indent="0">
+              <a:buNone/>
+            </a:pPr>
+            <a:r>
+              <a:rPr lang="en-US" dirty="0"/>
+              <a:t>Functions can help to do </a:t>
+            </a:r>
+            <a:r>
+              <a:rPr lang="en-US" b="1" dirty="0">
+                <a:solidFill>
+                  <a:srgbClr val="FFC000"/>
+                </a:solidFill>
+              </a:rPr>
+              <a:t>collision detection</a:t>
+            </a:r>
+            <a:r>
+              <a:rPr lang="en-US" dirty="0"/>
+              <a:t>:</a:t>
+            </a:r>
+          </a:p>
+          <a:p>
+            <a:r>
+              <a:rPr lang="en-US" dirty="0" err="1"/>
+              <a:t>Rect</a:t>
+            </a:r>
+            <a:r>
+              <a:rPr lang="en-US" dirty="0"/>
+              <a:t> collide with point (</a:t>
+            </a:r>
+            <a:r>
+              <a:rPr lang="en-US" dirty="0" err="1"/>
+              <a:t>collidepoint</a:t>
+            </a:r>
+            <a:r>
+              <a:rPr lang="en-US" dirty="0"/>
+              <a:t>())</a:t>
+            </a:r>
+          </a:p>
+          <a:p>
+            <a:r>
+              <a:rPr lang="en-US" dirty="0" err="1"/>
+              <a:t>Rect</a:t>
+            </a:r>
+            <a:r>
+              <a:rPr lang="en-US" dirty="0"/>
+              <a:t> collide with another </a:t>
+            </a:r>
+            <a:r>
+              <a:rPr lang="en-US" dirty="0" err="1"/>
+              <a:t>rect</a:t>
+            </a:r>
+            <a:r>
+              <a:rPr lang="en-US" dirty="0"/>
+              <a:t> (</a:t>
+            </a:r>
+            <a:r>
+              <a:rPr lang="en-US" dirty="0" err="1"/>
+              <a:t>colliderect</a:t>
+            </a:r>
+            <a:r>
+              <a:rPr lang="en-US" dirty="0"/>
+              <a:t>())</a:t>
+            </a:r>
+          </a:p>
+          <a:p>
+            <a:r>
+              <a:rPr lang="en-US" dirty="0" err="1"/>
+              <a:t>Rect</a:t>
+            </a:r>
+            <a:r>
+              <a:rPr lang="en-US" dirty="0"/>
+              <a:t> crops another </a:t>
+            </a:r>
+            <a:r>
+              <a:rPr lang="en-US" dirty="0" err="1"/>
+              <a:t>rect</a:t>
+            </a:r>
+            <a:r>
+              <a:rPr lang="en-US" dirty="0"/>
+              <a:t> (clip())</a:t>
+            </a:r>
+          </a:p>
+          <a:p>
+            <a:r>
+              <a:rPr lang="en-US" dirty="0" err="1"/>
+              <a:t>Rect</a:t>
+            </a:r>
+            <a:r>
+              <a:rPr lang="en-US" dirty="0"/>
+              <a:t> crop a line inside (</a:t>
+            </a:r>
+            <a:r>
+              <a:rPr lang="en-US" dirty="0" err="1"/>
+              <a:t>clipline</a:t>
+            </a:r>
+            <a:r>
+              <a:rPr lang="en-US" dirty="0"/>
+              <a:t>())</a:t>
+            </a:r>
+          </a:p>
+          <a:p>
+            <a:pPr marL="0" indent="0">
+              <a:buNone/>
+            </a:pPr>
+            <a:endParaRPr lang="en-US" dirty="0"/>
+          </a:p>
+          <a:p>
+            <a:pPr marL="0" indent="0">
+              <a:buNone/>
+            </a:pPr>
+            <a:r>
+              <a:rPr lang="en-US" dirty="0"/>
+              <a:t>How to differentiate </a:t>
+            </a:r>
+            <a:r>
+              <a:rPr lang="en-US" b="1" dirty="0">
+                <a:solidFill>
+                  <a:srgbClr val="FFC000"/>
+                </a:solidFill>
+              </a:rPr>
+              <a:t>collision detail</a:t>
+            </a:r>
+            <a:r>
+              <a:rPr lang="en-US" dirty="0"/>
+              <a:t>? E.g., </a:t>
+            </a:r>
+            <a:r>
+              <a:rPr lang="en-US" dirty="0">
+                <a:solidFill>
+                  <a:srgbClr val="FFC000"/>
+                </a:solidFill>
+              </a:rPr>
+              <a:t>side collision</a:t>
+            </a:r>
+            <a:r>
+              <a:rPr lang="en-US" dirty="0"/>
+              <a:t>, </a:t>
+            </a:r>
+            <a:r>
+              <a:rPr lang="en-US" dirty="0">
+                <a:solidFill>
+                  <a:srgbClr val="FFC000"/>
+                </a:solidFill>
+              </a:rPr>
+              <a:t>corner collision</a:t>
+            </a:r>
+            <a:r>
+              <a:rPr lang="en-US" dirty="0"/>
+              <a:t>.</a:t>
+            </a:r>
+          </a:p>
+          <a:p>
+            <a:pPr marL="0" indent="0">
+              <a:buNone/>
+            </a:pPr>
+            <a:r>
+              <a:rPr lang="en-US" dirty="0"/>
+              <a:t>If those are round objects, how to decide collision point and decide bounce angle?</a:t>
+            </a:r>
+          </a:p>
+          <a:p>
+            <a:pPr marL="0" indent="0">
+              <a:buNone/>
+            </a:pPr>
+            <a:endParaRPr lang="en-US" dirty="0"/>
+          </a:p>
+          <a:p>
+            <a:pPr marL="0" indent="0">
+              <a:buNone/>
+            </a:pPr>
+            <a:r>
+              <a:rPr lang="en-US" dirty="0"/>
+              <a:t>According to physics, if assume mass is same, the speed perpendicular to collision side, will be changed. The speed along the collision side will remain same.</a:t>
+            </a:r>
+          </a:p>
+          <a:p>
+            <a:pPr marL="0" indent="0">
+              <a:buNone/>
+            </a:pPr>
+            <a:r>
+              <a:rPr lang="en-US" dirty="0"/>
+              <a:t>The speed vertical to collision side change: V2(after) = V1(before), V1(after) = V2(before). Map this to the change of X.Y. axis speeds and X.Y. axis speed directions.</a:t>
+            </a:r>
+          </a:p>
+          <a:p>
+            <a:endParaRPr lang="en-MY" dirty="0"/>
+          </a:p>
+        </p:txBody>
+      </p:sp>
+    </p:spTree>
+    <p:extLst>
+      <p:ext uri="{BB962C8B-B14F-4D97-AF65-F5344CB8AC3E}">
+        <p14:creationId xmlns:p14="http://schemas.microsoft.com/office/powerpoint/2010/main" val="949898455"/>
+      </p:ext>
+    </p:extLst>
+  </p:cSld>
+  <p:clrMapOvr>
+    <a:masterClrMapping/>
+  </p:clrMapOvr>
+</p:sld>
+</file>
+
 <file path=ppt/slides/slide9.xml><?xml version="1.0" encoding="utf-8"?>
 <p:sld xmlns:a="http://schemas.openxmlformats.org/drawingml/2006/main" xmlns:r="http://schemas.openxmlformats.org/officeDocument/2006/relationships" xmlns:p="http://schemas.openxmlformats.org/presentationml/2006/main">
   <p:cSld>
@@ -11455,40 +14835,75 @@
           </a:p>
         </p:txBody>
       </p:sp>
-      <p:pic>
-        <p:nvPicPr>
-          <p:cNvPr id="4" name="Picture 3">
+      <p:sp>
+        <p:nvSpPr>
+          <p:cNvPr id="9" name="内容占位符 8">
             <a:extLst>
               <a:ext uri="{FF2B5EF4-FFF2-40B4-BE49-F238E27FC236}">
-                <a16:creationId xmlns:a16="http://schemas.microsoft.com/office/drawing/2014/main" id="{31B5A9B6-40C9-4ADC-B84B-DEB105A38E7C}"/>
+                <a16:creationId xmlns:a16="http://schemas.microsoft.com/office/drawing/2014/main" id="{B3A91969-9FC0-40D6-97FB-CB169B0FD70D}"/>
               </a:ext>
             </a:extLst>
           </p:cNvPr>
-          <p:cNvPicPr>
-            <a:picLocks noChangeAspect="1"/>
-          </p:cNvPicPr>
-          <p:nvPr/>
-        </p:nvPicPr>
-        <p:blipFill>
-          <a:blip r:embed="rId2"/>
-          <a:stretch>
-            <a:fillRect/>
-          </a:stretch>
-        </p:blipFill>
+          <p:cNvSpPr>
+            <a:spLocks noGrp="1"/>
+          </p:cNvSpPr>
+          <p:nvPr>
+            <p:ph idx="1"/>
+          </p:nvPr>
+        </p:nvSpPr>
         <p:spPr>
           <a:xfrm>
-            <a:off x="4719443" y="0"/>
-            <a:ext cx="6220213" cy="6858000"/>
+            <a:off x="685801" y="2142067"/>
+            <a:ext cx="9810749" cy="3715808"/>
           </a:xfrm>
-          <a:prstGeom prst="rect">
-            <a:avLst/>
-          </a:prstGeom>
         </p:spPr>
-      </p:pic>
+        <p:txBody>
+          <a:bodyPr>
+            <a:normAutofit/>
+          </a:bodyPr>
+          <a:lstStyle/>
+          <a:p>
+            <a:r>
+              <a:rPr lang="en-US" dirty="0" err="1"/>
+              <a:t>Pygame</a:t>
+            </a:r>
+            <a:r>
+              <a:rPr lang="en-US" dirty="0"/>
+              <a:t> support player using many device to control the game sprite to move and perform certain action. The normal device we use when playing on computer is keyboard and mouse.</a:t>
+            </a:r>
+          </a:p>
+          <a:p>
+            <a:r>
+              <a:rPr lang="en-US" dirty="0"/>
+              <a:t>The event that related to keyboard and mouse are: key pressed down, key released, mouse button pressed, mouse button released, mouse movement.</a:t>
+            </a:r>
+          </a:p>
+          <a:p>
+            <a:r>
+              <a:rPr lang="en-US" dirty="0"/>
+              <a:t>Change the moving rectangle program:</a:t>
+            </a:r>
+          </a:p>
+          <a:p>
+            <a:pPr lvl="1"/>
+            <a:r>
+              <a:rPr lang="en-US" dirty="0"/>
+              <a:t>Allow player use keyboard to control the movement of the big rectangle.</a:t>
+            </a:r>
+          </a:p>
+          <a:p>
+            <a:pPr lvl="1"/>
+            <a:r>
+              <a:rPr lang="en-US" dirty="0"/>
+              <a:t>Mouse click will create some secret rectangles and it can also be eaten.</a:t>
+            </a:r>
+          </a:p>
+        </p:txBody>
+      </p:sp>
     </p:spTree>
     <p:extLst>
       <p:ext uri="{BB962C8B-B14F-4D97-AF65-F5344CB8AC3E}">
-        <p14:creationId xmlns:p14="http://schemas.microsoft.com/office/powerpoint/2010/main" val="3550856761"/>
+        <p14:creationId xmlns:p14="http://schemas.microsoft.com/office/powerpoint/2010/main" val="1651102495"/>
       </p:ext>
     </p:extLst>
   </p:cSld>
